--- a/01 - Microservices/01.1.pptx
+++ b/01 - Microservices/01.1.pptx
@@ -6,6 +6,8 @@
   </p:sldMasterIdLst>
   <p:sldIdLst>
     <p:sldId id="256" r:id="rId2"/>
+    <p:sldId id="257" r:id="rId3"/>
+    <p:sldId id="258" r:id="rId4"/>
   </p:sldIdLst>
   <p:sldSz cx="12192000" cy="6858000"/>
   <p:notesSz cx="6858000" cy="9144000"/>
@@ -3347,10 +3349,5287 @@
           <a:chExt cx="0" cy="0"/>
         </a:xfrm>
       </p:grpSpPr>
+      <p:sp>
+        <p:nvSpPr>
+          <p:cNvPr id="2" name="Rectangle: Rounded Corners 1">
+            <a:extLst>
+              <a:ext uri="{FF2B5EF4-FFF2-40B4-BE49-F238E27FC236}">
+                <a16:creationId xmlns:a16="http://schemas.microsoft.com/office/drawing/2014/main" id="{9DC59848-1F4B-1E74-DED6-F848900C09B9}"/>
+              </a:ext>
+            </a:extLst>
+          </p:cNvPr>
+          <p:cNvSpPr/>
+          <p:nvPr/>
+        </p:nvSpPr>
+        <p:spPr>
+          <a:xfrm>
+            <a:off x="960120" y="1453896"/>
+            <a:ext cx="1783080" cy="484632"/>
+          </a:xfrm>
+          <a:prstGeom prst="roundRect">
+            <a:avLst/>
+          </a:prstGeom>
+          <a:noFill/>
+        </p:spPr>
+        <p:style>
+          <a:lnRef idx="2">
+            <a:schemeClr val="accent1">
+              <a:shade val="50000"/>
+            </a:schemeClr>
+          </a:lnRef>
+          <a:fillRef idx="1">
+            <a:schemeClr val="accent1"/>
+          </a:fillRef>
+          <a:effectRef idx="0">
+            <a:schemeClr val="accent1"/>
+          </a:effectRef>
+          <a:fontRef idx="minor">
+            <a:schemeClr val="lt1"/>
+          </a:fontRef>
+        </p:style>
+        <p:txBody>
+          <a:bodyPr rtlCol="0" anchor="ctr"/>
+          <a:lstStyle/>
+          <a:p>
+            <a:pPr algn="ctr"/>
+            <a:endParaRPr lang="es-419"/>
+          </a:p>
+        </p:txBody>
+      </p:sp>
+      <p:sp>
+        <p:nvSpPr>
+          <p:cNvPr id="3" name="Rectangle: Rounded Corners 2">
+            <a:extLst>
+              <a:ext uri="{FF2B5EF4-FFF2-40B4-BE49-F238E27FC236}">
+                <a16:creationId xmlns:a16="http://schemas.microsoft.com/office/drawing/2014/main" id="{55A507B3-7CEB-D88C-FBC3-8CEF015091EA}"/>
+              </a:ext>
+            </a:extLst>
+          </p:cNvPr>
+          <p:cNvSpPr/>
+          <p:nvPr/>
+        </p:nvSpPr>
+        <p:spPr>
+          <a:xfrm>
+            <a:off x="960120" y="2075688"/>
+            <a:ext cx="1783080" cy="484632"/>
+          </a:xfrm>
+          <a:prstGeom prst="roundRect">
+            <a:avLst/>
+          </a:prstGeom>
+          <a:noFill/>
+        </p:spPr>
+        <p:style>
+          <a:lnRef idx="2">
+            <a:schemeClr val="accent1">
+              <a:shade val="50000"/>
+            </a:schemeClr>
+          </a:lnRef>
+          <a:fillRef idx="1">
+            <a:schemeClr val="accent1"/>
+          </a:fillRef>
+          <a:effectRef idx="0">
+            <a:schemeClr val="accent1"/>
+          </a:effectRef>
+          <a:fontRef idx="minor">
+            <a:schemeClr val="lt1"/>
+          </a:fontRef>
+        </p:style>
+        <p:txBody>
+          <a:bodyPr rtlCol="0" anchor="ctr"/>
+          <a:lstStyle/>
+          <a:p>
+            <a:pPr algn="ctr"/>
+            <a:endParaRPr lang="es-419"/>
+          </a:p>
+        </p:txBody>
+      </p:sp>
+      <p:sp>
+        <p:nvSpPr>
+          <p:cNvPr id="4" name="Rectangle: Rounded Corners 3">
+            <a:extLst>
+              <a:ext uri="{FF2B5EF4-FFF2-40B4-BE49-F238E27FC236}">
+                <a16:creationId xmlns:a16="http://schemas.microsoft.com/office/drawing/2014/main" id="{87C7867E-0A4C-CFF2-61AE-5A45A0D9018B}"/>
+              </a:ext>
+            </a:extLst>
+          </p:cNvPr>
+          <p:cNvSpPr/>
+          <p:nvPr/>
+        </p:nvSpPr>
+        <p:spPr>
+          <a:xfrm>
+            <a:off x="960120" y="2697480"/>
+            <a:ext cx="1783080" cy="484632"/>
+          </a:xfrm>
+          <a:prstGeom prst="roundRect">
+            <a:avLst/>
+          </a:prstGeom>
+          <a:noFill/>
+        </p:spPr>
+        <p:style>
+          <a:lnRef idx="2">
+            <a:schemeClr val="accent1">
+              <a:shade val="50000"/>
+            </a:schemeClr>
+          </a:lnRef>
+          <a:fillRef idx="1">
+            <a:schemeClr val="accent1"/>
+          </a:fillRef>
+          <a:effectRef idx="0">
+            <a:schemeClr val="accent1"/>
+          </a:effectRef>
+          <a:fontRef idx="minor">
+            <a:schemeClr val="lt1"/>
+          </a:fontRef>
+        </p:style>
+        <p:txBody>
+          <a:bodyPr rtlCol="0" anchor="ctr"/>
+          <a:lstStyle/>
+          <a:p>
+            <a:pPr algn="ctr"/>
+            <a:endParaRPr lang="es-419"/>
+          </a:p>
+        </p:txBody>
+      </p:sp>
+      <p:sp>
+        <p:nvSpPr>
+          <p:cNvPr id="5" name="Rectangle: Rounded Corners 4">
+            <a:extLst>
+              <a:ext uri="{FF2B5EF4-FFF2-40B4-BE49-F238E27FC236}">
+                <a16:creationId xmlns:a16="http://schemas.microsoft.com/office/drawing/2014/main" id="{5C206C70-8185-69C8-887E-7CB87ECBA3FD}"/>
+              </a:ext>
+            </a:extLst>
+          </p:cNvPr>
+          <p:cNvSpPr/>
+          <p:nvPr/>
+        </p:nvSpPr>
+        <p:spPr>
+          <a:xfrm>
+            <a:off x="960120" y="3438144"/>
+            <a:ext cx="1783080" cy="484632"/>
+          </a:xfrm>
+          <a:prstGeom prst="roundRect">
+            <a:avLst/>
+          </a:prstGeom>
+          <a:noFill/>
+        </p:spPr>
+        <p:style>
+          <a:lnRef idx="2">
+            <a:schemeClr val="accent1">
+              <a:shade val="50000"/>
+            </a:schemeClr>
+          </a:lnRef>
+          <a:fillRef idx="1">
+            <a:schemeClr val="accent1"/>
+          </a:fillRef>
+          <a:effectRef idx="0">
+            <a:schemeClr val="accent1"/>
+          </a:effectRef>
+          <a:fontRef idx="minor">
+            <a:schemeClr val="lt1"/>
+          </a:fontRef>
+        </p:style>
+        <p:txBody>
+          <a:bodyPr rtlCol="0" anchor="ctr"/>
+          <a:lstStyle/>
+          <a:p>
+            <a:pPr algn="ctr"/>
+            <a:endParaRPr lang="es-419"/>
+          </a:p>
+        </p:txBody>
+      </p:sp>
+      <p:cxnSp>
+        <p:nvCxnSpPr>
+          <p:cNvPr id="6" name="Straight Connector 5">
+            <a:extLst>
+              <a:ext uri="{FF2B5EF4-FFF2-40B4-BE49-F238E27FC236}">
+                <a16:creationId xmlns:a16="http://schemas.microsoft.com/office/drawing/2014/main" id="{523BD7C1-9652-D4F9-9BC6-2B32260A93E4}"/>
+              </a:ext>
+            </a:extLst>
+          </p:cNvPr>
+          <p:cNvCxnSpPr>
+            <a:stCxn id="2" idx="2"/>
+            <a:endCxn id="3" idx="0"/>
+          </p:cNvCxnSpPr>
+          <p:nvPr/>
+        </p:nvCxnSpPr>
+        <p:spPr>
+          <a:xfrm>
+            <a:off x="1851660" y="1938528"/>
+            <a:ext cx="0" cy="137160"/>
+          </a:xfrm>
+          <a:prstGeom prst="line">
+            <a:avLst/>
+          </a:prstGeom>
+        </p:spPr>
+        <p:style>
+          <a:lnRef idx="1">
+            <a:schemeClr val="accent1"/>
+          </a:lnRef>
+          <a:fillRef idx="0">
+            <a:schemeClr val="accent1"/>
+          </a:fillRef>
+          <a:effectRef idx="0">
+            <a:schemeClr val="accent1"/>
+          </a:effectRef>
+          <a:fontRef idx="minor">
+            <a:schemeClr val="tx1"/>
+          </a:fontRef>
+        </p:style>
+      </p:cxnSp>
+      <p:cxnSp>
+        <p:nvCxnSpPr>
+          <p:cNvPr id="7" name="Straight Connector 6">
+            <a:extLst>
+              <a:ext uri="{FF2B5EF4-FFF2-40B4-BE49-F238E27FC236}">
+                <a16:creationId xmlns:a16="http://schemas.microsoft.com/office/drawing/2014/main" id="{DACD9396-86CF-A448-1A17-CE56D5A5ED36}"/>
+              </a:ext>
+            </a:extLst>
+          </p:cNvPr>
+          <p:cNvCxnSpPr>
+            <a:stCxn id="3" idx="2"/>
+            <a:endCxn id="4" idx="0"/>
+          </p:cNvCxnSpPr>
+          <p:nvPr/>
+        </p:nvCxnSpPr>
+        <p:spPr>
+          <a:xfrm>
+            <a:off x="1851660" y="2560320"/>
+            <a:ext cx="0" cy="137160"/>
+          </a:xfrm>
+          <a:prstGeom prst="line">
+            <a:avLst/>
+          </a:prstGeom>
+        </p:spPr>
+        <p:style>
+          <a:lnRef idx="1">
+            <a:schemeClr val="accent1"/>
+          </a:lnRef>
+          <a:fillRef idx="0">
+            <a:schemeClr val="accent1"/>
+          </a:fillRef>
+          <a:effectRef idx="0">
+            <a:schemeClr val="accent1"/>
+          </a:effectRef>
+          <a:fontRef idx="minor">
+            <a:schemeClr val="tx1"/>
+          </a:fontRef>
+        </p:style>
+      </p:cxnSp>
+      <p:cxnSp>
+        <p:nvCxnSpPr>
+          <p:cNvPr id="8" name="Straight Connector 7">
+            <a:extLst>
+              <a:ext uri="{FF2B5EF4-FFF2-40B4-BE49-F238E27FC236}">
+                <a16:creationId xmlns:a16="http://schemas.microsoft.com/office/drawing/2014/main" id="{D00A1482-E78E-938B-D1FD-9015F5CA4BA2}"/>
+              </a:ext>
+            </a:extLst>
+          </p:cNvPr>
+          <p:cNvCxnSpPr>
+            <a:stCxn id="4" idx="2"/>
+            <a:endCxn id="5" idx="0"/>
+          </p:cNvCxnSpPr>
+          <p:nvPr/>
+        </p:nvCxnSpPr>
+        <p:spPr>
+          <a:xfrm>
+            <a:off x="1851660" y="3182112"/>
+            <a:ext cx="0" cy="256032"/>
+          </a:xfrm>
+          <a:prstGeom prst="line">
+            <a:avLst/>
+          </a:prstGeom>
+        </p:spPr>
+        <p:style>
+          <a:lnRef idx="1">
+            <a:schemeClr val="accent1"/>
+          </a:lnRef>
+          <a:fillRef idx="0">
+            <a:schemeClr val="accent1"/>
+          </a:fillRef>
+          <a:effectRef idx="0">
+            <a:schemeClr val="accent1"/>
+          </a:effectRef>
+          <a:fontRef idx="minor">
+            <a:schemeClr val="tx1"/>
+          </a:fontRef>
+        </p:style>
+      </p:cxnSp>
+      <p:sp>
+        <p:nvSpPr>
+          <p:cNvPr id="9" name="Rectangle: Rounded Corners 8">
+            <a:extLst>
+              <a:ext uri="{FF2B5EF4-FFF2-40B4-BE49-F238E27FC236}">
+                <a16:creationId xmlns:a16="http://schemas.microsoft.com/office/drawing/2014/main" id="{627472C6-6B4D-2335-0C3A-A650D05445DA}"/>
+              </a:ext>
+            </a:extLst>
+          </p:cNvPr>
+          <p:cNvSpPr/>
+          <p:nvPr/>
+        </p:nvSpPr>
+        <p:spPr>
+          <a:xfrm>
+            <a:off x="704088" y="832104"/>
+            <a:ext cx="2304288" cy="3950208"/>
+          </a:xfrm>
+          <a:prstGeom prst="roundRect">
+            <a:avLst/>
+          </a:prstGeom>
+          <a:noFill/>
+        </p:spPr>
+        <p:style>
+          <a:lnRef idx="2">
+            <a:schemeClr val="accent1">
+              <a:shade val="50000"/>
+            </a:schemeClr>
+          </a:lnRef>
+          <a:fillRef idx="1">
+            <a:schemeClr val="accent1"/>
+          </a:fillRef>
+          <a:effectRef idx="0">
+            <a:schemeClr val="accent1"/>
+          </a:effectRef>
+          <a:fontRef idx="minor">
+            <a:schemeClr val="lt1"/>
+          </a:fontRef>
+        </p:style>
+        <p:txBody>
+          <a:bodyPr rtlCol="0" anchor="ctr"/>
+          <a:lstStyle/>
+          <a:p>
+            <a:pPr algn="ctr"/>
+            <a:endParaRPr lang="es-419"/>
+          </a:p>
+        </p:txBody>
+      </p:sp>
+      <p:sp>
+        <p:nvSpPr>
+          <p:cNvPr id="10" name="Cylinder 9">
+            <a:extLst>
+              <a:ext uri="{FF2B5EF4-FFF2-40B4-BE49-F238E27FC236}">
+                <a16:creationId xmlns:a16="http://schemas.microsoft.com/office/drawing/2014/main" id="{0E10FA47-007D-BD97-AC5B-A40A396DDF79}"/>
+              </a:ext>
+            </a:extLst>
+          </p:cNvPr>
+          <p:cNvSpPr/>
+          <p:nvPr/>
+        </p:nvSpPr>
+        <p:spPr>
+          <a:xfrm>
+            <a:off x="1170432" y="5212080"/>
+            <a:ext cx="1362456" cy="1060704"/>
+          </a:xfrm>
+          <a:prstGeom prst="can">
+            <a:avLst/>
+          </a:prstGeom>
+          <a:noFill/>
+        </p:spPr>
+        <p:style>
+          <a:lnRef idx="2">
+            <a:schemeClr val="accent1">
+              <a:shade val="50000"/>
+            </a:schemeClr>
+          </a:lnRef>
+          <a:fillRef idx="1">
+            <a:schemeClr val="accent1"/>
+          </a:fillRef>
+          <a:effectRef idx="0">
+            <a:schemeClr val="accent1"/>
+          </a:effectRef>
+          <a:fontRef idx="minor">
+            <a:schemeClr val="lt1"/>
+          </a:fontRef>
+        </p:style>
+        <p:txBody>
+          <a:bodyPr rtlCol="0" anchor="ctr"/>
+          <a:lstStyle/>
+          <a:p>
+            <a:pPr algn="ctr"/>
+            <a:endParaRPr lang="es-419"/>
+          </a:p>
+        </p:txBody>
+      </p:sp>
+      <p:cxnSp>
+        <p:nvCxnSpPr>
+          <p:cNvPr id="11" name="Straight Arrow Connector 10">
+            <a:extLst>
+              <a:ext uri="{FF2B5EF4-FFF2-40B4-BE49-F238E27FC236}">
+                <a16:creationId xmlns:a16="http://schemas.microsoft.com/office/drawing/2014/main" id="{11C268EC-C1CC-416D-5BC5-77902D933C85}"/>
+              </a:ext>
+            </a:extLst>
+          </p:cNvPr>
+          <p:cNvCxnSpPr>
+            <a:endCxn id="10" idx="1"/>
+          </p:cNvCxnSpPr>
+          <p:nvPr/>
+        </p:nvCxnSpPr>
+        <p:spPr>
+          <a:xfrm flipH="1">
+            <a:off x="1851660" y="4782312"/>
+            <a:ext cx="4572" cy="429768"/>
+          </a:xfrm>
+          <a:prstGeom prst="straightConnector1">
+            <a:avLst/>
+          </a:prstGeom>
+          <a:ln>
+            <a:tailEnd type="triangle"/>
+          </a:ln>
+        </p:spPr>
+        <p:style>
+          <a:lnRef idx="1">
+            <a:schemeClr val="accent1"/>
+          </a:lnRef>
+          <a:fillRef idx="0">
+            <a:schemeClr val="accent1"/>
+          </a:fillRef>
+          <a:effectRef idx="0">
+            <a:schemeClr val="accent1"/>
+          </a:effectRef>
+          <a:fontRef idx="minor">
+            <a:schemeClr val="tx1"/>
+          </a:fontRef>
+        </p:style>
+      </p:cxnSp>
+      <p:cxnSp>
+        <p:nvCxnSpPr>
+          <p:cNvPr id="12" name="Straight Connector 11">
+            <a:extLst>
+              <a:ext uri="{FF2B5EF4-FFF2-40B4-BE49-F238E27FC236}">
+                <a16:creationId xmlns:a16="http://schemas.microsoft.com/office/drawing/2014/main" id="{9F45E6C0-6493-E92F-20DF-6A0E33571874}"/>
+              </a:ext>
+            </a:extLst>
+          </p:cNvPr>
+          <p:cNvCxnSpPr/>
+          <p:nvPr/>
+        </p:nvCxnSpPr>
+        <p:spPr>
+          <a:xfrm>
+            <a:off x="3163824" y="228600"/>
+            <a:ext cx="0" cy="6163056"/>
+          </a:xfrm>
+          <a:prstGeom prst="line">
+            <a:avLst/>
+          </a:prstGeom>
+        </p:spPr>
+        <p:style>
+          <a:lnRef idx="1">
+            <a:schemeClr val="accent1"/>
+          </a:lnRef>
+          <a:fillRef idx="0">
+            <a:schemeClr val="accent1"/>
+          </a:fillRef>
+          <a:effectRef idx="0">
+            <a:schemeClr val="accent1"/>
+          </a:effectRef>
+          <a:fontRef idx="minor">
+            <a:schemeClr val="tx1"/>
+          </a:fontRef>
+        </p:style>
+      </p:cxnSp>
+      <p:sp>
+        <p:nvSpPr>
+          <p:cNvPr id="13" name="Rectangle: Rounded Corners 12">
+            <a:extLst>
+              <a:ext uri="{FF2B5EF4-FFF2-40B4-BE49-F238E27FC236}">
+                <a16:creationId xmlns:a16="http://schemas.microsoft.com/office/drawing/2014/main" id="{5EF6FDFC-0541-81EC-3413-0BF817D4E9A8}"/>
+              </a:ext>
+            </a:extLst>
+          </p:cNvPr>
+          <p:cNvSpPr/>
+          <p:nvPr/>
+        </p:nvSpPr>
+        <p:spPr>
+          <a:xfrm>
+            <a:off x="3424428" y="832104"/>
+            <a:ext cx="2304288" cy="1106424"/>
+          </a:xfrm>
+          <a:prstGeom prst="roundRect">
+            <a:avLst/>
+          </a:prstGeom>
+          <a:noFill/>
+        </p:spPr>
+        <p:style>
+          <a:lnRef idx="2">
+            <a:schemeClr val="accent1">
+              <a:shade val="50000"/>
+            </a:schemeClr>
+          </a:lnRef>
+          <a:fillRef idx="1">
+            <a:schemeClr val="accent1"/>
+          </a:fillRef>
+          <a:effectRef idx="0">
+            <a:schemeClr val="accent1"/>
+          </a:effectRef>
+          <a:fontRef idx="minor">
+            <a:schemeClr val="lt1"/>
+          </a:fontRef>
+        </p:style>
+        <p:txBody>
+          <a:bodyPr rtlCol="0" anchor="ctr"/>
+          <a:lstStyle/>
+          <a:p>
+            <a:pPr algn="ctr"/>
+            <a:endParaRPr lang="es-419"/>
+          </a:p>
+        </p:txBody>
+      </p:sp>
+      <p:sp>
+        <p:nvSpPr>
+          <p:cNvPr id="14" name="Rectangle: Rounded Corners 13">
+            <a:extLst>
+              <a:ext uri="{FF2B5EF4-FFF2-40B4-BE49-F238E27FC236}">
+                <a16:creationId xmlns:a16="http://schemas.microsoft.com/office/drawing/2014/main" id="{6EE8E1CA-DAF4-BFEA-C1E7-ACE031DB5363}"/>
+              </a:ext>
+            </a:extLst>
+          </p:cNvPr>
+          <p:cNvSpPr/>
+          <p:nvPr/>
+        </p:nvSpPr>
+        <p:spPr>
+          <a:xfrm>
+            <a:off x="3685032" y="1143000"/>
+            <a:ext cx="1783080" cy="484632"/>
+          </a:xfrm>
+          <a:prstGeom prst="roundRect">
+            <a:avLst/>
+          </a:prstGeom>
+          <a:noFill/>
+        </p:spPr>
+        <p:style>
+          <a:lnRef idx="2">
+            <a:schemeClr val="accent1">
+              <a:shade val="50000"/>
+            </a:schemeClr>
+          </a:lnRef>
+          <a:fillRef idx="1">
+            <a:schemeClr val="accent1"/>
+          </a:fillRef>
+          <a:effectRef idx="0">
+            <a:schemeClr val="accent1"/>
+          </a:effectRef>
+          <a:fontRef idx="minor">
+            <a:schemeClr val="lt1"/>
+          </a:fontRef>
+        </p:style>
+        <p:txBody>
+          <a:bodyPr rtlCol="0" anchor="ctr"/>
+          <a:lstStyle/>
+          <a:p>
+            <a:pPr algn="ctr"/>
+            <a:endParaRPr lang="es-419"/>
+          </a:p>
+        </p:txBody>
+      </p:sp>
+      <p:sp>
+        <p:nvSpPr>
+          <p:cNvPr id="15" name="Rectangle: Rounded Corners 14">
+            <a:extLst>
+              <a:ext uri="{FF2B5EF4-FFF2-40B4-BE49-F238E27FC236}">
+                <a16:creationId xmlns:a16="http://schemas.microsoft.com/office/drawing/2014/main" id="{165B72FF-DCAA-9FDD-2240-B34DF863BFF2}"/>
+              </a:ext>
+            </a:extLst>
+          </p:cNvPr>
+          <p:cNvSpPr/>
+          <p:nvPr/>
+        </p:nvSpPr>
+        <p:spPr>
+          <a:xfrm>
+            <a:off x="8499348" y="832104"/>
+            <a:ext cx="2304288" cy="1106424"/>
+          </a:xfrm>
+          <a:prstGeom prst="roundRect">
+            <a:avLst/>
+          </a:prstGeom>
+          <a:noFill/>
+        </p:spPr>
+        <p:style>
+          <a:lnRef idx="2">
+            <a:schemeClr val="accent1">
+              <a:shade val="50000"/>
+            </a:schemeClr>
+          </a:lnRef>
+          <a:fillRef idx="1">
+            <a:schemeClr val="accent1"/>
+          </a:fillRef>
+          <a:effectRef idx="0">
+            <a:schemeClr val="accent1"/>
+          </a:effectRef>
+          <a:fontRef idx="minor">
+            <a:schemeClr val="lt1"/>
+          </a:fontRef>
+        </p:style>
+        <p:txBody>
+          <a:bodyPr rtlCol="0" anchor="ctr"/>
+          <a:lstStyle/>
+          <a:p>
+            <a:pPr algn="ctr"/>
+            <a:endParaRPr lang="es-419"/>
+          </a:p>
+        </p:txBody>
+      </p:sp>
+      <p:sp>
+        <p:nvSpPr>
+          <p:cNvPr id="16" name="Rectangle: Rounded Corners 15">
+            <a:extLst>
+              <a:ext uri="{FF2B5EF4-FFF2-40B4-BE49-F238E27FC236}">
+                <a16:creationId xmlns:a16="http://schemas.microsoft.com/office/drawing/2014/main" id="{F2D77D41-20F1-EF0C-D697-DF15CDEEAEEB}"/>
+              </a:ext>
+            </a:extLst>
+          </p:cNvPr>
+          <p:cNvSpPr/>
+          <p:nvPr/>
+        </p:nvSpPr>
+        <p:spPr>
+          <a:xfrm>
+            <a:off x="8759952" y="1143000"/>
+            <a:ext cx="1783080" cy="484632"/>
+          </a:xfrm>
+          <a:prstGeom prst="roundRect">
+            <a:avLst/>
+          </a:prstGeom>
+          <a:noFill/>
+        </p:spPr>
+        <p:style>
+          <a:lnRef idx="2">
+            <a:schemeClr val="accent1">
+              <a:shade val="50000"/>
+            </a:schemeClr>
+          </a:lnRef>
+          <a:fillRef idx="1">
+            <a:schemeClr val="accent1"/>
+          </a:fillRef>
+          <a:effectRef idx="0">
+            <a:schemeClr val="accent1"/>
+          </a:effectRef>
+          <a:fontRef idx="minor">
+            <a:schemeClr val="lt1"/>
+          </a:fontRef>
+        </p:style>
+        <p:txBody>
+          <a:bodyPr rtlCol="0" anchor="ctr"/>
+          <a:lstStyle/>
+          <a:p>
+            <a:pPr algn="ctr"/>
+            <a:endParaRPr lang="es-419"/>
+          </a:p>
+        </p:txBody>
+      </p:sp>
+      <p:sp>
+        <p:nvSpPr>
+          <p:cNvPr id="17" name="Rectangle: Rounded Corners 16">
+            <a:extLst>
+              <a:ext uri="{FF2B5EF4-FFF2-40B4-BE49-F238E27FC236}">
+                <a16:creationId xmlns:a16="http://schemas.microsoft.com/office/drawing/2014/main" id="{1B072432-4285-3096-6B2C-203BBD9482D7}"/>
+              </a:ext>
+            </a:extLst>
+          </p:cNvPr>
+          <p:cNvSpPr/>
+          <p:nvPr/>
+        </p:nvSpPr>
+        <p:spPr>
+          <a:xfrm>
+            <a:off x="5920740" y="832104"/>
+            <a:ext cx="2304288" cy="1106424"/>
+          </a:xfrm>
+          <a:prstGeom prst="roundRect">
+            <a:avLst/>
+          </a:prstGeom>
+          <a:noFill/>
+        </p:spPr>
+        <p:style>
+          <a:lnRef idx="2">
+            <a:schemeClr val="accent1">
+              <a:shade val="50000"/>
+            </a:schemeClr>
+          </a:lnRef>
+          <a:fillRef idx="1">
+            <a:schemeClr val="accent1"/>
+          </a:fillRef>
+          <a:effectRef idx="0">
+            <a:schemeClr val="accent1"/>
+          </a:effectRef>
+          <a:fontRef idx="minor">
+            <a:schemeClr val="lt1"/>
+          </a:fontRef>
+        </p:style>
+        <p:txBody>
+          <a:bodyPr rtlCol="0" anchor="ctr"/>
+          <a:lstStyle/>
+          <a:p>
+            <a:pPr algn="ctr"/>
+            <a:endParaRPr lang="es-419"/>
+          </a:p>
+        </p:txBody>
+      </p:sp>
+      <p:sp>
+        <p:nvSpPr>
+          <p:cNvPr id="18" name="Rectangle: Rounded Corners 17">
+            <a:extLst>
+              <a:ext uri="{FF2B5EF4-FFF2-40B4-BE49-F238E27FC236}">
+                <a16:creationId xmlns:a16="http://schemas.microsoft.com/office/drawing/2014/main" id="{B366A98C-2466-D5F9-433E-D3D66598FB4C}"/>
+              </a:ext>
+            </a:extLst>
+          </p:cNvPr>
+          <p:cNvSpPr/>
+          <p:nvPr/>
+        </p:nvSpPr>
+        <p:spPr>
+          <a:xfrm>
+            <a:off x="6181344" y="1143000"/>
+            <a:ext cx="1783080" cy="484632"/>
+          </a:xfrm>
+          <a:prstGeom prst="roundRect">
+            <a:avLst/>
+          </a:prstGeom>
+          <a:noFill/>
+        </p:spPr>
+        <p:style>
+          <a:lnRef idx="2">
+            <a:schemeClr val="accent1">
+              <a:shade val="50000"/>
+            </a:schemeClr>
+          </a:lnRef>
+          <a:fillRef idx="1">
+            <a:schemeClr val="accent1"/>
+          </a:fillRef>
+          <a:effectRef idx="0">
+            <a:schemeClr val="accent1"/>
+          </a:effectRef>
+          <a:fontRef idx="minor">
+            <a:schemeClr val="lt1"/>
+          </a:fontRef>
+        </p:style>
+        <p:txBody>
+          <a:bodyPr rtlCol="0" anchor="ctr"/>
+          <a:lstStyle/>
+          <a:p>
+            <a:pPr algn="ctr"/>
+            <a:endParaRPr lang="es-419"/>
+          </a:p>
+        </p:txBody>
+      </p:sp>
+      <p:sp>
+        <p:nvSpPr>
+          <p:cNvPr id="19" name="Cylinder 18">
+            <a:extLst>
+              <a:ext uri="{FF2B5EF4-FFF2-40B4-BE49-F238E27FC236}">
+                <a16:creationId xmlns:a16="http://schemas.microsoft.com/office/drawing/2014/main" id="{276C2819-C6D6-5B15-9CE2-3F99AEE09485}"/>
+              </a:ext>
+            </a:extLst>
+          </p:cNvPr>
+          <p:cNvSpPr/>
+          <p:nvPr/>
+        </p:nvSpPr>
+        <p:spPr>
+          <a:xfrm>
+            <a:off x="6391656" y="5212080"/>
+            <a:ext cx="1362456" cy="1060704"/>
+          </a:xfrm>
+          <a:prstGeom prst="can">
+            <a:avLst/>
+          </a:prstGeom>
+          <a:noFill/>
+        </p:spPr>
+        <p:style>
+          <a:lnRef idx="2">
+            <a:schemeClr val="accent1">
+              <a:shade val="50000"/>
+            </a:schemeClr>
+          </a:lnRef>
+          <a:fillRef idx="1">
+            <a:schemeClr val="accent1"/>
+          </a:fillRef>
+          <a:effectRef idx="0">
+            <a:schemeClr val="accent1"/>
+          </a:effectRef>
+          <a:fontRef idx="minor">
+            <a:schemeClr val="lt1"/>
+          </a:fontRef>
+        </p:style>
+        <p:txBody>
+          <a:bodyPr rtlCol="0" anchor="ctr"/>
+          <a:lstStyle/>
+          <a:p>
+            <a:pPr algn="ctr"/>
+            <a:endParaRPr lang="es-419"/>
+          </a:p>
+        </p:txBody>
+      </p:sp>
+      <p:cxnSp>
+        <p:nvCxnSpPr>
+          <p:cNvPr id="20" name="Connector: Elbow 19">
+            <a:extLst>
+              <a:ext uri="{FF2B5EF4-FFF2-40B4-BE49-F238E27FC236}">
+                <a16:creationId xmlns:a16="http://schemas.microsoft.com/office/drawing/2014/main" id="{0132DC40-B9BB-CBDE-B57A-FE596408ECAF}"/>
+              </a:ext>
+            </a:extLst>
+          </p:cNvPr>
+          <p:cNvCxnSpPr/>
+          <p:nvPr/>
+        </p:nvCxnSpPr>
+        <p:spPr>
+          <a:xfrm rot="5400000">
+            <a:off x="6725412" y="2286000"/>
+            <a:ext cx="3273552" cy="2578608"/>
+          </a:xfrm>
+          <a:prstGeom prst="bentConnector3">
+            <a:avLst/>
+          </a:prstGeom>
+          <a:ln>
+            <a:tailEnd type="triangle"/>
+          </a:ln>
+        </p:spPr>
+        <p:style>
+          <a:lnRef idx="1">
+            <a:schemeClr val="accent1"/>
+          </a:lnRef>
+          <a:fillRef idx="0">
+            <a:schemeClr val="accent1"/>
+          </a:fillRef>
+          <a:effectRef idx="0">
+            <a:schemeClr val="accent1"/>
+          </a:effectRef>
+          <a:fontRef idx="minor">
+            <a:schemeClr val="tx1"/>
+          </a:fontRef>
+        </p:style>
+      </p:cxnSp>
+      <p:cxnSp>
+        <p:nvCxnSpPr>
+          <p:cNvPr id="21" name="Connector: Elbow 20">
+            <a:extLst>
+              <a:ext uri="{FF2B5EF4-FFF2-40B4-BE49-F238E27FC236}">
+                <a16:creationId xmlns:a16="http://schemas.microsoft.com/office/drawing/2014/main" id="{6ECD8E3C-C215-0245-CF85-1C9CEC409418}"/>
+              </a:ext>
+            </a:extLst>
+          </p:cNvPr>
+          <p:cNvCxnSpPr/>
+          <p:nvPr/>
+        </p:nvCxnSpPr>
+        <p:spPr>
+          <a:xfrm rot="16200000" flipH="1">
+            <a:off x="4187952" y="2327148"/>
+            <a:ext cx="3273552" cy="2496312"/>
+          </a:xfrm>
+          <a:prstGeom prst="bentConnector3">
+            <a:avLst/>
+          </a:prstGeom>
+          <a:ln>
+            <a:tailEnd type="triangle"/>
+          </a:ln>
+        </p:spPr>
+        <p:style>
+          <a:lnRef idx="1">
+            <a:schemeClr val="accent1"/>
+          </a:lnRef>
+          <a:fillRef idx="0">
+            <a:schemeClr val="accent1"/>
+          </a:fillRef>
+          <a:effectRef idx="0">
+            <a:schemeClr val="accent1"/>
+          </a:effectRef>
+          <a:fontRef idx="minor">
+            <a:schemeClr val="tx1"/>
+          </a:fontRef>
+        </p:style>
+      </p:cxnSp>
+      <p:cxnSp>
+        <p:nvCxnSpPr>
+          <p:cNvPr id="22" name="Straight Arrow Connector 21">
+            <a:extLst>
+              <a:ext uri="{FF2B5EF4-FFF2-40B4-BE49-F238E27FC236}">
+                <a16:creationId xmlns:a16="http://schemas.microsoft.com/office/drawing/2014/main" id="{0ECDC02A-CD6D-A211-EA38-BBA2ADD470D6}"/>
+              </a:ext>
+            </a:extLst>
+          </p:cNvPr>
+          <p:cNvCxnSpPr/>
+          <p:nvPr/>
+        </p:nvCxnSpPr>
+        <p:spPr>
+          <a:xfrm>
+            <a:off x="7072884" y="1938528"/>
+            <a:ext cx="0" cy="3273552"/>
+          </a:xfrm>
+          <a:prstGeom prst="straightConnector1">
+            <a:avLst/>
+          </a:prstGeom>
+          <a:ln>
+            <a:tailEnd type="triangle"/>
+          </a:ln>
+        </p:spPr>
+        <p:style>
+          <a:lnRef idx="1">
+            <a:schemeClr val="accent1"/>
+          </a:lnRef>
+          <a:fillRef idx="0">
+            <a:schemeClr val="accent1"/>
+          </a:fillRef>
+          <a:effectRef idx="0">
+            <a:schemeClr val="accent1"/>
+          </a:effectRef>
+          <a:fontRef idx="minor">
+            <a:schemeClr val="tx1"/>
+          </a:fontRef>
+        </p:style>
+      </p:cxnSp>
     </p:spTree>
     <p:extLst>
       <p:ext uri="{BB962C8B-B14F-4D97-AF65-F5344CB8AC3E}">
         <p14:creationId xmlns:p14="http://schemas.microsoft.com/office/powerpoint/2010/main" val="2614172120"/>
+      </p:ext>
+    </p:extLst>
+  </p:cSld>
+  <p:clrMapOvr>
+    <a:masterClrMapping/>
+  </p:clrMapOvr>
+</p:sld>
+</file>
+
+<file path=ppt/slides/slide2.xml><?xml version="1.0" encoding="utf-8"?>
+<p:sld xmlns:a="http://schemas.openxmlformats.org/drawingml/2006/main" xmlns:r="http://schemas.openxmlformats.org/officeDocument/2006/relationships" xmlns:p="http://schemas.openxmlformats.org/presentationml/2006/main">
+  <p:cSld>
+    <p:spTree>
+      <p:nvGrpSpPr>
+        <p:cNvPr id="1" name=""/>
+        <p:cNvGrpSpPr/>
+        <p:nvPr/>
+      </p:nvGrpSpPr>
+      <p:grpSpPr>
+        <a:xfrm>
+          <a:off x="0" y="0"/>
+          <a:ext cx="0" cy="0"/>
+          <a:chOff x="0" y="0"/>
+          <a:chExt cx="0" cy="0"/>
+        </a:xfrm>
+      </p:grpSpPr>
+      <p:sp>
+        <p:nvSpPr>
+          <p:cNvPr id="4" name="Rectangle: Rounded Corners 3">
+            <a:extLst>
+              <a:ext uri="{FF2B5EF4-FFF2-40B4-BE49-F238E27FC236}">
+                <a16:creationId xmlns:a16="http://schemas.microsoft.com/office/drawing/2014/main" id="{69F82219-F980-FCBA-D7E0-BD602D87CE74}"/>
+              </a:ext>
+            </a:extLst>
+          </p:cNvPr>
+          <p:cNvSpPr/>
+          <p:nvPr/>
+        </p:nvSpPr>
+        <p:spPr>
+          <a:xfrm>
+            <a:off x="1161288" y="832104"/>
+            <a:ext cx="2304288" cy="3950208"/>
+          </a:xfrm>
+          <a:prstGeom prst="roundRect">
+            <a:avLst/>
+          </a:prstGeom>
+          <a:noFill/>
+        </p:spPr>
+        <p:style>
+          <a:lnRef idx="2">
+            <a:schemeClr val="accent1">
+              <a:shade val="50000"/>
+            </a:schemeClr>
+          </a:lnRef>
+          <a:fillRef idx="1">
+            <a:schemeClr val="accent1"/>
+          </a:fillRef>
+          <a:effectRef idx="0">
+            <a:schemeClr val="accent1"/>
+          </a:effectRef>
+          <a:fontRef idx="minor">
+            <a:schemeClr val="lt1"/>
+          </a:fontRef>
+        </p:style>
+        <p:txBody>
+          <a:bodyPr rtlCol="0" anchor="ctr"/>
+          <a:lstStyle/>
+          <a:p>
+            <a:pPr algn="ctr"/>
+            <a:endParaRPr lang="es-419"/>
+          </a:p>
+        </p:txBody>
+      </p:sp>
+      <p:sp>
+        <p:nvSpPr>
+          <p:cNvPr id="5" name="Rectangle: Rounded Corners 4">
+            <a:extLst>
+              <a:ext uri="{FF2B5EF4-FFF2-40B4-BE49-F238E27FC236}">
+                <a16:creationId xmlns:a16="http://schemas.microsoft.com/office/drawing/2014/main" id="{E8741985-98ED-5F4B-0E42-5C5BF79973C3}"/>
+              </a:ext>
+            </a:extLst>
+          </p:cNvPr>
+          <p:cNvSpPr/>
+          <p:nvPr/>
+        </p:nvSpPr>
+        <p:spPr>
+          <a:xfrm>
+            <a:off x="1417320" y="1453896"/>
+            <a:ext cx="1783080" cy="484632"/>
+          </a:xfrm>
+          <a:prstGeom prst="roundRect">
+            <a:avLst/>
+          </a:prstGeom>
+          <a:noFill/>
+        </p:spPr>
+        <p:style>
+          <a:lnRef idx="2">
+            <a:schemeClr val="accent1">
+              <a:shade val="50000"/>
+            </a:schemeClr>
+          </a:lnRef>
+          <a:fillRef idx="1">
+            <a:schemeClr val="accent1"/>
+          </a:fillRef>
+          <a:effectRef idx="0">
+            <a:schemeClr val="accent1"/>
+          </a:effectRef>
+          <a:fontRef idx="minor">
+            <a:schemeClr val="lt1"/>
+          </a:fontRef>
+        </p:style>
+        <p:txBody>
+          <a:bodyPr rtlCol="0" anchor="ctr"/>
+          <a:lstStyle/>
+          <a:p>
+            <a:pPr algn="ctr"/>
+            <a:endParaRPr lang="es-419"/>
+          </a:p>
+        </p:txBody>
+      </p:sp>
+      <p:sp>
+        <p:nvSpPr>
+          <p:cNvPr id="6" name="Rectangle: Rounded Corners 5">
+            <a:extLst>
+              <a:ext uri="{FF2B5EF4-FFF2-40B4-BE49-F238E27FC236}">
+                <a16:creationId xmlns:a16="http://schemas.microsoft.com/office/drawing/2014/main" id="{123669F3-C05B-73E3-076F-DEABA296A2FB}"/>
+              </a:ext>
+            </a:extLst>
+          </p:cNvPr>
+          <p:cNvSpPr/>
+          <p:nvPr/>
+        </p:nvSpPr>
+        <p:spPr>
+          <a:xfrm>
+            <a:off x="1417320" y="2075688"/>
+            <a:ext cx="1783080" cy="484632"/>
+          </a:xfrm>
+          <a:prstGeom prst="roundRect">
+            <a:avLst/>
+          </a:prstGeom>
+          <a:noFill/>
+        </p:spPr>
+        <p:style>
+          <a:lnRef idx="2">
+            <a:schemeClr val="accent1">
+              <a:shade val="50000"/>
+            </a:schemeClr>
+          </a:lnRef>
+          <a:fillRef idx="1">
+            <a:schemeClr val="accent1"/>
+          </a:fillRef>
+          <a:effectRef idx="0">
+            <a:schemeClr val="accent1"/>
+          </a:effectRef>
+          <a:fontRef idx="minor">
+            <a:schemeClr val="lt1"/>
+          </a:fontRef>
+        </p:style>
+        <p:txBody>
+          <a:bodyPr rtlCol="0" anchor="ctr"/>
+          <a:lstStyle/>
+          <a:p>
+            <a:pPr algn="ctr"/>
+            <a:endParaRPr lang="es-419"/>
+          </a:p>
+        </p:txBody>
+      </p:sp>
+      <p:sp>
+        <p:nvSpPr>
+          <p:cNvPr id="7" name="Rectangle: Rounded Corners 6">
+            <a:extLst>
+              <a:ext uri="{FF2B5EF4-FFF2-40B4-BE49-F238E27FC236}">
+                <a16:creationId xmlns:a16="http://schemas.microsoft.com/office/drawing/2014/main" id="{07D61065-68EE-5BB0-E4DE-6000A257E5BB}"/>
+              </a:ext>
+            </a:extLst>
+          </p:cNvPr>
+          <p:cNvSpPr/>
+          <p:nvPr/>
+        </p:nvSpPr>
+        <p:spPr>
+          <a:xfrm>
+            <a:off x="1417320" y="2697480"/>
+            <a:ext cx="1783080" cy="484632"/>
+          </a:xfrm>
+          <a:prstGeom prst="roundRect">
+            <a:avLst/>
+          </a:prstGeom>
+          <a:noFill/>
+        </p:spPr>
+        <p:style>
+          <a:lnRef idx="2">
+            <a:schemeClr val="accent1">
+              <a:shade val="50000"/>
+            </a:schemeClr>
+          </a:lnRef>
+          <a:fillRef idx="1">
+            <a:schemeClr val="accent1"/>
+          </a:fillRef>
+          <a:effectRef idx="0">
+            <a:schemeClr val="accent1"/>
+          </a:effectRef>
+          <a:fontRef idx="minor">
+            <a:schemeClr val="lt1"/>
+          </a:fontRef>
+        </p:style>
+        <p:txBody>
+          <a:bodyPr rtlCol="0" anchor="ctr"/>
+          <a:lstStyle/>
+          <a:p>
+            <a:pPr algn="ctr"/>
+            <a:endParaRPr lang="es-419"/>
+          </a:p>
+        </p:txBody>
+      </p:sp>
+      <p:sp>
+        <p:nvSpPr>
+          <p:cNvPr id="8" name="Rectangle: Rounded Corners 7">
+            <a:extLst>
+              <a:ext uri="{FF2B5EF4-FFF2-40B4-BE49-F238E27FC236}">
+                <a16:creationId xmlns:a16="http://schemas.microsoft.com/office/drawing/2014/main" id="{B86C48F7-319D-5D38-6EA2-F86E99F44830}"/>
+              </a:ext>
+            </a:extLst>
+          </p:cNvPr>
+          <p:cNvSpPr/>
+          <p:nvPr/>
+        </p:nvSpPr>
+        <p:spPr>
+          <a:xfrm>
+            <a:off x="1417320" y="3438144"/>
+            <a:ext cx="1783080" cy="484632"/>
+          </a:xfrm>
+          <a:prstGeom prst="roundRect">
+            <a:avLst/>
+          </a:prstGeom>
+          <a:noFill/>
+        </p:spPr>
+        <p:style>
+          <a:lnRef idx="2">
+            <a:schemeClr val="accent1">
+              <a:shade val="50000"/>
+            </a:schemeClr>
+          </a:lnRef>
+          <a:fillRef idx="1">
+            <a:schemeClr val="accent1"/>
+          </a:fillRef>
+          <a:effectRef idx="0">
+            <a:schemeClr val="accent1"/>
+          </a:effectRef>
+          <a:fontRef idx="minor">
+            <a:schemeClr val="lt1"/>
+          </a:fontRef>
+        </p:style>
+        <p:txBody>
+          <a:bodyPr rtlCol="0" anchor="ctr"/>
+          <a:lstStyle/>
+          <a:p>
+            <a:pPr algn="ctr"/>
+            <a:endParaRPr lang="es-419"/>
+          </a:p>
+        </p:txBody>
+      </p:sp>
+      <p:cxnSp>
+        <p:nvCxnSpPr>
+          <p:cNvPr id="10" name="Straight Connector 9">
+            <a:extLst>
+              <a:ext uri="{FF2B5EF4-FFF2-40B4-BE49-F238E27FC236}">
+                <a16:creationId xmlns:a16="http://schemas.microsoft.com/office/drawing/2014/main" id="{254BF8A9-C031-8F76-D666-1AAD2DE8C84B}"/>
+              </a:ext>
+            </a:extLst>
+          </p:cNvPr>
+          <p:cNvCxnSpPr>
+            <a:stCxn id="5" idx="2"/>
+            <a:endCxn id="6" idx="0"/>
+          </p:cNvCxnSpPr>
+          <p:nvPr/>
+        </p:nvCxnSpPr>
+        <p:spPr>
+          <a:xfrm>
+            <a:off x="2308860" y="1938528"/>
+            <a:ext cx="0" cy="137160"/>
+          </a:xfrm>
+          <a:prstGeom prst="line">
+            <a:avLst/>
+          </a:prstGeom>
+        </p:spPr>
+        <p:style>
+          <a:lnRef idx="1">
+            <a:schemeClr val="accent1"/>
+          </a:lnRef>
+          <a:fillRef idx="0">
+            <a:schemeClr val="accent1"/>
+          </a:fillRef>
+          <a:effectRef idx="0">
+            <a:schemeClr val="accent1"/>
+          </a:effectRef>
+          <a:fontRef idx="minor">
+            <a:schemeClr val="tx1"/>
+          </a:fontRef>
+        </p:style>
+      </p:cxnSp>
+      <p:cxnSp>
+        <p:nvCxnSpPr>
+          <p:cNvPr id="11" name="Straight Connector 10">
+            <a:extLst>
+              <a:ext uri="{FF2B5EF4-FFF2-40B4-BE49-F238E27FC236}">
+                <a16:creationId xmlns:a16="http://schemas.microsoft.com/office/drawing/2014/main" id="{B9B81501-4A40-4DBB-BA28-87B19DEFE80A}"/>
+              </a:ext>
+            </a:extLst>
+          </p:cNvPr>
+          <p:cNvCxnSpPr>
+            <a:stCxn id="6" idx="2"/>
+            <a:endCxn id="7" idx="0"/>
+          </p:cNvCxnSpPr>
+          <p:nvPr/>
+        </p:nvCxnSpPr>
+        <p:spPr>
+          <a:xfrm>
+            <a:off x="2308860" y="2560320"/>
+            <a:ext cx="0" cy="137160"/>
+          </a:xfrm>
+          <a:prstGeom prst="line">
+            <a:avLst/>
+          </a:prstGeom>
+        </p:spPr>
+        <p:style>
+          <a:lnRef idx="1">
+            <a:schemeClr val="accent1"/>
+          </a:lnRef>
+          <a:fillRef idx="0">
+            <a:schemeClr val="accent1"/>
+          </a:fillRef>
+          <a:effectRef idx="0">
+            <a:schemeClr val="accent1"/>
+          </a:effectRef>
+          <a:fontRef idx="minor">
+            <a:schemeClr val="tx1"/>
+          </a:fontRef>
+        </p:style>
+      </p:cxnSp>
+      <p:cxnSp>
+        <p:nvCxnSpPr>
+          <p:cNvPr id="12" name="Straight Connector 11">
+            <a:extLst>
+              <a:ext uri="{FF2B5EF4-FFF2-40B4-BE49-F238E27FC236}">
+                <a16:creationId xmlns:a16="http://schemas.microsoft.com/office/drawing/2014/main" id="{591E5A51-278D-F25A-EBF8-3DC07A1F51A0}"/>
+              </a:ext>
+            </a:extLst>
+          </p:cNvPr>
+          <p:cNvCxnSpPr>
+            <a:stCxn id="7" idx="2"/>
+            <a:endCxn id="8" idx="0"/>
+          </p:cNvCxnSpPr>
+          <p:nvPr/>
+        </p:nvCxnSpPr>
+        <p:spPr>
+          <a:xfrm>
+            <a:off x="2308860" y="3182112"/>
+            <a:ext cx="0" cy="256032"/>
+          </a:xfrm>
+          <a:prstGeom prst="line">
+            <a:avLst/>
+          </a:prstGeom>
+        </p:spPr>
+        <p:style>
+          <a:lnRef idx="1">
+            <a:schemeClr val="accent1"/>
+          </a:lnRef>
+          <a:fillRef idx="0">
+            <a:schemeClr val="accent1"/>
+          </a:fillRef>
+          <a:effectRef idx="0">
+            <a:schemeClr val="accent1"/>
+          </a:effectRef>
+          <a:fontRef idx="minor">
+            <a:schemeClr val="tx1"/>
+          </a:fontRef>
+        </p:style>
+      </p:cxnSp>
+      <p:sp>
+        <p:nvSpPr>
+          <p:cNvPr id="13" name="Rectangle: Rounded Corners 12">
+            <a:extLst>
+              <a:ext uri="{FF2B5EF4-FFF2-40B4-BE49-F238E27FC236}">
+                <a16:creationId xmlns:a16="http://schemas.microsoft.com/office/drawing/2014/main" id="{0FA2FB68-46B7-E6BA-C570-140DCBEA853B}"/>
+              </a:ext>
+            </a:extLst>
+          </p:cNvPr>
+          <p:cNvSpPr/>
+          <p:nvPr/>
+        </p:nvSpPr>
+        <p:spPr>
+          <a:xfrm>
+            <a:off x="4613148" y="832104"/>
+            <a:ext cx="2304288" cy="3950208"/>
+          </a:xfrm>
+          <a:prstGeom prst="roundRect">
+            <a:avLst/>
+          </a:prstGeom>
+          <a:noFill/>
+        </p:spPr>
+        <p:style>
+          <a:lnRef idx="2">
+            <a:schemeClr val="accent1">
+              <a:shade val="50000"/>
+            </a:schemeClr>
+          </a:lnRef>
+          <a:fillRef idx="1">
+            <a:schemeClr val="accent1"/>
+          </a:fillRef>
+          <a:effectRef idx="0">
+            <a:schemeClr val="accent1"/>
+          </a:effectRef>
+          <a:fontRef idx="minor">
+            <a:schemeClr val="lt1"/>
+          </a:fontRef>
+        </p:style>
+        <p:txBody>
+          <a:bodyPr rtlCol="0" anchor="ctr"/>
+          <a:lstStyle/>
+          <a:p>
+            <a:pPr algn="ctr"/>
+            <a:endParaRPr lang="es-419"/>
+          </a:p>
+        </p:txBody>
+      </p:sp>
+      <p:sp>
+        <p:nvSpPr>
+          <p:cNvPr id="14" name="Rectangle: Rounded Corners 13">
+            <a:extLst>
+              <a:ext uri="{FF2B5EF4-FFF2-40B4-BE49-F238E27FC236}">
+                <a16:creationId xmlns:a16="http://schemas.microsoft.com/office/drawing/2014/main" id="{A11BEBA9-1C2D-4938-D9D0-26970B8D989D}"/>
+              </a:ext>
+            </a:extLst>
+          </p:cNvPr>
+          <p:cNvSpPr/>
+          <p:nvPr/>
+        </p:nvSpPr>
+        <p:spPr>
+          <a:xfrm>
+            <a:off x="4869180" y="1453896"/>
+            <a:ext cx="1783080" cy="484632"/>
+          </a:xfrm>
+          <a:prstGeom prst="roundRect">
+            <a:avLst/>
+          </a:prstGeom>
+          <a:noFill/>
+        </p:spPr>
+        <p:style>
+          <a:lnRef idx="2">
+            <a:schemeClr val="accent1">
+              <a:shade val="50000"/>
+            </a:schemeClr>
+          </a:lnRef>
+          <a:fillRef idx="1">
+            <a:schemeClr val="accent1"/>
+          </a:fillRef>
+          <a:effectRef idx="0">
+            <a:schemeClr val="accent1"/>
+          </a:effectRef>
+          <a:fontRef idx="minor">
+            <a:schemeClr val="lt1"/>
+          </a:fontRef>
+        </p:style>
+        <p:txBody>
+          <a:bodyPr rtlCol="0" anchor="ctr"/>
+          <a:lstStyle/>
+          <a:p>
+            <a:pPr algn="ctr"/>
+            <a:endParaRPr lang="es-419"/>
+          </a:p>
+        </p:txBody>
+      </p:sp>
+      <p:sp>
+        <p:nvSpPr>
+          <p:cNvPr id="15" name="Rectangle: Rounded Corners 14">
+            <a:extLst>
+              <a:ext uri="{FF2B5EF4-FFF2-40B4-BE49-F238E27FC236}">
+                <a16:creationId xmlns:a16="http://schemas.microsoft.com/office/drawing/2014/main" id="{CC86F5E1-D0E4-53A2-486B-CA56091B9A2B}"/>
+              </a:ext>
+            </a:extLst>
+          </p:cNvPr>
+          <p:cNvSpPr/>
+          <p:nvPr/>
+        </p:nvSpPr>
+        <p:spPr>
+          <a:xfrm>
+            <a:off x="4869180" y="2075688"/>
+            <a:ext cx="1783080" cy="484632"/>
+          </a:xfrm>
+          <a:prstGeom prst="roundRect">
+            <a:avLst/>
+          </a:prstGeom>
+          <a:noFill/>
+        </p:spPr>
+        <p:style>
+          <a:lnRef idx="2">
+            <a:schemeClr val="accent1">
+              <a:shade val="50000"/>
+            </a:schemeClr>
+          </a:lnRef>
+          <a:fillRef idx="1">
+            <a:schemeClr val="accent1"/>
+          </a:fillRef>
+          <a:effectRef idx="0">
+            <a:schemeClr val="accent1"/>
+          </a:effectRef>
+          <a:fontRef idx="minor">
+            <a:schemeClr val="lt1"/>
+          </a:fontRef>
+        </p:style>
+        <p:txBody>
+          <a:bodyPr rtlCol="0" anchor="ctr"/>
+          <a:lstStyle/>
+          <a:p>
+            <a:pPr algn="ctr"/>
+            <a:endParaRPr lang="es-419"/>
+          </a:p>
+        </p:txBody>
+      </p:sp>
+      <p:sp>
+        <p:nvSpPr>
+          <p:cNvPr id="16" name="Rectangle: Rounded Corners 15">
+            <a:extLst>
+              <a:ext uri="{FF2B5EF4-FFF2-40B4-BE49-F238E27FC236}">
+                <a16:creationId xmlns:a16="http://schemas.microsoft.com/office/drawing/2014/main" id="{CD40328B-1300-A65D-FBF4-1312C9ED74AF}"/>
+              </a:ext>
+            </a:extLst>
+          </p:cNvPr>
+          <p:cNvSpPr/>
+          <p:nvPr/>
+        </p:nvSpPr>
+        <p:spPr>
+          <a:xfrm>
+            <a:off x="4869180" y="2697480"/>
+            <a:ext cx="1783080" cy="484632"/>
+          </a:xfrm>
+          <a:prstGeom prst="roundRect">
+            <a:avLst/>
+          </a:prstGeom>
+          <a:noFill/>
+        </p:spPr>
+        <p:style>
+          <a:lnRef idx="2">
+            <a:schemeClr val="accent1">
+              <a:shade val="50000"/>
+            </a:schemeClr>
+          </a:lnRef>
+          <a:fillRef idx="1">
+            <a:schemeClr val="accent1"/>
+          </a:fillRef>
+          <a:effectRef idx="0">
+            <a:schemeClr val="accent1"/>
+          </a:effectRef>
+          <a:fontRef idx="minor">
+            <a:schemeClr val="lt1"/>
+          </a:fontRef>
+        </p:style>
+        <p:txBody>
+          <a:bodyPr rtlCol="0" anchor="ctr"/>
+          <a:lstStyle/>
+          <a:p>
+            <a:pPr algn="ctr"/>
+            <a:endParaRPr lang="es-419"/>
+          </a:p>
+        </p:txBody>
+      </p:sp>
+      <p:sp>
+        <p:nvSpPr>
+          <p:cNvPr id="17" name="Rectangle: Rounded Corners 16">
+            <a:extLst>
+              <a:ext uri="{FF2B5EF4-FFF2-40B4-BE49-F238E27FC236}">
+                <a16:creationId xmlns:a16="http://schemas.microsoft.com/office/drawing/2014/main" id="{372B71E3-21E6-76A9-DC6C-1F452AA030C3}"/>
+              </a:ext>
+            </a:extLst>
+          </p:cNvPr>
+          <p:cNvSpPr/>
+          <p:nvPr/>
+        </p:nvSpPr>
+        <p:spPr>
+          <a:xfrm>
+            <a:off x="4869180" y="3438144"/>
+            <a:ext cx="1783080" cy="484632"/>
+          </a:xfrm>
+          <a:prstGeom prst="roundRect">
+            <a:avLst/>
+          </a:prstGeom>
+          <a:noFill/>
+        </p:spPr>
+        <p:style>
+          <a:lnRef idx="2">
+            <a:schemeClr val="accent1">
+              <a:shade val="50000"/>
+            </a:schemeClr>
+          </a:lnRef>
+          <a:fillRef idx="1">
+            <a:schemeClr val="accent1"/>
+          </a:fillRef>
+          <a:effectRef idx="0">
+            <a:schemeClr val="accent1"/>
+          </a:effectRef>
+          <a:fontRef idx="minor">
+            <a:schemeClr val="lt1"/>
+          </a:fontRef>
+        </p:style>
+        <p:txBody>
+          <a:bodyPr rtlCol="0" anchor="ctr"/>
+          <a:lstStyle/>
+          <a:p>
+            <a:pPr algn="ctr"/>
+            <a:endParaRPr lang="es-419"/>
+          </a:p>
+        </p:txBody>
+      </p:sp>
+      <p:cxnSp>
+        <p:nvCxnSpPr>
+          <p:cNvPr id="19" name="Straight Connector 18">
+            <a:extLst>
+              <a:ext uri="{FF2B5EF4-FFF2-40B4-BE49-F238E27FC236}">
+                <a16:creationId xmlns:a16="http://schemas.microsoft.com/office/drawing/2014/main" id="{2A4AEFDB-4407-DB7A-BCEC-B3D0E442B18A}"/>
+              </a:ext>
+            </a:extLst>
+          </p:cNvPr>
+          <p:cNvCxnSpPr>
+            <a:stCxn id="14" idx="2"/>
+            <a:endCxn id="15" idx="0"/>
+          </p:cNvCxnSpPr>
+          <p:nvPr/>
+        </p:nvCxnSpPr>
+        <p:spPr>
+          <a:xfrm>
+            <a:off x="5760720" y="1938528"/>
+            <a:ext cx="0" cy="137160"/>
+          </a:xfrm>
+          <a:prstGeom prst="line">
+            <a:avLst/>
+          </a:prstGeom>
+        </p:spPr>
+        <p:style>
+          <a:lnRef idx="1">
+            <a:schemeClr val="accent1"/>
+          </a:lnRef>
+          <a:fillRef idx="0">
+            <a:schemeClr val="accent1"/>
+          </a:fillRef>
+          <a:effectRef idx="0">
+            <a:schemeClr val="accent1"/>
+          </a:effectRef>
+          <a:fontRef idx="minor">
+            <a:schemeClr val="tx1"/>
+          </a:fontRef>
+        </p:style>
+      </p:cxnSp>
+      <p:cxnSp>
+        <p:nvCxnSpPr>
+          <p:cNvPr id="20" name="Straight Connector 19">
+            <a:extLst>
+              <a:ext uri="{FF2B5EF4-FFF2-40B4-BE49-F238E27FC236}">
+                <a16:creationId xmlns:a16="http://schemas.microsoft.com/office/drawing/2014/main" id="{E9962E94-5D94-7F8B-F9F9-CD2E9F96F818}"/>
+              </a:ext>
+            </a:extLst>
+          </p:cNvPr>
+          <p:cNvCxnSpPr>
+            <a:stCxn id="15" idx="2"/>
+            <a:endCxn id="16" idx="0"/>
+          </p:cNvCxnSpPr>
+          <p:nvPr/>
+        </p:nvCxnSpPr>
+        <p:spPr>
+          <a:xfrm>
+            <a:off x="5760720" y="2560320"/>
+            <a:ext cx="0" cy="137160"/>
+          </a:xfrm>
+          <a:prstGeom prst="line">
+            <a:avLst/>
+          </a:prstGeom>
+        </p:spPr>
+        <p:style>
+          <a:lnRef idx="1">
+            <a:schemeClr val="accent1"/>
+          </a:lnRef>
+          <a:fillRef idx="0">
+            <a:schemeClr val="accent1"/>
+          </a:fillRef>
+          <a:effectRef idx="0">
+            <a:schemeClr val="accent1"/>
+          </a:effectRef>
+          <a:fontRef idx="minor">
+            <a:schemeClr val="tx1"/>
+          </a:fontRef>
+        </p:style>
+      </p:cxnSp>
+      <p:cxnSp>
+        <p:nvCxnSpPr>
+          <p:cNvPr id="21" name="Straight Connector 20">
+            <a:extLst>
+              <a:ext uri="{FF2B5EF4-FFF2-40B4-BE49-F238E27FC236}">
+                <a16:creationId xmlns:a16="http://schemas.microsoft.com/office/drawing/2014/main" id="{8FA19B86-D0C0-DC80-8887-3EE0C8BE14ED}"/>
+              </a:ext>
+            </a:extLst>
+          </p:cNvPr>
+          <p:cNvCxnSpPr>
+            <a:stCxn id="16" idx="2"/>
+            <a:endCxn id="17" idx="0"/>
+          </p:cNvCxnSpPr>
+          <p:nvPr/>
+        </p:nvCxnSpPr>
+        <p:spPr>
+          <a:xfrm>
+            <a:off x="5760720" y="3182112"/>
+            <a:ext cx="0" cy="256032"/>
+          </a:xfrm>
+          <a:prstGeom prst="line">
+            <a:avLst/>
+          </a:prstGeom>
+        </p:spPr>
+        <p:style>
+          <a:lnRef idx="1">
+            <a:schemeClr val="accent1"/>
+          </a:lnRef>
+          <a:fillRef idx="0">
+            <a:schemeClr val="accent1"/>
+          </a:fillRef>
+          <a:effectRef idx="0">
+            <a:schemeClr val="accent1"/>
+          </a:effectRef>
+          <a:fontRef idx="minor">
+            <a:schemeClr val="tx1"/>
+          </a:fontRef>
+        </p:style>
+      </p:cxnSp>
+      <p:sp>
+        <p:nvSpPr>
+          <p:cNvPr id="22" name="Rectangle: Rounded Corners 21">
+            <a:extLst>
+              <a:ext uri="{FF2B5EF4-FFF2-40B4-BE49-F238E27FC236}">
+                <a16:creationId xmlns:a16="http://schemas.microsoft.com/office/drawing/2014/main" id="{7554C981-CD24-8A4B-F387-F0546C297A7A}"/>
+              </a:ext>
+            </a:extLst>
+          </p:cNvPr>
+          <p:cNvSpPr/>
+          <p:nvPr/>
+        </p:nvSpPr>
+        <p:spPr>
+          <a:xfrm>
+            <a:off x="8060436" y="832104"/>
+            <a:ext cx="2304288" cy="3950208"/>
+          </a:xfrm>
+          <a:prstGeom prst="roundRect">
+            <a:avLst/>
+          </a:prstGeom>
+          <a:noFill/>
+        </p:spPr>
+        <p:style>
+          <a:lnRef idx="2">
+            <a:schemeClr val="accent1">
+              <a:shade val="50000"/>
+            </a:schemeClr>
+          </a:lnRef>
+          <a:fillRef idx="1">
+            <a:schemeClr val="accent1"/>
+          </a:fillRef>
+          <a:effectRef idx="0">
+            <a:schemeClr val="accent1"/>
+          </a:effectRef>
+          <a:fontRef idx="minor">
+            <a:schemeClr val="lt1"/>
+          </a:fontRef>
+        </p:style>
+        <p:txBody>
+          <a:bodyPr rtlCol="0" anchor="ctr"/>
+          <a:lstStyle/>
+          <a:p>
+            <a:pPr algn="ctr"/>
+            <a:endParaRPr lang="es-419"/>
+          </a:p>
+        </p:txBody>
+      </p:sp>
+      <p:sp>
+        <p:nvSpPr>
+          <p:cNvPr id="23" name="Rectangle: Rounded Corners 22">
+            <a:extLst>
+              <a:ext uri="{FF2B5EF4-FFF2-40B4-BE49-F238E27FC236}">
+                <a16:creationId xmlns:a16="http://schemas.microsoft.com/office/drawing/2014/main" id="{8824ABE1-EEBA-1406-F0CE-D78CB3CB924D}"/>
+              </a:ext>
+            </a:extLst>
+          </p:cNvPr>
+          <p:cNvSpPr/>
+          <p:nvPr/>
+        </p:nvSpPr>
+        <p:spPr>
+          <a:xfrm>
+            <a:off x="8316468" y="1453896"/>
+            <a:ext cx="1783080" cy="484632"/>
+          </a:xfrm>
+          <a:prstGeom prst="roundRect">
+            <a:avLst/>
+          </a:prstGeom>
+          <a:noFill/>
+        </p:spPr>
+        <p:style>
+          <a:lnRef idx="2">
+            <a:schemeClr val="accent1">
+              <a:shade val="50000"/>
+            </a:schemeClr>
+          </a:lnRef>
+          <a:fillRef idx="1">
+            <a:schemeClr val="accent1"/>
+          </a:fillRef>
+          <a:effectRef idx="0">
+            <a:schemeClr val="accent1"/>
+          </a:effectRef>
+          <a:fontRef idx="minor">
+            <a:schemeClr val="lt1"/>
+          </a:fontRef>
+        </p:style>
+        <p:txBody>
+          <a:bodyPr rtlCol="0" anchor="ctr"/>
+          <a:lstStyle/>
+          <a:p>
+            <a:pPr algn="ctr"/>
+            <a:endParaRPr lang="es-419"/>
+          </a:p>
+        </p:txBody>
+      </p:sp>
+      <p:sp>
+        <p:nvSpPr>
+          <p:cNvPr id="24" name="Rectangle: Rounded Corners 23">
+            <a:extLst>
+              <a:ext uri="{FF2B5EF4-FFF2-40B4-BE49-F238E27FC236}">
+                <a16:creationId xmlns:a16="http://schemas.microsoft.com/office/drawing/2014/main" id="{A79DA6A3-B179-567B-49C0-CF93B7C3D091}"/>
+              </a:ext>
+            </a:extLst>
+          </p:cNvPr>
+          <p:cNvSpPr/>
+          <p:nvPr/>
+        </p:nvSpPr>
+        <p:spPr>
+          <a:xfrm>
+            <a:off x="8316468" y="2075688"/>
+            <a:ext cx="1783080" cy="484632"/>
+          </a:xfrm>
+          <a:prstGeom prst="roundRect">
+            <a:avLst/>
+          </a:prstGeom>
+          <a:noFill/>
+        </p:spPr>
+        <p:style>
+          <a:lnRef idx="2">
+            <a:schemeClr val="accent1">
+              <a:shade val="50000"/>
+            </a:schemeClr>
+          </a:lnRef>
+          <a:fillRef idx="1">
+            <a:schemeClr val="accent1"/>
+          </a:fillRef>
+          <a:effectRef idx="0">
+            <a:schemeClr val="accent1"/>
+          </a:effectRef>
+          <a:fontRef idx="minor">
+            <a:schemeClr val="lt1"/>
+          </a:fontRef>
+        </p:style>
+        <p:txBody>
+          <a:bodyPr rtlCol="0" anchor="ctr"/>
+          <a:lstStyle/>
+          <a:p>
+            <a:pPr algn="ctr"/>
+            <a:endParaRPr lang="es-419"/>
+          </a:p>
+        </p:txBody>
+      </p:sp>
+      <p:sp>
+        <p:nvSpPr>
+          <p:cNvPr id="25" name="Rectangle: Rounded Corners 24">
+            <a:extLst>
+              <a:ext uri="{FF2B5EF4-FFF2-40B4-BE49-F238E27FC236}">
+                <a16:creationId xmlns:a16="http://schemas.microsoft.com/office/drawing/2014/main" id="{54413315-0EEA-21AF-9267-65EF2C9B5D9C}"/>
+              </a:ext>
+            </a:extLst>
+          </p:cNvPr>
+          <p:cNvSpPr/>
+          <p:nvPr/>
+        </p:nvSpPr>
+        <p:spPr>
+          <a:xfrm>
+            <a:off x="8316468" y="2697480"/>
+            <a:ext cx="1783080" cy="484632"/>
+          </a:xfrm>
+          <a:prstGeom prst="roundRect">
+            <a:avLst/>
+          </a:prstGeom>
+          <a:noFill/>
+        </p:spPr>
+        <p:style>
+          <a:lnRef idx="2">
+            <a:schemeClr val="accent1">
+              <a:shade val="50000"/>
+            </a:schemeClr>
+          </a:lnRef>
+          <a:fillRef idx="1">
+            <a:schemeClr val="accent1"/>
+          </a:fillRef>
+          <a:effectRef idx="0">
+            <a:schemeClr val="accent1"/>
+          </a:effectRef>
+          <a:fontRef idx="minor">
+            <a:schemeClr val="lt1"/>
+          </a:fontRef>
+        </p:style>
+        <p:txBody>
+          <a:bodyPr rtlCol="0" anchor="ctr"/>
+          <a:lstStyle/>
+          <a:p>
+            <a:pPr algn="ctr"/>
+            <a:endParaRPr lang="es-419"/>
+          </a:p>
+        </p:txBody>
+      </p:sp>
+      <p:sp>
+        <p:nvSpPr>
+          <p:cNvPr id="26" name="Rectangle: Rounded Corners 25">
+            <a:extLst>
+              <a:ext uri="{FF2B5EF4-FFF2-40B4-BE49-F238E27FC236}">
+                <a16:creationId xmlns:a16="http://schemas.microsoft.com/office/drawing/2014/main" id="{7FDAD71F-4865-C04F-4F69-4C53C3925182}"/>
+              </a:ext>
+            </a:extLst>
+          </p:cNvPr>
+          <p:cNvSpPr/>
+          <p:nvPr/>
+        </p:nvSpPr>
+        <p:spPr>
+          <a:xfrm>
+            <a:off x="8316468" y="3438144"/>
+            <a:ext cx="1783080" cy="484632"/>
+          </a:xfrm>
+          <a:prstGeom prst="roundRect">
+            <a:avLst/>
+          </a:prstGeom>
+          <a:noFill/>
+        </p:spPr>
+        <p:style>
+          <a:lnRef idx="2">
+            <a:schemeClr val="accent1">
+              <a:shade val="50000"/>
+            </a:schemeClr>
+          </a:lnRef>
+          <a:fillRef idx="1">
+            <a:schemeClr val="accent1"/>
+          </a:fillRef>
+          <a:effectRef idx="0">
+            <a:schemeClr val="accent1"/>
+          </a:effectRef>
+          <a:fontRef idx="minor">
+            <a:schemeClr val="lt1"/>
+          </a:fontRef>
+        </p:style>
+        <p:txBody>
+          <a:bodyPr rtlCol="0" anchor="ctr"/>
+          <a:lstStyle/>
+          <a:p>
+            <a:pPr algn="ctr"/>
+            <a:endParaRPr lang="es-419"/>
+          </a:p>
+        </p:txBody>
+      </p:sp>
+      <p:cxnSp>
+        <p:nvCxnSpPr>
+          <p:cNvPr id="28" name="Straight Connector 27">
+            <a:extLst>
+              <a:ext uri="{FF2B5EF4-FFF2-40B4-BE49-F238E27FC236}">
+                <a16:creationId xmlns:a16="http://schemas.microsoft.com/office/drawing/2014/main" id="{22BF4EB1-D42C-E9DA-00F1-CE776B49EE63}"/>
+              </a:ext>
+            </a:extLst>
+          </p:cNvPr>
+          <p:cNvCxnSpPr>
+            <a:stCxn id="23" idx="2"/>
+            <a:endCxn id="24" idx="0"/>
+          </p:cNvCxnSpPr>
+          <p:nvPr/>
+        </p:nvCxnSpPr>
+        <p:spPr>
+          <a:xfrm>
+            <a:off x="9208008" y="1938528"/>
+            <a:ext cx="0" cy="137160"/>
+          </a:xfrm>
+          <a:prstGeom prst="line">
+            <a:avLst/>
+          </a:prstGeom>
+        </p:spPr>
+        <p:style>
+          <a:lnRef idx="1">
+            <a:schemeClr val="accent1"/>
+          </a:lnRef>
+          <a:fillRef idx="0">
+            <a:schemeClr val="accent1"/>
+          </a:fillRef>
+          <a:effectRef idx="0">
+            <a:schemeClr val="accent1"/>
+          </a:effectRef>
+          <a:fontRef idx="minor">
+            <a:schemeClr val="tx1"/>
+          </a:fontRef>
+        </p:style>
+      </p:cxnSp>
+      <p:cxnSp>
+        <p:nvCxnSpPr>
+          <p:cNvPr id="29" name="Straight Connector 28">
+            <a:extLst>
+              <a:ext uri="{FF2B5EF4-FFF2-40B4-BE49-F238E27FC236}">
+                <a16:creationId xmlns:a16="http://schemas.microsoft.com/office/drawing/2014/main" id="{E9B4B61B-599D-BDE5-E10D-7B6A0B0D65F6}"/>
+              </a:ext>
+            </a:extLst>
+          </p:cNvPr>
+          <p:cNvCxnSpPr>
+            <a:stCxn id="24" idx="2"/>
+            <a:endCxn id="25" idx="0"/>
+          </p:cNvCxnSpPr>
+          <p:nvPr/>
+        </p:nvCxnSpPr>
+        <p:spPr>
+          <a:xfrm>
+            <a:off x="9208008" y="2560320"/>
+            <a:ext cx="0" cy="137160"/>
+          </a:xfrm>
+          <a:prstGeom prst="line">
+            <a:avLst/>
+          </a:prstGeom>
+        </p:spPr>
+        <p:style>
+          <a:lnRef idx="1">
+            <a:schemeClr val="accent1"/>
+          </a:lnRef>
+          <a:fillRef idx="0">
+            <a:schemeClr val="accent1"/>
+          </a:fillRef>
+          <a:effectRef idx="0">
+            <a:schemeClr val="accent1"/>
+          </a:effectRef>
+          <a:fontRef idx="minor">
+            <a:schemeClr val="tx1"/>
+          </a:fontRef>
+        </p:style>
+      </p:cxnSp>
+      <p:cxnSp>
+        <p:nvCxnSpPr>
+          <p:cNvPr id="30" name="Straight Connector 29">
+            <a:extLst>
+              <a:ext uri="{FF2B5EF4-FFF2-40B4-BE49-F238E27FC236}">
+                <a16:creationId xmlns:a16="http://schemas.microsoft.com/office/drawing/2014/main" id="{70D670FB-B144-FF71-D396-27A7167EE2E0}"/>
+              </a:ext>
+            </a:extLst>
+          </p:cNvPr>
+          <p:cNvCxnSpPr>
+            <a:stCxn id="25" idx="2"/>
+            <a:endCxn id="26" idx="0"/>
+          </p:cNvCxnSpPr>
+          <p:nvPr/>
+        </p:nvCxnSpPr>
+        <p:spPr>
+          <a:xfrm>
+            <a:off x="9208008" y="3182112"/>
+            <a:ext cx="0" cy="256032"/>
+          </a:xfrm>
+          <a:prstGeom prst="line">
+            <a:avLst/>
+          </a:prstGeom>
+        </p:spPr>
+        <p:style>
+          <a:lnRef idx="1">
+            <a:schemeClr val="accent1"/>
+          </a:lnRef>
+          <a:fillRef idx="0">
+            <a:schemeClr val="accent1"/>
+          </a:fillRef>
+          <a:effectRef idx="0">
+            <a:schemeClr val="accent1"/>
+          </a:effectRef>
+          <a:fontRef idx="minor">
+            <a:schemeClr val="tx1"/>
+          </a:fontRef>
+        </p:style>
+      </p:cxnSp>
+      <p:sp>
+        <p:nvSpPr>
+          <p:cNvPr id="31" name="Cylinder 30">
+            <a:extLst>
+              <a:ext uri="{FF2B5EF4-FFF2-40B4-BE49-F238E27FC236}">
+                <a16:creationId xmlns:a16="http://schemas.microsoft.com/office/drawing/2014/main" id="{27FD45A5-E685-97D1-E335-6469C2DCD913}"/>
+              </a:ext>
+            </a:extLst>
+          </p:cNvPr>
+          <p:cNvSpPr/>
+          <p:nvPr/>
+        </p:nvSpPr>
+        <p:spPr>
+          <a:xfrm>
+            <a:off x="1627632" y="5212080"/>
+            <a:ext cx="1362456" cy="1060704"/>
+          </a:xfrm>
+          <a:prstGeom prst="can">
+            <a:avLst/>
+          </a:prstGeom>
+          <a:noFill/>
+        </p:spPr>
+        <p:style>
+          <a:lnRef idx="2">
+            <a:schemeClr val="accent1">
+              <a:shade val="50000"/>
+            </a:schemeClr>
+          </a:lnRef>
+          <a:fillRef idx="1">
+            <a:schemeClr val="accent1"/>
+          </a:fillRef>
+          <a:effectRef idx="0">
+            <a:schemeClr val="accent1"/>
+          </a:effectRef>
+          <a:fontRef idx="minor">
+            <a:schemeClr val="lt1"/>
+          </a:fontRef>
+        </p:style>
+        <p:txBody>
+          <a:bodyPr rtlCol="0" anchor="ctr"/>
+          <a:lstStyle/>
+          <a:p>
+            <a:pPr algn="ctr"/>
+            <a:endParaRPr lang="es-419"/>
+          </a:p>
+        </p:txBody>
+      </p:sp>
+      <p:cxnSp>
+        <p:nvCxnSpPr>
+          <p:cNvPr id="32" name="Straight Arrow Connector 31">
+            <a:extLst>
+              <a:ext uri="{FF2B5EF4-FFF2-40B4-BE49-F238E27FC236}">
+                <a16:creationId xmlns:a16="http://schemas.microsoft.com/office/drawing/2014/main" id="{D29465D7-EAC4-1CFE-96D8-01FC9D7A472E}"/>
+              </a:ext>
+            </a:extLst>
+          </p:cNvPr>
+          <p:cNvCxnSpPr>
+            <a:endCxn id="31" idx="1"/>
+          </p:cNvCxnSpPr>
+          <p:nvPr/>
+        </p:nvCxnSpPr>
+        <p:spPr>
+          <a:xfrm flipH="1">
+            <a:off x="2308860" y="4782312"/>
+            <a:ext cx="4572" cy="429768"/>
+          </a:xfrm>
+          <a:prstGeom prst="straightConnector1">
+            <a:avLst/>
+          </a:prstGeom>
+          <a:ln>
+            <a:tailEnd type="triangle"/>
+          </a:ln>
+        </p:spPr>
+        <p:style>
+          <a:lnRef idx="1">
+            <a:schemeClr val="accent1"/>
+          </a:lnRef>
+          <a:fillRef idx="0">
+            <a:schemeClr val="accent1"/>
+          </a:fillRef>
+          <a:effectRef idx="0">
+            <a:schemeClr val="accent1"/>
+          </a:effectRef>
+          <a:fontRef idx="minor">
+            <a:schemeClr val="tx1"/>
+          </a:fontRef>
+        </p:style>
+      </p:cxnSp>
+      <p:sp>
+        <p:nvSpPr>
+          <p:cNvPr id="33" name="Cylinder 32">
+            <a:extLst>
+              <a:ext uri="{FF2B5EF4-FFF2-40B4-BE49-F238E27FC236}">
+                <a16:creationId xmlns:a16="http://schemas.microsoft.com/office/drawing/2014/main" id="{284A31A6-4E10-96F4-75D9-B62C95186B5C}"/>
+              </a:ext>
+            </a:extLst>
+          </p:cNvPr>
+          <p:cNvSpPr/>
+          <p:nvPr/>
+        </p:nvSpPr>
+        <p:spPr>
+          <a:xfrm>
+            <a:off x="5079492" y="5212080"/>
+            <a:ext cx="1362456" cy="1060704"/>
+          </a:xfrm>
+          <a:prstGeom prst="can">
+            <a:avLst/>
+          </a:prstGeom>
+          <a:noFill/>
+        </p:spPr>
+        <p:style>
+          <a:lnRef idx="2">
+            <a:schemeClr val="accent1">
+              <a:shade val="50000"/>
+            </a:schemeClr>
+          </a:lnRef>
+          <a:fillRef idx="1">
+            <a:schemeClr val="accent1"/>
+          </a:fillRef>
+          <a:effectRef idx="0">
+            <a:schemeClr val="accent1"/>
+          </a:effectRef>
+          <a:fontRef idx="minor">
+            <a:schemeClr val="lt1"/>
+          </a:fontRef>
+        </p:style>
+        <p:txBody>
+          <a:bodyPr rtlCol="0" anchor="ctr"/>
+          <a:lstStyle/>
+          <a:p>
+            <a:pPr algn="ctr"/>
+            <a:endParaRPr lang="es-419"/>
+          </a:p>
+        </p:txBody>
+      </p:sp>
+      <p:cxnSp>
+        <p:nvCxnSpPr>
+          <p:cNvPr id="34" name="Straight Arrow Connector 33">
+            <a:extLst>
+              <a:ext uri="{FF2B5EF4-FFF2-40B4-BE49-F238E27FC236}">
+                <a16:creationId xmlns:a16="http://schemas.microsoft.com/office/drawing/2014/main" id="{CBD44FD8-F474-59C6-1DA6-D9F75FE85726}"/>
+              </a:ext>
+            </a:extLst>
+          </p:cNvPr>
+          <p:cNvCxnSpPr>
+            <a:endCxn id="33" idx="1"/>
+          </p:cNvCxnSpPr>
+          <p:nvPr/>
+        </p:nvCxnSpPr>
+        <p:spPr>
+          <a:xfrm flipH="1">
+            <a:off x="5760720" y="4782312"/>
+            <a:ext cx="4572" cy="429768"/>
+          </a:xfrm>
+          <a:prstGeom prst="straightConnector1">
+            <a:avLst/>
+          </a:prstGeom>
+          <a:ln>
+            <a:tailEnd type="triangle"/>
+          </a:ln>
+        </p:spPr>
+        <p:style>
+          <a:lnRef idx="1">
+            <a:schemeClr val="accent1"/>
+          </a:lnRef>
+          <a:fillRef idx="0">
+            <a:schemeClr val="accent1"/>
+          </a:fillRef>
+          <a:effectRef idx="0">
+            <a:schemeClr val="accent1"/>
+          </a:effectRef>
+          <a:fontRef idx="minor">
+            <a:schemeClr val="tx1"/>
+          </a:fontRef>
+        </p:style>
+      </p:cxnSp>
+      <p:sp>
+        <p:nvSpPr>
+          <p:cNvPr id="35" name="Cylinder 34">
+            <a:extLst>
+              <a:ext uri="{FF2B5EF4-FFF2-40B4-BE49-F238E27FC236}">
+                <a16:creationId xmlns:a16="http://schemas.microsoft.com/office/drawing/2014/main" id="{8549D1C7-B786-D85E-6FED-02979A0C253B}"/>
+              </a:ext>
+            </a:extLst>
+          </p:cNvPr>
+          <p:cNvSpPr/>
+          <p:nvPr/>
+        </p:nvSpPr>
+        <p:spPr>
+          <a:xfrm>
+            <a:off x="8526780" y="5212080"/>
+            <a:ext cx="1362456" cy="1060704"/>
+          </a:xfrm>
+          <a:prstGeom prst="can">
+            <a:avLst/>
+          </a:prstGeom>
+          <a:noFill/>
+        </p:spPr>
+        <p:style>
+          <a:lnRef idx="2">
+            <a:schemeClr val="accent1">
+              <a:shade val="50000"/>
+            </a:schemeClr>
+          </a:lnRef>
+          <a:fillRef idx="1">
+            <a:schemeClr val="accent1"/>
+          </a:fillRef>
+          <a:effectRef idx="0">
+            <a:schemeClr val="accent1"/>
+          </a:effectRef>
+          <a:fontRef idx="minor">
+            <a:schemeClr val="lt1"/>
+          </a:fontRef>
+        </p:style>
+        <p:txBody>
+          <a:bodyPr rtlCol="0" anchor="ctr"/>
+          <a:lstStyle/>
+          <a:p>
+            <a:pPr algn="ctr"/>
+            <a:endParaRPr lang="es-419"/>
+          </a:p>
+        </p:txBody>
+      </p:sp>
+      <p:cxnSp>
+        <p:nvCxnSpPr>
+          <p:cNvPr id="36" name="Straight Arrow Connector 35">
+            <a:extLst>
+              <a:ext uri="{FF2B5EF4-FFF2-40B4-BE49-F238E27FC236}">
+                <a16:creationId xmlns:a16="http://schemas.microsoft.com/office/drawing/2014/main" id="{A569BD8F-B9AE-CE81-FE14-D4FDAB58147D}"/>
+              </a:ext>
+            </a:extLst>
+          </p:cNvPr>
+          <p:cNvCxnSpPr>
+            <a:endCxn id="35" idx="1"/>
+          </p:cNvCxnSpPr>
+          <p:nvPr/>
+        </p:nvCxnSpPr>
+        <p:spPr>
+          <a:xfrm flipH="1">
+            <a:off x="9208008" y="4782312"/>
+            <a:ext cx="4572" cy="429768"/>
+          </a:xfrm>
+          <a:prstGeom prst="straightConnector1">
+            <a:avLst/>
+          </a:prstGeom>
+          <a:ln>
+            <a:tailEnd type="triangle"/>
+          </a:ln>
+        </p:spPr>
+        <p:style>
+          <a:lnRef idx="1">
+            <a:schemeClr val="accent1"/>
+          </a:lnRef>
+          <a:fillRef idx="0">
+            <a:schemeClr val="accent1"/>
+          </a:fillRef>
+          <a:effectRef idx="0">
+            <a:schemeClr val="accent1"/>
+          </a:effectRef>
+          <a:fontRef idx="minor">
+            <a:schemeClr val="tx1"/>
+          </a:fontRef>
+        </p:style>
+      </p:cxnSp>
+      <p:cxnSp>
+        <p:nvCxnSpPr>
+          <p:cNvPr id="37" name="Straight Connector 36">
+            <a:extLst>
+              <a:ext uri="{FF2B5EF4-FFF2-40B4-BE49-F238E27FC236}">
+                <a16:creationId xmlns:a16="http://schemas.microsoft.com/office/drawing/2014/main" id="{B3AC484F-3F41-E33D-3232-2CC700B3EDFD}"/>
+              </a:ext>
+            </a:extLst>
+          </p:cNvPr>
+          <p:cNvCxnSpPr/>
+          <p:nvPr/>
+        </p:nvCxnSpPr>
+        <p:spPr>
+          <a:xfrm>
+            <a:off x="3465576" y="2807208"/>
+            <a:ext cx="1147572" cy="0"/>
+          </a:xfrm>
+          <a:prstGeom prst="line">
+            <a:avLst/>
+          </a:prstGeom>
+        </p:spPr>
+        <p:style>
+          <a:lnRef idx="1">
+            <a:schemeClr val="accent1"/>
+          </a:lnRef>
+          <a:fillRef idx="0">
+            <a:schemeClr val="accent1"/>
+          </a:fillRef>
+          <a:effectRef idx="0">
+            <a:schemeClr val="accent1"/>
+          </a:effectRef>
+          <a:fontRef idx="minor">
+            <a:schemeClr val="tx1"/>
+          </a:fontRef>
+        </p:style>
+      </p:cxnSp>
+      <p:cxnSp>
+        <p:nvCxnSpPr>
+          <p:cNvPr id="38" name="Straight Connector 37">
+            <a:extLst>
+              <a:ext uri="{FF2B5EF4-FFF2-40B4-BE49-F238E27FC236}">
+                <a16:creationId xmlns:a16="http://schemas.microsoft.com/office/drawing/2014/main" id="{3686E3C1-2348-5A07-4C17-8D635EB8AD3B}"/>
+              </a:ext>
+            </a:extLst>
+          </p:cNvPr>
+          <p:cNvCxnSpPr/>
+          <p:nvPr/>
+        </p:nvCxnSpPr>
+        <p:spPr>
+          <a:xfrm>
+            <a:off x="6917436" y="2807208"/>
+            <a:ext cx="1143000" cy="0"/>
+          </a:xfrm>
+          <a:prstGeom prst="line">
+            <a:avLst/>
+          </a:prstGeom>
+        </p:spPr>
+        <p:style>
+          <a:lnRef idx="1">
+            <a:schemeClr val="accent1"/>
+          </a:lnRef>
+          <a:fillRef idx="0">
+            <a:schemeClr val="accent1"/>
+          </a:fillRef>
+          <a:effectRef idx="0">
+            <a:schemeClr val="accent1"/>
+          </a:effectRef>
+          <a:fontRef idx="minor">
+            <a:schemeClr val="tx1"/>
+          </a:fontRef>
+        </p:style>
+      </p:cxnSp>
+    </p:spTree>
+    <p:extLst>
+      <p:ext uri="{BB962C8B-B14F-4D97-AF65-F5344CB8AC3E}">
+        <p14:creationId xmlns:p14="http://schemas.microsoft.com/office/powerpoint/2010/main" val="3395175122"/>
+      </p:ext>
+    </p:extLst>
+  </p:cSld>
+  <p:clrMapOvr>
+    <a:masterClrMapping/>
+  </p:clrMapOvr>
+</p:sld>
+</file>
+
+<file path=ppt/slides/slide3.xml><?xml version="1.0" encoding="utf-8"?>
+<p:sld xmlns:a="http://schemas.openxmlformats.org/drawingml/2006/main" xmlns:r="http://schemas.openxmlformats.org/officeDocument/2006/relationships" xmlns:p="http://schemas.openxmlformats.org/presentationml/2006/main">
+  <p:cSld>
+    <p:spTree>
+      <p:nvGrpSpPr>
+        <p:cNvPr id="1" name=""/>
+        <p:cNvGrpSpPr/>
+        <p:nvPr/>
+      </p:nvGrpSpPr>
+      <p:grpSpPr>
+        <a:xfrm>
+          <a:off x="0" y="0"/>
+          <a:ext cx="0" cy="0"/>
+          <a:chOff x="0" y="0"/>
+          <a:chExt cx="0" cy="0"/>
+        </a:xfrm>
+      </p:grpSpPr>
+      <p:sp>
+        <p:nvSpPr>
+          <p:cNvPr id="4" name="Rectangle: Rounded Corners 3">
+            <a:extLst>
+              <a:ext uri="{FF2B5EF4-FFF2-40B4-BE49-F238E27FC236}">
+                <a16:creationId xmlns:a16="http://schemas.microsoft.com/office/drawing/2014/main" id="{B4347D3C-AC96-718B-BCE6-8A0139D6B8C7}"/>
+              </a:ext>
+            </a:extLst>
+          </p:cNvPr>
+          <p:cNvSpPr/>
+          <p:nvPr/>
+        </p:nvSpPr>
+        <p:spPr>
+          <a:xfrm>
+            <a:off x="1124712" y="2560320"/>
+            <a:ext cx="4764024" cy="1129284"/>
+          </a:xfrm>
+          <a:prstGeom prst="roundRect">
+            <a:avLst/>
+          </a:prstGeom>
+          <a:noFill/>
+        </p:spPr>
+        <p:style>
+          <a:lnRef idx="2">
+            <a:schemeClr val="accent1">
+              <a:shade val="50000"/>
+            </a:schemeClr>
+          </a:lnRef>
+          <a:fillRef idx="1">
+            <a:schemeClr val="accent1"/>
+          </a:fillRef>
+          <a:effectRef idx="0">
+            <a:schemeClr val="accent1"/>
+          </a:effectRef>
+          <a:fontRef idx="minor">
+            <a:schemeClr val="lt1"/>
+          </a:fontRef>
+        </p:style>
+        <p:txBody>
+          <a:bodyPr rtlCol="0" anchor="ctr"/>
+          <a:lstStyle/>
+          <a:p>
+            <a:pPr algn="ctr"/>
+            <a:endParaRPr lang="es-419"/>
+          </a:p>
+        </p:txBody>
+      </p:sp>
+      <p:sp>
+        <p:nvSpPr>
+          <p:cNvPr id="5" name="Hexagon 4">
+            <a:extLst>
+              <a:ext uri="{FF2B5EF4-FFF2-40B4-BE49-F238E27FC236}">
+                <a16:creationId xmlns:a16="http://schemas.microsoft.com/office/drawing/2014/main" id="{93332A31-169A-7453-78ED-354E204E7473}"/>
+              </a:ext>
+            </a:extLst>
+          </p:cNvPr>
+          <p:cNvSpPr/>
+          <p:nvPr/>
+        </p:nvSpPr>
+        <p:spPr>
+          <a:xfrm>
+            <a:off x="1426464" y="2948940"/>
+            <a:ext cx="567477" cy="489204"/>
+          </a:xfrm>
+          <a:prstGeom prst="hexagon">
+            <a:avLst/>
+          </a:prstGeom>
+          <a:noFill/>
+        </p:spPr>
+        <p:style>
+          <a:lnRef idx="2">
+            <a:schemeClr val="accent1">
+              <a:shade val="50000"/>
+            </a:schemeClr>
+          </a:lnRef>
+          <a:fillRef idx="1">
+            <a:schemeClr val="accent1"/>
+          </a:fillRef>
+          <a:effectRef idx="0">
+            <a:schemeClr val="accent1"/>
+          </a:effectRef>
+          <a:fontRef idx="minor">
+            <a:schemeClr val="lt1"/>
+          </a:fontRef>
+        </p:style>
+        <p:txBody>
+          <a:bodyPr rtlCol="0" anchor="ctr"/>
+          <a:lstStyle/>
+          <a:p>
+            <a:pPr algn="ctr"/>
+            <a:endParaRPr lang="es-419"/>
+          </a:p>
+        </p:txBody>
+      </p:sp>
+      <p:sp>
+        <p:nvSpPr>
+          <p:cNvPr id="6" name="Hexagon 5">
+            <a:extLst>
+              <a:ext uri="{FF2B5EF4-FFF2-40B4-BE49-F238E27FC236}">
+                <a16:creationId xmlns:a16="http://schemas.microsoft.com/office/drawing/2014/main" id="{238ECB73-6838-9EE9-E4AB-D003131773B3}"/>
+              </a:ext>
+            </a:extLst>
+          </p:cNvPr>
+          <p:cNvSpPr/>
+          <p:nvPr/>
+        </p:nvSpPr>
+        <p:spPr>
+          <a:xfrm>
+            <a:off x="2130552" y="2948940"/>
+            <a:ext cx="567477" cy="489204"/>
+          </a:xfrm>
+          <a:prstGeom prst="hexagon">
+            <a:avLst/>
+          </a:prstGeom>
+          <a:noFill/>
+        </p:spPr>
+        <p:style>
+          <a:lnRef idx="2">
+            <a:schemeClr val="accent1">
+              <a:shade val="50000"/>
+            </a:schemeClr>
+          </a:lnRef>
+          <a:fillRef idx="1">
+            <a:schemeClr val="accent1"/>
+          </a:fillRef>
+          <a:effectRef idx="0">
+            <a:schemeClr val="accent1"/>
+          </a:effectRef>
+          <a:fontRef idx="minor">
+            <a:schemeClr val="lt1"/>
+          </a:fontRef>
+        </p:style>
+        <p:txBody>
+          <a:bodyPr rtlCol="0" anchor="ctr"/>
+          <a:lstStyle/>
+          <a:p>
+            <a:pPr algn="ctr"/>
+            <a:endParaRPr lang="es-419"/>
+          </a:p>
+        </p:txBody>
+      </p:sp>
+      <p:sp>
+        <p:nvSpPr>
+          <p:cNvPr id="7" name="Hexagon 6">
+            <a:extLst>
+              <a:ext uri="{FF2B5EF4-FFF2-40B4-BE49-F238E27FC236}">
+                <a16:creationId xmlns:a16="http://schemas.microsoft.com/office/drawing/2014/main" id="{7183FD22-0373-8083-316F-7D15BB0B5AF6}"/>
+              </a:ext>
+            </a:extLst>
+          </p:cNvPr>
+          <p:cNvSpPr/>
+          <p:nvPr/>
+        </p:nvSpPr>
+        <p:spPr>
+          <a:xfrm>
+            <a:off x="2834640" y="2948940"/>
+            <a:ext cx="567477" cy="489204"/>
+          </a:xfrm>
+          <a:prstGeom prst="hexagon">
+            <a:avLst/>
+          </a:prstGeom>
+          <a:noFill/>
+        </p:spPr>
+        <p:style>
+          <a:lnRef idx="2">
+            <a:schemeClr val="accent1">
+              <a:shade val="50000"/>
+            </a:schemeClr>
+          </a:lnRef>
+          <a:fillRef idx="1">
+            <a:schemeClr val="accent1"/>
+          </a:fillRef>
+          <a:effectRef idx="0">
+            <a:schemeClr val="accent1"/>
+          </a:effectRef>
+          <a:fontRef idx="minor">
+            <a:schemeClr val="lt1"/>
+          </a:fontRef>
+        </p:style>
+        <p:txBody>
+          <a:bodyPr rtlCol="0" anchor="ctr"/>
+          <a:lstStyle/>
+          <a:p>
+            <a:pPr algn="ctr"/>
+            <a:endParaRPr lang="es-419"/>
+          </a:p>
+        </p:txBody>
+      </p:sp>
+      <p:sp>
+        <p:nvSpPr>
+          <p:cNvPr id="8" name="Hexagon 7">
+            <a:extLst>
+              <a:ext uri="{FF2B5EF4-FFF2-40B4-BE49-F238E27FC236}">
+                <a16:creationId xmlns:a16="http://schemas.microsoft.com/office/drawing/2014/main" id="{C03E3217-70FC-74BC-1EFF-4F9D66DAD91F}"/>
+              </a:ext>
+            </a:extLst>
+          </p:cNvPr>
+          <p:cNvSpPr/>
+          <p:nvPr/>
+        </p:nvSpPr>
+        <p:spPr>
+          <a:xfrm>
+            <a:off x="3538728" y="2948940"/>
+            <a:ext cx="567477" cy="489204"/>
+          </a:xfrm>
+          <a:prstGeom prst="hexagon">
+            <a:avLst/>
+          </a:prstGeom>
+          <a:noFill/>
+        </p:spPr>
+        <p:style>
+          <a:lnRef idx="2">
+            <a:schemeClr val="accent1">
+              <a:shade val="50000"/>
+            </a:schemeClr>
+          </a:lnRef>
+          <a:fillRef idx="1">
+            <a:schemeClr val="accent1"/>
+          </a:fillRef>
+          <a:effectRef idx="0">
+            <a:schemeClr val="accent1"/>
+          </a:effectRef>
+          <a:fontRef idx="minor">
+            <a:schemeClr val="lt1"/>
+          </a:fontRef>
+        </p:style>
+        <p:txBody>
+          <a:bodyPr rtlCol="0" anchor="ctr"/>
+          <a:lstStyle/>
+          <a:p>
+            <a:pPr algn="ctr"/>
+            <a:endParaRPr lang="es-419"/>
+          </a:p>
+        </p:txBody>
+      </p:sp>
+      <p:sp>
+        <p:nvSpPr>
+          <p:cNvPr id="9" name="Hexagon 8">
+            <a:extLst>
+              <a:ext uri="{FF2B5EF4-FFF2-40B4-BE49-F238E27FC236}">
+                <a16:creationId xmlns:a16="http://schemas.microsoft.com/office/drawing/2014/main" id="{F84A3097-3CB4-CBD9-FCF8-984A0A85D286}"/>
+              </a:ext>
+            </a:extLst>
+          </p:cNvPr>
+          <p:cNvSpPr/>
+          <p:nvPr/>
+        </p:nvSpPr>
+        <p:spPr>
+          <a:xfrm>
+            <a:off x="4242816" y="2948940"/>
+            <a:ext cx="567477" cy="489204"/>
+          </a:xfrm>
+          <a:prstGeom prst="hexagon">
+            <a:avLst/>
+          </a:prstGeom>
+          <a:noFill/>
+        </p:spPr>
+        <p:style>
+          <a:lnRef idx="2">
+            <a:schemeClr val="accent1">
+              <a:shade val="50000"/>
+            </a:schemeClr>
+          </a:lnRef>
+          <a:fillRef idx="1">
+            <a:schemeClr val="accent1"/>
+          </a:fillRef>
+          <a:effectRef idx="0">
+            <a:schemeClr val="accent1"/>
+          </a:effectRef>
+          <a:fontRef idx="minor">
+            <a:schemeClr val="lt1"/>
+          </a:fontRef>
+        </p:style>
+        <p:txBody>
+          <a:bodyPr rtlCol="0" anchor="ctr"/>
+          <a:lstStyle/>
+          <a:p>
+            <a:pPr algn="ctr"/>
+            <a:endParaRPr lang="es-419"/>
+          </a:p>
+        </p:txBody>
+      </p:sp>
+      <p:sp>
+        <p:nvSpPr>
+          <p:cNvPr id="10" name="Hexagon 9">
+            <a:extLst>
+              <a:ext uri="{FF2B5EF4-FFF2-40B4-BE49-F238E27FC236}">
+                <a16:creationId xmlns:a16="http://schemas.microsoft.com/office/drawing/2014/main" id="{DA583205-9BAB-FB5B-A733-1BF8F5C340C2}"/>
+              </a:ext>
+            </a:extLst>
+          </p:cNvPr>
+          <p:cNvSpPr/>
+          <p:nvPr/>
+        </p:nvSpPr>
+        <p:spPr>
+          <a:xfrm>
+            <a:off x="4946904" y="2948940"/>
+            <a:ext cx="567477" cy="489204"/>
+          </a:xfrm>
+          <a:prstGeom prst="hexagon">
+            <a:avLst/>
+          </a:prstGeom>
+          <a:noFill/>
+        </p:spPr>
+        <p:style>
+          <a:lnRef idx="2">
+            <a:schemeClr val="accent1">
+              <a:shade val="50000"/>
+            </a:schemeClr>
+          </a:lnRef>
+          <a:fillRef idx="1">
+            <a:schemeClr val="accent1"/>
+          </a:fillRef>
+          <a:effectRef idx="0">
+            <a:schemeClr val="accent1"/>
+          </a:effectRef>
+          <a:fontRef idx="minor">
+            <a:schemeClr val="lt1"/>
+          </a:fontRef>
+        </p:style>
+        <p:txBody>
+          <a:bodyPr rtlCol="0" anchor="ctr"/>
+          <a:lstStyle/>
+          <a:p>
+            <a:pPr algn="ctr"/>
+            <a:endParaRPr lang="es-419"/>
+          </a:p>
+        </p:txBody>
+      </p:sp>
+      <p:sp>
+        <p:nvSpPr>
+          <p:cNvPr id="17" name="Rectangle: Rounded Corners 16">
+            <a:extLst>
+              <a:ext uri="{FF2B5EF4-FFF2-40B4-BE49-F238E27FC236}">
+                <a16:creationId xmlns:a16="http://schemas.microsoft.com/office/drawing/2014/main" id="{57AC6D5F-ACB5-BCB9-D585-0DBA0B15C26E}"/>
+              </a:ext>
+            </a:extLst>
+          </p:cNvPr>
+          <p:cNvSpPr/>
+          <p:nvPr/>
+        </p:nvSpPr>
+        <p:spPr>
+          <a:xfrm>
+            <a:off x="1124712" y="1575054"/>
+            <a:ext cx="4764024" cy="384048"/>
+          </a:xfrm>
+          <a:prstGeom prst="roundRect">
+            <a:avLst/>
+          </a:prstGeom>
+          <a:noFill/>
+        </p:spPr>
+        <p:style>
+          <a:lnRef idx="2">
+            <a:schemeClr val="accent1">
+              <a:shade val="50000"/>
+            </a:schemeClr>
+          </a:lnRef>
+          <a:fillRef idx="1">
+            <a:schemeClr val="accent1"/>
+          </a:fillRef>
+          <a:effectRef idx="0">
+            <a:schemeClr val="accent1"/>
+          </a:effectRef>
+          <a:fontRef idx="minor">
+            <a:schemeClr val="lt1"/>
+          </a:fontRef>
+        </p:style>
+        <p:txBody>
+          <a:bodyPr rtlCol="0" anchor="ctr"/>
+          <a:lstStyle/>
+          <a:p>
+            <a:pPr algn="ctr"/>
+            <a:r>
+              <a:rPr lang="es-419" dirty="0" err="1">
+                <a:solidFill>
+                  <a:schemeClr val="tx1"/>
+                </a:solidFill>
+              </a:rPr>
+              <a:t>Enterpirse</a:t>
+            </a:r>
+            <a:r>
+              <a:rPr lang="es-419" dirty="0">
+                <a:solidFill>
+                  <a:schemeClr val="tx1"/>
+                </a:solidFill>
+              </a:rPr>
+              <a:t> </a:t>
+            </a:r>
+            <a:r>
+              <a:rPr lang="es-419" dirty="0" err="1">
+                <a:solidFill>
+                  <a:schemeClr val="tx1"/>
+                </a:solidFill>
+              </a:rPr>
+              <a:t>Services</a:t>
+            </a:r>
+            <a:r>
+              <a:rPr lang="es-419" dirty="0">
+                <a:solidFill>
+                  <a:schemeClr val="tx1"/>
+                </a:solidFill>
+              </a:rPr>
+              <a:t> Bus (ESB)</a:t>
+            </a:r>
+          </a:p>
+        </p:txBody>
+      </p:sp>
+      <p:grpSp>
+        <p:nvGrpSpPr>
+          <p:cNvPr id="18" name="Group 17">
+            <a:extLst>
+              <a:ext uri="{FF2B5EF4-FFF2-40B4-BE49-F238E27FC236}">
+                <a16:creationId xmlns:a16="http://schemas.microsoft.com/office/drawing/2014/main" id="{3B43725F-14FE-ED26-3DBB-25B4CC13152A}"/>
+              </a:ext>
+            </a:extLst>
+          </p:cNvPr>
+          <p:cNvGrpSpPr/>
+          <p:nvPr/>
+        </p:nvGrpSpPr>
+        <p:grpSpPr>
+          <a:xfrm>
+            <a:off x="1327605" y="2160270"/>
+            <a:ext cx="319348" cy="162306"/>
+            <a:chOff x="6675120" y="1527048"/>
+            <a:chExt cx="832104" cy="422910"/>
+          </a:xfrm>
+        </p:grpSpPr>
+        <p:sp>
+          <p:nvSpPr>
+            <p:cNvPr id="19" name="Rectangle 18">
+              <a:extLst>
+                <a:ext uri="{FF2B5EF4-FFF2-40B4-BE49-F238E27FC236}">
+                  <a16:creationId xmlns:a16="http://schemas.microsoft.com/office/drawing/2014/main" id="{38267B46-2BDD-1FCE-13FC-E34CE441C844}"/>
+                </a:ext>
+              </a:extLst>
+            </p:cNvPr>
+            <p:cNvSpPr/>
+            <p:nvPr/>
+          </p:nvSpPr>
+          <p:spPr>
+            <a:xfrm>
+              <a:off x="6675120" y="1527048"/>
+              <a:ext cx="832104" cy="422910"/>
+            </a:xfrm>
+            <a:prstGeom prst="rect">
+              <a:avLst/>
+            </a:prstGeom>
+            <a:noFill/>
+          </p:spPr>
+          <p:style>
+            <a:lnRef idx="2">
+              <a:schemeClr val="accent1">
+                <a:shade val="50000"/>
+              </a:schemeClr>
+            </a:lnRef>
+            <a:fillRef idx="1">
+              <a:schemeClr val="accent1"/>
+            </a:fillRef>
+            <a:effectRef idx="0">
+              <a:schemeClr val="accent1"/>
+            </a:effectRef>
+            <a:fontRef idx="minor">
+              <a:schemeClr val="lt1"/>
+            </a:fontRef>
+          </p:style>
+          <p:txBody>
+            <a:bodyPr rtlCol="0" anchor="ctr"/>
+            <a:lstStyle/>
+            <a:p>
+              <a:pPr algn="ctr"/>
+              <a:endParaRPr lang="es-419"/>
+            </a:p>
+          </p:txBody>
+        </p:sp>
+        <p:cxnSp>
+          <p:nvCxnSpPr>
+            <p:cNvPr id="20" name="Straight Connector 19">
+              <a:extLst>
+                <a:ext uri="{FF2B5EF4-FFF2-40B4-BE49-F238E27FC236}">
+                  <a16:creationId xmlns:a16="http://schemas.microsoft.com/office/drawing/2014/main" id="{97F2CC80-AD1B-87CE-478D-DE08EA7F6A34}"/>
+                </a:ext>
+              </a:extLst>
+            </p:cNvPr>
+            <p:cNvCxnSpPr/>
+            <p:nvPr/>
+          </p:nvCxnSpPr>
+          <p:spPr>
+            <a:xfrm>
+              <a:off x="6675120" y="1527048"/>
+              <a:ext cx="438912" cy="237744"/>
+            </a:xfrm>
+            <a:prstGeom prst="line">
+              <a:avLst/>
+            </a:prstGeom>
+          </p:spPr>
+          <p:style>
+            <a:lnRef idx="1">
+              <a:schemeClr val="accent1"/>
+            </a:lnRef>
+            <a:fillRef idx="0">
+              <a:schemeClr val="accent1"/>
+            </a:fillRef>
+            <a:effectRef idx="0">
+              <a:schemeClr val="accent1"/>
+            </a:effectRef>
+            <a:fontRef idx="minor">
+              <a:schemeClr val="tx1"/>
+            </a:fontRef>
+          </p:style>
+        </p:cxnSp>
+        <p:cxnSp>
+          <p:nvCxnSpPr>
+            <p:cNvPr id="21" name="Straight Connector 20">
+              <a:extLst>
+                <a:ext uri="{FF2B5EF4-FFF2-40B4-BE49-F238E27FC236}">
+                  <a16:creationId xmlns:a16="http://schemas.microsoft.com/office/drawing/2014/main" id="{4EE09ED8-746E-4E6A-5BF9-07ADA9913D81}"/>
+                </a:ext>
+              </a:extLst>
+            </p:cNvPr>
+            <p:cNvCxnSpPr/>
+            <p:nvPr/>
+          </p:nvCxnSpPr>
+          <p:spPr>
+            <a:xfrm flipH="1">
+              <a:off x="7114032" y="1527048"/>
+              <a:ext cx="393192" cy="237744"/>
+            </a:xfrm>
+            <a:prstGeom prst="line">
+              <a:avLst/>
+            </a:prstGeom>
+          </p:spPr>
+          <p:style>
+            <a:lnRef idx="1">
+              <a:schemeClr val="accent1"/>
+            </a:lnRef>
+            <a:fillRef idx="0">
+              <a:schemeClr val="accent1"/>
+            </a:fillRef>
+            <a:effectRef idx="0">
+              <a:schemeClr val="accent1"/>
+            </a:effectRef>
+            <a:fontRef idx="minor">
+              <a:schemeClr val="tx1"/>
+            </a:fontRef>
+          </p:style>
+        </p:cxnSp>
+      </p:grpSp>
+      <p:grpSp>
+        <p:nvGrpSpPr>
+          <p:cNvPr id="22" name="Group 21">
+            <a:extLst>
+              <a:ext uri="{FF2B5EF4-FFF2-40B4-BE49-F238E27FC236}">
+                <a16:creationId xmlns:a16="http://schemas.microsoft.com/office/drawing/2014/main" id="{6B484FE6-AE3D-EBA2-043C-143778A0C478}"/>
+              </a:ext>
+            </a:extLst>
+          </p:cNvPr>
+          <p:cNvGrpSpPr/>
+          <p:nvPr/>
+        </p:nvGrpSpPr>
+        <p:grpSpPr>
+          <a:xfrm>
+            <a:off x="2011680" y="2160270"/>
+            <a:ext cx="319348" cy="162306"/>
+            <a:chOff x="6675120" y="1527048"/>
+            <a:chExt cx="832104" cy="422910"/>
+          </a:xfrm>
+        </p:grpSpPr>
+        <p:sp>
+          <p:nvSpPr>
+            <p:cNvPr id="23" name="Rectangle 22">
+              <a:extLst>
+                <a:ext uri="{FF2B5EF4-FFF2-40B4-BE49-F238E27FC236}">
+                  <a16:creationId xmlns:a16="http://schemas.microsoft.com/office/drawing/2014/main" id="{3767B3D7-D58A-E4C1-678D-4275526BC208}"/>
+                </a:ext>
+              </a:extLst>
+            </p:cNvPr>
+            <p:cNvSpPr/>
+            <p:nvPr/>
+          </p:nvSpPr>
+          <p:spPr>
+            <a:xfrm>
+              <a:off x="6675120" y="1527048"/>
+              <a:ext cx="832104" cy="422910"/>
+            </a:xfrm>
+            <a:prstGeom prst="rect">
+              <a:avLst/>
+            </a:prstGeom>
+            <a:noFill/>
+          </p:spPr>
+          <p:style>
+            <a:lnRef idx="2">
+              <a:schemeClr val="accent1">
+                <a:shade val="50000"/>
+              </a:schemeClr>
+            </a:lnRef>
+            <a:fillRef idx="1">
+              <a:schemeClr val="accent1"/>
+            </a:fillRef>
+            <a:effectRef idx="0">
+              <a:schemeClr val="accent1"/>
+            </a:effectRef>
+            <a:fontRef idx="minor">
+              <a:schemeClr val="lt1"/>
+            </a:fontRef>
+          </p:style>
+          <p:txBody>
+            <a:bodyPr rtlCol="0" anchor="ctr"/>
+            <a:lstStyle/>
+            <a:p>
+              <a:pPr algn="ctr"/>
+              <a:endParaRPr lang="es-419"/>
+            </a:p>
+          </p:txBody>
+        </p:sp>
+        <p:cxnSp>
+          <p:nvCxnSpPr>
+            <p:cNvPr id="24" name="Straight Connector 23">
+              <a:extLst>
+                <a:ext uri="{FF2B5EF4-FFF2-40B4-BE49-F238E27FC236}">
+                  <a16:creationId xmlns:a16="http://schemas.microsoft.com/office/drawing/2014/main" id="{66CBAFE0-8C6C-4672-C5AC-336B322D7B93}"/>
+                </a:ext>
+              </a:extLst>
+            </p:cNvPr>
+            <p:cNvCxnSpPr/>
+            <p:nvPr/>
+          </p:nvCxnSpPr>
+          <p:spPr>
+            <a:xfrm>
+              <a:off x="6675120" y="1527048"/>
+              <a:ext cx="438912" cy="237744"/>
+            </a:xfrm>
+            <a:prstGeom prst="line">
+              <a:avLst/>
+            </a:prstGeom>
+          </p:spPr>
+          <p:style>
+            <a:lnRef idx="1">
+              <a:schemeClr val="accent1"/>
+            </a:lnRef>
+            <a:fillRef idx="0">
+              <a:schemeClr val="accent1"/>
+            </a:fillRef>
+            <a:effectRef idx="0">
+              <a:schemeClr val="accent1"/>
+            </a:effectRef>
+            <a:fontRef idx="minor">
+              <a:schemeClr val="tx1"/>
+            </a:fontRef>
+          </p:style>
+        </p:cxnSp>
+        <p:cxnSp>
+          <p:nvCxnSpPr>
+            <p:cNvPr id="25" name="Straight Connector 24">
+              <a:extLst>
+                <a:ext uri="{FF2B5EF4-FFF2-40B4-BE49-F238E27FC236}">
+                  <a16:creationId xmlns:a16="http://schemas.microsoft.com/office/drawing/2014/main" id="{38D64811-E330-24F0-961B-068B6872C384}"/>
+                </a:ext>
+              </a:extLst>
+            </p:cNvPr>
+            <p:cNvCxnSpPr/>
+            <p:nvPr/>
+          </p:nvCxnSpPr>
+          <p:spPr>
+            <a:xfrm flipH="1">
+              <a:off x="7114032" y="1527048"/>
+              <a:ext cx="393192" cy="237744"/>
+            </a:xfrm>
+            <a:prstGeom prst="line">
+              <a:avLst/>
+            </a:prstGeom>
+          </p:spPr>
+          <p:style>
+            <a:lnRef idx="1">
+              <a:schemeClr val="accent1"/>
+            </a:lnRef>
+            <a:fillRef idx="0">
+              <a:schemeClr val="accent1"/>
+            </a:fillRef>
+            <a:effectRef idx="0">
+              <a:schemeClr val="accent1"/>
+            </a:effectRef>
+            <a:fontRef idx="minor">
+              <a:schemeClr val="tx1"/>
+            </a:fontRef>
+          </p:style>
+        </p:cxnSp>
+      </p:grpSp>
+      <p:grpSp>
+        <p:nvGrpSpPr>
+          <p:cNvPr id="26" name="Group 25">
+            <a:extLst>
+              <a:ext uri="{FF2B5EF4-FFF2-40B4-BE49-F238E27FC236}">
+                <a16:creationId xmlns:a16="http://schemas.microsoft.com/office/drawing/2014/main" id="{1EB62041-2ABA-08EA-327D-63BB1CB7C717}"/>
+              </a:ext>
+            </a:extLst>
+          </p:cNvPr>
+          <p:cNvGrpSpPr/>
+          <p:nvPr/>
+        </p:nvGrpSpPr>
+        <p:grpSpPr>
+          <a:xfrm>
+            <a:off x="2673079" y="2160270"/>
+            <a:ext cx="319348" cy="162306"/>
+            <a:chOff x="6675120" y="1527048"/>
+            <a:chExt cx="832104" cy="422910"/>
+          </a:xfrm>
+        </p:grpSpPr>
+        <p:sp>
+          <p:nvSpPr>
+            <p:cNvPr id="27" name="Rectangle 26">
+              <a:extLst>
+                <a:ext uri="{FF2B5EF4-FFF2-40B4-BE49-F238E27FC236}">
+                  <a16:creationId xmlns:a16="http://schemas.microsoft.com/office/drawing/2014/main" id="{0189CC78-88FA-759E-08FB-2CBB6F2CF044}"/>
+                </a:ext>
+              </a:extLst>
+            </p:cNvPr>
+            <p:cNvSpPr/>
+            <p:nvPr/>
+          </p:nvSpPr>
+          <p:spPr>
+            <a:xfrm>
+              <a:off x="6675120" y="1527048"/>
+              <a:ext cx="832104" cy="422910"/>
+            </a:xfrm>
+            <a:prstGeom prst="rect">
+              <a:avLst/>
+            </a:prstGeom>
+            <a:noFill/>
+          </p:spPr>
+          <p:style>
+            <a:lnRef idx="2">
+              <a:schemeClr val="accent1">
+                <a:shade val="50000"/>
+              </a:schemeClr>
+            </a:lnRef>
+            <a:fillRef idx="1">
+              <a:schemeClr val="accent1"/>
+            </a:fillRef>
+            <a:effectRef idx="0">
+              <a:schemeClr val="accent1"/>
+            </a:effectRef>
+            <a:fontRef idx="minor">
+              <a:schemeClr val="lt1"/>
+            </a:fontRef>
+          </p:style>
+          <p:txBody>
+            <a:bodyPr rtlCol="0" anchor="ctr"/>
+            <a:lstStyle/>
+            <a:p>
+              <a:pPr algn="ctr"/>
+              <a:endParaRPr lang="es-419"/>
+            </a:p>
+          </p:txBody>
+        </p:sp>
+        <p:cxnSp>
+          <p:nvCxnSpPr>
+            <p:cNvPr id="28" name="Straight Connector 27">
+              <a:extLst>
+                <a:ext uri="{FF2B5EF4-FFF2-40B4-BE49-F238E27FC236}">
+                  <a16:creationId xmlns:a16="http://schemas.microsoft.com/office/drawing/2014/main" id="{9050DA3B-C865-D930-0025-D8B23F371D09}"/>
+                </a:ext>
+              </a:extLst>
+            </p:cNvPr>
+            <p:cNvCxnSpPr/>
+            <p:nvPr/>
+          </p:nvCxnSpPr>
+          <p:spPr>
+            <a:xfrm>
+              <a:off x="6675120" y="1527048"/>
+              <a:ext cx="438912" cy="237744"/>
+            </a:xfrm>
+            <a:prstGeom prst="line">
+              <a:avLst/>
+            </a:prstGeom>
+          </p:spPr>
+          <p:style>
+            <a:lnRef idx="1">
+              <a:schemeClr val="accent1"/>
+            </a:lnRef>
+            <a:fillRef idx="0">
+              <a:schemeClr val="accent1"/>
+            </a:fillRef>
+            <a:effectRef idx="0">
+              <a:schemeClr val="accent1"/>
+            </a:effectRef>
+            <a:fontRef idx="minor">
+              <a:schemeClr val="tx1"/>
+            </a:fontRef>
+          </p:style>
+        </p:cxnSp>
+        <p:cxnSp>
+          <p:nvCxnSpPr>
+            <p:cNvPr id="29" name="Straight Connector 28">
+              <a:extLst>
+                <a:ext uri="{FF2B5EF4-FFF2-40B4-BE49-F238E27FC236}">
+                  <a16:creationId xmlns:a16="http://schemas.microsoft.com/office/drawing/2014/main" id="{0F39F0A8-093F-F993-EB25-90EFA8296D24}"/>
+                </a:ext>
+              </a:extLst>
+            </p:cNvPr>
+            <p:cNvCxnSpPr/>
+            <p:nvPr/>
+          </p:nvCxnSpPr>
+          <p:spPr>
+            <a:xfrm flipH="1">
+              <a:off x="7114032" y="1527048"/>
+              <a:ext cx="393192" cy="237744"/>
+            </a:xfrm>
+            <a:prstGeom prst="line">
+              <a:avLst/>
+            </a:prstGeom>
+          </p:spPr>
+          <p:style>
+            <a:lnRef idx="1">
+              <a:schemeClr val="accent1"/>
+            </a:lnRef>
+            <a:fillRef idx="0">
+              <a:schemeClr val="accent1"/>
+            </a:fillRef>
+            <a:effectRef idx="0">
+              <a:schemeClr val="accent1"/>
+            </a:effectRef>
+            <a:fontRef idx="minor">
+              <a:schemeClr val="tx1"/>
+            </a:fontRef>
+          </p:style>
+        </p:cxnSp>
+      </p:grpSp>
+      <p:grpSp>
+        <p:nvGrpSpPr>
+          <p:cNvPr id="30" name="Group 29">
+            <a:extLst>
+              <a:ext uri="{FF2B5EF4-FFF2-40B4-BE49-F238E27FC236}">
+                <a16:creationId xmlns:a16="http://schemas.microsoft.com/office/drawing/2014/main" id="{F601E182-2066-6172-4033-2F86870BE6C5}"/>
+              </a:ext>
+            </a:extLst>
+          </p:cNvPr>
+          <p:cNvGrpSpPr/>
+          <p:nvPr/>
+        </p:nvGrpSpPr>
+        <p:grpSpPr>
+          <a:xfrm>
+            <a:off x="3460932" y="2160270"/>
+            <a:ext cx="319348" cy="162306"/>
+            <a:chOff x="6675120" y="1527048"/>
+            <a:chExt cx="832104" cy="422910"/>
+          </a:xfrm>
+        </p:grpSpPr>
+        <p:sp>
+          <p:nvSpPr>
+            <p:cNvPr id="31" name="Rectangle 30">
+              <a:extLst>
+                <a:ext uri="{FF2B5EF4-FFF2-40B4-BE49-F238E27FC236}">
+                  <a16:creationId xmlns:a16="http://schemas.microsoft.com/office/drawing/2014/main" id="{4845F871-6994-D163-8B16-F257AAB4A3BF}"/>
+                </a:ext>
+              </a:extLst>
+            </p:cNvPr>
+            <p:cNvSpPr/>
+            <p:nvPr/>
+          </p:nvSpPr>
+          <p:spPr>
+            <a:xfrm>
+              <a:off x="6675120" y="1527048"/>
+              <a:ext cx="832104" cy="422910"/>
+            </a:xfrm>
+            <a:prstGeom prst="rect">
+              <a:avLst/>
+            </a:prstGeom>
+            <a:noFill/>
+          </p:spPr>
+          <p:style>
+            <a:lnRef idx="2">
+              <a:schemeClr val="accent1">
+                <a:shade val="50000"/>
+              </a:schemeClr>
+            </a:lnRef>
+            <a:fillRef idx="1">
+              <a:schemeClr val="accent1"/>
+            </a:fillRef>
+            <a:effectRef idx="0">
+              <a:schemeClr val="accent1"/>
+            </a:effectRef>
+            <a:fontRef idx="minor">
+              <a:schemeClr val="lt1"/>
+            </a:fontRef>
+          </p:style>
+          <p:txBody>
+            <a:bodyPr rtlCol="0" anchor="ctr"/>
+            <a:lstStyle/>
+            <a:p>
+              <a:pPr algn="ctr"/>
+              <a:endParaRPr lang="es-419"/>
+            </a:p>
+          </p:txBody>
+        </p:sp>
+        <p:cxnSp>
+          <p:nvCxnSpPr>
+            <p:cNvPr id="32" name="Straight Connector 31">
+              <a:extLst>
+                <a:ext uri="{FF2B5EF4-FFF2-40B4-BE49-F238E27FC236}">
+                  <a16:creationId xmlns:a16="http://schemas.microsoft.com/office/drawing/2014/main" id="{4077CF1F-C239-754E-25E6-79BB32E9004F}"/>
+                </a:ext>
+              </a:extLst>
+            </p:cNvPr>
+            <p:cNvCxnSpPr/>
+            <p:nvPr/>
+          </p:nvCxnSpPr>
+          <p:spPr>
+            <a:xfrm>
+              <a:off x="6675120" y="1527048"/>
+              <a:ext cx="438912" cy="237744"/>
+            </a:xfrm>
+            <a:prstGeom prst="line">
+              <a:avLst/>
+            </a:prstGeom>
+          </p:spPr>
+          <p:style>
+            <a:lnRef idx="1">
+              <a:schemeClr val="accent1"/>
+            </a:lnRef>
+            <a:fillRef idx="0">
+              <a:schemeClr val="accent1"/>
+            </a:fillRef>
+            <a:effectRef idx="0">
+              <a:schemeClr val="accent1"/>
+            </a:effectRef>
+            <a:fontRef idx="minor">
+              <a:schemeClr val="tx1"/>
+            </a:fontRef>
+          </p:style>
+        </p:cxnSp>
+        <p:cxnSp>
+          <p:nvCxnSpPr>
+            <p:cNvPr id="33" name="Straight Connector 32">
+              <a:extLst>
+                <a:ext uri="{FF2B5EF4-FFF2-40B4-BE49-F238E27FC236}">
+                  <a16:creationId xmlns:a16="http://schemas.microsoft.com/office/drawing/2014/main" id="{A091DB34-CCCA-0528-AC04-67AAC0A0815E}"/>
+                </a:ext>
+              </a:extLst>
+            </p:cNvPr>
+            <p:cNvCxnSpPr/>
+            <p:nvPr/>
+          </p:nvCxnSpPr>
+          <p:spPr>
+            <a:xfrm flipH="1">
+              <a:off x="7114032" y="1527048"/>
+              <a:ext cx="393192" cy="237744"/>
+            </a:xfrm>
+            <a:prstGeom prst="line">
+              <a:avLst/>
+            </a:prstGeom>
+          </p:spPr>
+          <p:style>
+            <a:lnRef idx="1">
+              <a:schemeClr val="accent1"/>
+            </a:lnRef>
+            <a:fillRef idx="0">
+              <a:schemeClr val="accent1"/>
+            </a:fillRef>
+            <a:effectRef idx="0">
+              <a:schemeClr val="accent1"/>
+            </a:effectRef>
+            <a:fontRef idx="minor">
+              <a:schemeClr val="tx1"/>
+            </a:fontRef>
+          </p:style>
+        </p:cxnSp>
+      </p:grpSp>
+      <p:grpSp>
+        <p:nvGrpSpPr>
+          <p:cNvPr id="34" name="Group 33">
+            <a:extLst>
+              <a:ext uri="{FF2B5EF4-FFF2-40B4-BE49-F238E27FC236}">
+                <a16:creationId xmlns:a16="http://schemas.microsoft.com/office/drawing/2014/main" id="{C63FC4D8-BE5E-E899-EB5B-0CF7FD206E52}"/>
+              </a:ext>
+            </a:extLst>
+          </p:cNvPr>
+          <p:cNvGrpSpPr/>
+          <p:nvPr/>
+        </p:nvGrpSpPr>
+        <p:grpSpPr>
+          <a:xfrm>
+            <a:off x="4106205" y="2160270"/>
+            <a:ext cx="319348" cy="162306"/>
+            <a:chOff x="6675120" y="1527048"/>
+            <a:chExt cx="832104" cy="422910"/>
+          </a:xfrm>
+        </p:grpSpPr>
+        <p:sp>
+          <p:nvSpPr>
+            <p:cNvPr id="35" name="Rectangle 34">
+              <a:extLst>
+                <a:ext uri="{FF2B5EF4-FFF2-40B4-BE49-F238E27FC236}">
+                  <a16:creationId xmlns:a16="http://schemas.microsoft.com/office/drawing/2014/main" id="{717CE439-5C14-0C7F-D119-430EB11F5DC4}"/>
+                </a:ext>
+              </a:extLst>
+            </p:cNvPr>
+            <p:cNvSpPr/>
+            <p:nvPr/>
+          </p:nvSpPr>
+          <p:spPr>
+            <a:xfrm>
+              <a:off x="6675120" y="1527048"/>
+              <a:ext cx="832104" cy="422910"/>
+            </a:xfrm>
+            <a:prstGeom prst="rect">
+              <a:avLst/>
+            </a:prstGeom>
+            <a:noFill/>
+          </p:spPr>
+          <p:style>
+            <a:lnRef idx="2">
+              <a:schemeClr val="accent1">
+                <a:shade val="50000"/>
+              </a:schemeClr>
+            </a:lnRef>
+            <a:fillRef idx="1">
+              <a:schemeClr val="accent1"/>
+            </a:fillRef>
+            <a:effectRef idx="0">
+              <a:schemeClr val="accent1"/>
+            </a:effectRef>
+            <a:fontRef idx="minor">
+              <a:schemeClr val="lt1"/>
+            </a:fontRef>
+          </p:style>
+          <p:txBody>
+            <a:bodyPr rtlCol="0" anchor="ctr"/>
+            <a:lstStyle/>
+            <a:p>
+              <a:pPr algn="ctr"/>
+              <a:endParaRPr lang="es-419"/>
+            </a:p>
+          </p:txBody>
+        </p:sp>
+        <p:cxnSp>
+          <p:nvCxnSpPr>
+            <p:cNvPr id="36" name="Straight Connector 35">
+              <a:extLst>
+                <a:ext uri="{FF2B5EF4-FFF2-40B4-BE49-F238E27FC236}">
+                  <a16:creationId xmlns:a16="http://schemas.microsoft.com/office/drawing/2014/main" id="{D69EF609-152F-401C-9466-EAD3DA3EF38E}"/>
+                </a:ext>
+              </a:extLst>
+            </p:cNvPr>
+            <p:cNvCxnSpPr/>
+            <p:nvPr/>
+          </p:nvCxnSpPr>
+          <p:spPr>
+            <a:xfrm>
+              <a:off x="6675120" y="1527048"/>
+              <a:ext cx="438912" cy="237744"/>
+            </a:xfrm>
+            <a:prstGeom prst="line">
+              <a:avLst/>
+            </a:prstGeom>
+          </p:spPr>
+          <p:style>
+            <a:lnRef idx="1">
+              <a:schemeClr val="accent1"/>
+            </a:lnRef>
+            <a:fillRef idx="0">
+              <a:schemeClr val="accent1"/>
+            </a:fillRef>
+            <a:effectRef idx="0">
+              <a:schemeClr val="accent1"/>
+            </a:effectRef>
+            <a:fontRef idx="minor">
+              <a:schemeClr val="tx1"/>
+            </a:fontRef>
+          </p:style>
+        </p:cxnSp>
+        <p:cxnSp>
+          <p:nvCxnSpPr>
+            <p:cNvPr id="37" name="Straight Connector 36">
+              <a:extLst>
+                <a:ext uri="{FF2B5EF4-FFF2-40B4-BE49-F238E27FC236}">
+                  <a16:creationId xmlns:a16="http://schemas.microsoft.com/office/drawing/2014/main" id="{BD06EB01-E355-F7EB-60BE-4FB9123ECFC3}"/>
+                </a:ext>
+              </a:extLst>
+            </p:cNvPr>
+            <p:cNvCxnSpPr/>
+            <p:nvPr/>
+          </p:nvCxnSpPr>
+          <p:spPr>
+            <a:xfrm flipH="1">
+              <a:off x="7114032" y="1527048"/>
+              <a:ext cx="393192" cy="237744"/>
+            </a:xfrm>
+            <a:prstGeom prst="line">
+              <a:avLst/>
+            </a:prstGeom>
+          </p:spPr>
+          <p:style>
+            <a:lnRef idx="1">
+              <a:schemeClr val="accent1"/>
+            </a:lnRef>
+            <a:fillRef idx="0">
+              <a:schemeClr val="accent1"/>
+            </a:fillRef>
+            <a:effectRef idx="0">
+              <a:schemeClr val="accent1"/>
+            </a:effectRef>
+            <a:fontRef idx="minor">
+              <a:schemeClr val="tx1"/>
+            </a:fontRef>
+          </p:style>
+        </p:cxnSp>
+      </p:grpSp>
+      <p:grpSp>
+        <p:nvGrpSpPr>
+          <p:cNvPr id="38" name="Group 37">
+            <a:extLst>
+              <a:ext uri="{FF2B5EF4-FFF2-40B4-BE49-F238E27FC236}">
+                <a16:creationId xmlns:a16="http://schemas.microsoft.com/office/drawing/2014/main" id="{152F5759-7B99-591E-408F-31D54422344F}"/>
+              </a:ext>
+            </a:extLst>
+          </p:cNvPr>
+          <p:cNvGrpSpPr/>
+          <p:nvPr/>
+        </p:nvGrpSpPr>
+        <p:grpSpPr>
+          <a:xfrm>
+            <a:off x="4824218" y="2160270"/>
+            <a:ext cx="319348" cy="162306"/>
+            <a:chOff x="6675120" y="1527048"/>
+            <a:chExt cx="832104" cy="422910"/>
+          </a:xfrm>
+        </p:grpSpPr>
+        <p:sp>
+          <p:nvSpPr>
+            <p:cNvPr id="39" name="Rectangle 38">
+              <a:extLst>
+                <a:ext uri="{FF2B5EF4-FFF2-40B4-BE49-F238E27FC236}">
+                  <a16:creationId xmlns:a16="http://schemas.microsoft.com/office/drawing/2014/main" id="{146F9164-86CB-B52C-FA92-97ACB6FB8A40}"/>
+                </a:ext>
+              </a:extLst>
+            </p:cNvPr>
+            <p:cNvSpPr/>
+            <p:nvPr/>
+          </p:nvSpPr>
+          <p:spPr>
+            <a:xfrm>
+              <a:off x="6675120" y="1527048"/>
+              <a:ext cx="832104" cy="422910"/>
+            </a:xfrm>
+            <a:prstGeom prst="rect">
+              <a:avLst/>
+            </a:prstGeom>
+            <a:noFill/>
+          </p:spPr>
+          <p:style>
+            <a:lnRef idx="2">
+              <a:schemeClr val="accent1">
+                <a:shade val="50000"/>
+              </a:schemeClr>
+            </a:lnRef>
+            <a:fillRef idx="1">
+              <a:schemeClr val="accent1"/>
+            </a:fillRef>
+            <a:effectRef idx="0">
+              <a:schemeClr val="accent1"/>
+            </a:effectRef>
+            <a:fontRef idx="minor">
+              <a:schemeClr val="lt1"/>
+            </a:fontRef>
+          </p:style>
+          <p:txBody>
+            <a:bodyPr rtlCol="0" anchor="ctr"/>
+            <a:lstStyle/>
+            <a:p>
+              <a:pPr algn="ctr"/>
+              <a:endParaRPr lang="es-419"/>
+            </a:p>
+          </p:txBody>
+        </p:sp>
+        <p:cxnSp>
+          <p:nvCxnSpPr>
+            <p:cNvPr id="40" name="Straight Connector 39">
+              <a:extLst>
+                <a:ext uri="{FF2B5EF4-FFF2-40B4-BE49-F238E27FC236}">
+                  <a16:creationId xmlns:a16="http://schemas.microsoft.com/office/drawing/2014/main" id="{711B8887-48AD-6E10-0C0A-1701B581DAE8}"/>
+                </a:ext>
+              </a:extLst>
+            </p:cNvPr>
+            <p:cNvCxnSpPr/>
+            <p:nvPr/>
+          </p:nvCxnSpPr>
+          <p:spPr>
+            <a:xfrm>
+              <a:off x="6675120" y="1527048"/>
+              <a:ext cx="438912" cy="237744"/>
+            </a:xfrm>
+            <a:prstGeom prst="line">
+              <a:avLst/>
+            </a:prstGeom>
+          </p:spPr>
+          <p:style>
+            <a:lnRef idx="1">
+              <a:schemeClr val="accent1"/>
+            </a:lnRef>
+            <a:fillRef idx="0">
+              <a:schemeClr val="accent1"/>
+            </a:fillRef>
+            <a:effectRef idx="0">
+              <a:schemeClr val="accent1"/>
+            </a:effectRef>
+            <a:fontRef idx="minor">
+              <a:schemeClr val="tx1"/>
+            </a:fontRef>
+          </p:style>
+        </p:cxnSp>
+        <p:cxnSp>
+          <p:nvCxnSpPr>
+            <p:cNvPr id="41" name="Straight Connector 40">
+              <a:extLst>
+                <a:ext uri="{FF2B5EF4-FFF2-40B4-BE49-F238E27FC236}">
+                  <a16:creationId xmlns:a16="http://schemas.microsoft.com/office/drawing/2014/main" id="{87BF9E62-68E3-7241-99B8-FA68A26502A6}"/>
+                </a:ext>
+              </a:extLst>
+            </p:cNvPr>
+            <p:cNvCxnSpPr/>
+            <p:nvPr/>
+          </p:nvCxnSpPr>
+          <p:spPr>
+            <a:xfrm flipH="1">
+              <a:off x="7114032" y="1527048"/>
+              <a:ext cx="393192" cy="237744"/>
+            </a:xfrm>
+            <a:prstGeom prst="line">
+              <a:avLst/>
+            </a:prstGeom>
+          </p:spPr>
+          <p:style>
+            <a:lnRef idx="1">
+              <a:schemeClr val="accent1"/>
+            </a:lnRef>
+            <a:fillRef idx="0">
+              <a:schemeClr val="accent1"/>
+            </a:fillRef>
+            <a:effectRef idx="0">
+              <a:schemeClr val="accent1"/>
+            </a:effectRef>
+            <a:fontRef idx="minor">
+              <a:schemeClr val="tx1"/>
+            </a:fontRef>
+          </p:style>
+        </p:cxnSp>
+      </p:grpSp>
+      <p:cxnSp>
+        <p:nvCxnSpPr>
+          <p:cNvPr id="42" name="Straight Connector 41">
+            <a:extLst>
+              <a:ext uri="{FF2B5EF4-FFF2-40B4-BE49-F238E27FC236}">
+                <a16:creationId xmlns:a16="http://schemas.microsoft.com/office/drawing/2014/main" id="{0809454E-9FF0-C104-EE98-633F2783A7FC}"/>
+              </a:ext>
+            </a:extLst>
+          </p:cNvPr>
+          <p:cNvCxnSpPr>
+            <a:cxnSpLocks/>
+          </p:cNvCxnSpPr>
+          <p:nvPr/>
+        </p:nvCxnSpPr>
+        <p:spPr>
+          <a:xfrm flipV="1">
+            <a:off x="1710202" y="1959102"/>
+            <a:ext cx="0" cy="962406"/>
+          </a:xfrm>
+          <a:prstGeom prst="line">
+            <a:avLst/>
+          </a:prstGeom>
+        </p:spPr>
+        <p:style>
+          <a:lnRef idx="1">
+            <a:schemeClr val="accent1"/>
+          </a:lnRef>
+          <a:fillRef idx="0">
+            <a:schemeClr val="accent1"/>
+          </a:fillRef>
+          <a:effectRef idx="0">
+            <a:schemeClr val="accent1"/>
+          </a:effectRef>
+          <a:fontRef idx="minor">
+            <a:schemeClr val="tx1"/>
+          </a:fontRef>
+        </p:style>
+      </p:cxnSp>
+      <p:cxnSp>
+        <p:nvCxnSpPr>
+          <p:cNvPr id="43" name="Straight Connector 42">
+            <a:extLst>
+              <a:ext uri="{FF2B5EF4-FFF2-40B4-BE49-F238E27FC236}">
+                <a16:creationId xmlns:a16="http://schemas.microsoft.com/office/drawing/2014/main" id="{6C8C284E-7065-565E-EE67-B6C66E55917D}"/>
+              </a:ext>
+            </a:extLst>
+          </p:cNvPr>
+          <p:cNvCxnSpPr>
+            <a:cxnSpLocks/>
+          </p:cNvCxnSpPr>
+          <p:nvPr/>
+        </p:nvCxnSpPr>
+        <p:spPr>
+          <a:xfrm flipV="1">
+            <a:off x="2414290" y="1959102"/>
+            <a:ext cx="0" cy="989838"/>
+          </a:xfrm>
+          <a:prstGeom prst="line">
+            <a:avLst/>
+          </a:prstGeom>
+        </p:spPr>
+        <p:style>
+          <a:lnRef idx="1">
+            <a:schemeClr val="accent1"/>
+          </a:lnRef>
+          <a:fillRef idx="0">
+            <a:schemeClr val="accent1"/>
+          </a:fillRef>
+          <a:effectRef idx="0">
+            <a:schemeClr val="accent1"/>
+          </a:effectRef>
+          <a:fontRef idx="minor">
+            <a:schemeClr val="tx1"/>
+          </a:fontRef>
+        </p:style>
+      </p:cxnSp>
+      <p:cxnSp>
+        <p:nvCxnSpPr>
+          <p:cNvPr id="44" name="Straight Connector 43">
+            <a:extLst>
+              <a:ext uri="{FF2B5EF4-FFF2-40B4-BE49-F238E27FC236}">
+                <a16:creationId xmlns:a16="http://schemas.microsoft.com/office/drawing/2014/main" id="{6397FE44-014E-1089-1532-0A583DD908FD}"/>
+              </a:ext>
+            </a:extLst>
+          </p:cNvPr>
+          <p:cNvCxnSpPr>
+            <a:cxnSpLocks/>
+          </p:cNvCxnSpPr>
+          <p:nvPr/>
+        </p:nvCxnSpPr>
+        <p:spPr>
+          <a:xfrm flipV="1">
+            <a:off x="3118378" y="1959102"/>
+            <a:ext cx="0" cy="989838"/>
+          </a:xfrm>
+          <a:prstGeom prst="line">
+            <a:avLst/>
+          </a:prstGeom>
+        </p:spPr>
+        <p:style>
+          <a:lnRef idx="1">
+            <a:schemeClr val="accent1"/>
+          </a:lnRef>
+          <a:fillRef idx="0">
+            <a:schemeClr val="accent1"/>
+          </a:fillRef>
+          <a:effectRef idx="0">
+            <a:schemeClr val="accent1"/>
+          </a:effectRef>
+          <a:fontRef idx="minor">
+            <a:schemeClr val="tx1"/>
+          </a:fontRef>
+        </p:style>
+      </p:cxnSp>
+      <p:cxnSp>
+        <p:nvCxnSpPr>
+          <p:cNvPr id="45" name="Straight Connector 44">
+            <a:extLst>
+              <a:ext uri="{FF2B5EF4-FFF2-40B4-BE49-F238E27FC236}">
+                <a16:creationId xmlns:a16="http://schemas.microsoft.com/office/drawing/2014/main" id="{ED6969DD-A2D9-61CE-5823-138D81177188}"/>
+              </a:ext>
+            </a:extLst>
+          </p:cNvPr>
+          <p:cNvCxnSpPr>
+            <a:cxnSpLocks/>
+          </p:cNvCxnSpPr>
+          <p:nvPr/>
+        </p:nvCxnSpPr>
+        <p:spPr>
+          <a:xfrm flipV="1">
+            <a:off x="3822466" y="1959102"/>
+            <a:ext cx="0" cy="989838"/>
+          </a:xfrm>
+          <a:prstGeom prst="line">
+            <a:avLst/>
+          </a:prstGeom>
+        </p:spPr>
+        <p:style>
+          <a:lnRef idx="1">
+            <a:schemeClr val="accent1"/>
+          </a:lnRef>
+          <a:fillRef idx="0">
+            <a:schemeClr val="accent1"/>
+          </a:fillRef>
+          <a:effectRef idx="0">
+            <a:schemeClr val="accent1"/>
+          </a:effectRef>
+          <a:fontRef idx="minor">
+            <a:schemeClr val="tx1"/>
+          </a:fontRef>
+        </p:style>
+      </p:cxnSp>
+      <p:cxnSp>
+        <p:nvCxnSpPr>
+          <p:cNvPr id="46" name="Straight Connector 45">
+            <a:extLst>
+              <a:ext uri="{FF2B5EF4-FFF2-40B4-BE49-F238E27FC236}">
+                <a16:creationId xmlns:a16="http://schemas.microsoft.com/office/drawing/2014/main" id="{26E916E0-9DBF-1BAC-5A5F-0B02F274F07E}"/>
+              </a:ext>
+            </a:extLst>
+          </p:cNvPr>
+          <p:cNvCxnSpPr>
+            <a:cxnSpLocks/>
+          </p:cNvCxnSpPr>
+          <p:nvPr/>
+        </p:nvCxnSpPr>
+        <p:spPr>
+          <a:xfrm flipV="1">
+            <a:off x="4526554" y="1959102"/>
+            <a:ext cx="0" cy="989838"/>
+          </a:xfrm>
+          <a:prstGeom prst="line">
+            <a:avLst/>
+          </a:prstGeom>
+        </p:spPr>
+        <p:style>
+          <a:lnRef idx="1">
+            <a:schemeClr val="accent1"/>
+          </a:lnRef>
+          <a:fillRef idx="0">
+            <a:schemeClr val="accent1"/>
+          </a:fillRef>
+          <a:effectRef idx="0">
+            <a:schemeClr val="accent1"/>
+          </a:effectRef>
+          <a:fontRef idx="minor">
+            <a:schemeClr val="tx1"/>
+          </a:fontRef>
+        </p:style>
+      </p:cxnSp>
+      <p:cxnSp>
+        <p:nvCxnSpPr>
+          <p:cNvPr id="47" name="Straight Connector 46">
+            <a:extLst>
+              <a:ext uri="{FF2B5EF4-FFF2-40B4-BE49-F238E27FC236}">
+                <a16:creationId xmlns:a16="http://schemas.microsoft.com/office/drawing/2014/main" id="{E3B3F9F2-FAEE-4B0E-ECD5-FBB90FBE4333}"/>
+              </a:ext>
+            </a:extLst>
+          </p:cNvPr>
+          <p:cNvCxnSpPr>
+            <a:cxnSpLocks/>
+          </p:cNvCxnSpPr>
+          <p:nvPr/>
+        </p:nvCxnSpPr>
+        <p:spPr>
+          <a:xfrm flipV="1">
+            <a:off x="5230642" y="1959102"/>
+            <a:ext cx="0" cy="989838"/>
+          </a:xfrm>
+          <a:prstGeom prst="line">
+            <a:avLst/>
+          </a:prstGeom>
+        </p:spPr>
+        <p:style>
+          <a:lnRef idx="1">
+            <a:schemeClr val="accent1"/>
+          </a:lnRef>
+          <a:fillRef idx="0">
+            <a:schemeClr val="accent1"/>
+          </a:fillRef>
+          <a:effectRef idx="0">
+            <a:schemeClr val="accent1"/>
+          </a:effectRef>
+          <a:fontRef idx="minor">
+            <a:schemeClr val="tx1"/>
+          </a:fontRef>
+        </p:style>
+      </p:cxnSp>
+      <p:sp>
+        <p:nvSpPr>
+          <p:cNvPr id="48" name="Rectangle: Rounded Corners 47">
+            <a:extLst>
+              <a:ext uri="{FF2B5EF4-FFF2-40B4-BE49-F238E27FC236}">
+                <a16:creationId xmlns:a16="http://schemas.microsoft.com/office/drawing/2014/main" id="{D7931104-606D-0FB2-27FA-FE22AD1761C1}"/>
+              </a:ext>
+            </a:extLst>
+          </p:cNvPr>
+          <p:cNvSpPr/>
+          <p:nvPr/>
+        </p:nvSpPr>
+        <p:spPr>
+          <a:xfrm>
+            <a:off x="1124712" y="3938778"/>
+            <a:ext cx="4764024" cy="384048"/>
+          </a:xfrm>
+          <a:prstGeom prst="roundRect">
+            <a:avLst/>
+          </a:prstGeom>
+          <a:noFill/>
+        </p:spPr>
+        <p:style>
+          <a:lnRef idx="2">
+            <a:schemeClr val="accent1">
+              <a:shade val="50000"/>
+            </a:schemeClr>
+          </a:lnRef>
+          <a:fillRef idx="1">
+            <a:schemeClr val="accent1"/>
+          </a:fillRef>
+          <a:effectRef idx="0">
+            <a:schemeClr val="accent1"/>
+          </a:effectRef>
+          <a:fontRef idx="minor">
+            <a:schemeClr val="lt1"/>
+          </a:fontRef>
+        </p:style>
+        <p:txBody>
+          <a:bodyPr rtlCol="0" anchor="ctr"/>
+          <a:lstStyle/>
+          <a:p>
+            <a:pPr algn="ctr"/>
+            <a:endParaRPr lang="es-419"/>
+          </a:p>
+        </p:txBody>
+      </p:sp>
+      <p:sp>
+        <p:nvSpPr>
+          <p:cNvPr id="49" name="Hexagon 48">
+            <a:extLst>
+              <a:ext uri="{FF2B5EF4-FFF2-40B4-BE49-F238E27FC236}">
+                <a16:creationId xmlns:a16="http://schemas.microsoft.com/office/drawing/2014/main" id="{C11269C4-5633-E7AC-98D7-9D1406D9FBF1}"/>
+              </a:ext>
+            </a:extLst>
+          </p:cNvPr>
+          <p:cNvSpPr/>
+          <p:nvPr/>
+        </p:nvSpPr>
+        <p:spPr>
+          <a:xfrm>
+            <a:off x="1588524" y="4034790"/>
+            <a:ext cx="243962" cy="210312"/>
+          </a:xfrm>
+          <a:prstGeom prst="hexagon">
+            <a:avLst/>
+          </a:prstGeom>
+          <a:noFill/>
+          <a:ln>
+            <a:prstDash val="dash"/>
+          </a:ln>
+        </p:spPr>
+        <p:style>
+          <a:lnRef idx="2">
+            <a:schemeClr val="accent1">
+              <a:shade val="50000"/>
+            </a:schemeClr>
+          </a:lnRef>
+          <a:fillRef idx="1">
+            <a:schemeClr val="accent1"/>
+          </a:fillRef>
+          <a:effectRef idx="0">
+            <a:schemeClr val="accent1"/>
+          </a:effectRef>
+          <a:fontRef idx="minor">
+            <a:schemeClr val="lt1"/>
+          </a:fontRef>
+        </p:style>
+        <p:txBody>
+          <a:bodyPr rtlCol="0" anchor="ctr"/>
+          <a:lstStyle/>
+          <a:p>
+            <a:pPr algn="ctr"/>
+            <a:endParaRPr lang="es-419"/>
+          </a:p>
+        </p:txBody>
+      </p:sp>
+      <p:sp>
+        <p:nvSpPr>
+          <p:cNvPr id="50" name="Hexagon 49">
+            <a:extLst>
+              <a:ext uri="{FF2B5EF4-FFF2-40B4-BE49-F238E27FC236}">
+                <a16:creationId xmlns:a16="http://schemas.microsoft.com/office/drawing/2014/main" id="{09CCD70F-3222-FE60-608A-7617F9D6365C}"/>
+              </a:ext>
+            </a:extLst>
+          </p:cNvPr>
+          <p:cNvSpPr/>
+          <p:nvPr/>
+        </p:nvSpPr>
+        <p:spPr>
+          <a:xfrm>
+            <a:off x="2292309" y="4034790"/>
+            <a:ext cx="243962" cy="210312"/>
+          </a:xfrm>
+          <a:prstGeom prst="hexagon">
+            <a:avLst/>
+          </a:prstGeom>
+          <a:noFill/>
+          <a:ln>
+            <a:prstDash val="dash"/>
+          </a:ln>
+        </p:spPr>
+        <p:style>
+          <a:lnRef idx="2">
+            <a:schemeClr val="accent1">
+              <a:shade val="50000"/>
+            </a:schemeClr>
+          </a:lnRef>
+          <a:fillRef idx="1">
+            <a:schemeClr val="accent1"/>
+          </a:fillRef>
+          <a:effectRef idx="0">
+            <a:schemeClr val="accent1"/>
+          </a:effectRef>
+          <a:fontRef idx="minor">
+            <a:schemeClr val="lt1"/>
+          </a:fontRef>
+        </p:style>
+        <p:txBody>
+          <a:bodyPr rtlCol="0" anchor="ctr"/>
+          <a:lstStyle/>
+          <a:p>
+            <a:pPr algn="ctr"/>
+            <a:endParaRPr lang="es-419"/>
+          </a:p>
+        </p:txBody>
+      </p:sp>
+      <p:sp>
+        <p:nvSpPr>
+          <p:cNvPr id="51" name="Hexagon 50">
+            <a:extLst>
+              <a:ext uri="{FF2B5EF4-FFF2-40B4-BE49-F238E27FC236}">
+                <a16:creationId xmlns:a16="http://schemas.microsoft.com/office/drawing/2014/main" id="{5A6DB383-4048-1467-A1D7-B2B56C6B94F3}"/>
+              </a:ext>
+            </a:extLst>
+          </p:cNvPr>
+          <p:cNvSpPr/>
+          <p:nvPr/>
+        </p:nvSpPr>
+        <p:spPr>
+          <a:xfrm>
+            <a:off x="2992427" y="4034790"/>
+            <a:ext cx="243962" cy="210312"/>
+          </a:xfrm>
+          <a:prstGeom prst="hexagon">
+            <a:avLst/>
+          </a:prstGeom>
+          <a:noFill/>
+          <a:ln>
+            <a:prstDash val="dash"/>
+          </a:ln>
+        </p:spPr>
+        <p:style>
+          <a:lnRef idx="2">
+            <a:schemeClr val="accent1">
+              <a:shade val="50000"/>
+            </a:schemeClr>
+          </a:lnRef>
+          <a:fillRef idx="1">
+            <a:schemeClr val="accent1"/>
+          </a:fillRef>
+          <a:effectRef idx="0">
+            <a:schemeClr val="accent1"/>
+          </a:effectRef>
+          <a:fontRef idx="minor">
+            <a:schemeClr val="lt1"/>
+          </a:fontRef>
+        </p:style>
+        <p:txBody>
+          <a:bodyPr rtlCol="0" anchor="ctr"/>
+          <a:lstStyle/>
+          <a:p>
+            <a:pPr algn="ctr"/>
+            <a:endParaRPr lang="es-419"/>
+          </a:p>
+        </p:txBody>
+      </p:sp>
+      <p:sp>
+        <p:nvSpPr>
+          <p:cNvPr id="52" name="Hexagon 51">
+            <a:extLst>
+              <a:ext uri="{FF2B5EF4-FFF2-40B4-BE49-F238E27FC236}">
+                <a16:creationId xmlns:a16="http://schemas.microsoft.com/office/drawing/2014/main" id="{9D39569A-8836-6C57-D749-EBBE3CDBB6C8}"/>
+              </a:ext>
+            </a:extLst>
+          </p:cNvPr>
+          <p:cNvSpPr/>
+          <p:nvPr/>
+        </p:nvSpPr>
+        <p:spPr>
+          <a:xfrm>
+            <a:off x="3704829" y="4034790"/>
+            <a:ext cx="243962" cy="210312"/>
+          </a:xfrm>
+          <a:prstGeom prst="hexagon">
+            <a:avLst/>
+          </a:prstGeom>
+          <a:noFill/>
+          <a:ln>
+            <a:prstDash val="dash"/>
+          </a:ln>
+        </p:spPr>
+        <p:style>
+          <a:lnRef idx="2">
+            <a:schemeClr val="accent1">
+              <a:shade val="50000"/>
+            </a:schemeClr>
+          </a:lnRef>
+          <a:fillRef idx="1">
+            <a:schemeClr val="accent1"/>
+          </a:fillRef>
+          <a:effectRef idx="0">
+            <a:schemeClr val="accent1"/>
+          </a:effectRef>
+          <a:fontRef idx="minor">
+            <a:schemeClr val="lt1"/>
+          </a:fontRef>
+        </p:style>
+        <p:txBody>
+          <a:bodyPr rtlCol="0" anchor="ctr"/>
+          <a:lstStyle/>
+          <a:p>
+            <a:pPr algn="ctr"/>
+            <a:endParaRPr lang="es-419"/>
+          </a:p>
+        </p:txBody>
+      </p:sp>
+      <p:sp>
+        <p:nvSpPr>
+          <p:cNvPr id="53" name="Hexagon 52">
+            <a:extLst>
+              <a:ext uri="{FF2B5EF4-FFF2-40B4-BE49-F238E27FC236}">
+                <a16:creationId xmlns:a16="http://schemas.microsoft.com/office/drawing/2014/main" id="{2DE01AC5-6806-2D32-3D7B-F41F9AA85AD7}"/>
+              </a:ext>
+            </a:extLst>
+          </p:cNvPr>
+          <p:cNvSpPr/>
+          <p:nvPr/>
+        </p:nvSpPr>
+        <p:spPr>
+          <a:xfrm>
+            <a:off x="4404573" y="4034790"/>
+            <a:ext cx="243962" cy="210312"/>
+          </a:xfrm>
+          <a:prstGeom prst="hexagon">
+            <a:avLst/>
+          </a:prstGeom>
+          <a:noFill/>
+          <a:ln>
+            <a:prstDash val="dash"/>
+          </a:ln>
+        </p:spPr>
+        <p:style>
+          <a:lnRef idx="2">
+            <a:schemeClr val="accent1">
+              <a:shade val="50000"/>
+            </a:schemeClr>
+          </a:lnRef>
+          <a:fillRef idx="1">
+            <a:schemeClr val="accent1"/>
+          </a:fillRef>
+          <a:effectRef idx="0">
+            <a:schemeClr val="accent1"/>
+          </a:effectRef>
+          <a:fontRef idx="minor">
+            <a:schemeClr val="lt1"/>
+          </a:fontRef>
+        </p:style>
+        <p:txBody>
+          <a:bodyPr rtlCol="0" anchor="ctr"/>
+          <a:lstStyle/>
+          <a:p>
+            <a:pPr algn="ctr"/>
+            <a:endParaRPr lang="es-419"/>
+          </a:p>
+        </p:txBody>
+      </p:sp>
+      <p:sp>
+        <p:nvSpPr>
+          <p:cNvPr id="54" name="Hexagon 53">
+            <a:extLst>
+              <a:ext uri="{FF2B5EF4-FFF2-40B4-BE49-F238E27FC236}">
+                <a16:creationId xmlns:a16="http://schemas.microsoft.com/office/drawing/2014/main" id="{58EE29C0-C85F-9A7B-E384-FB5B0D028386}"/>
+              </a:ext>
+            </a:extLst>
+          </p:cNvPr>
+          <p:cNvSpPr/>
+          <p:nvPr/>
+        </p:nvSpPr>
+        <p:spPr>
+          <a:xfrm>
+            <a:off x="5113735" y="4034790"/>
+            <a:ext cx="243962" cy="210312"/>
+          </a:xfrm>
+          <a:prstGeom prst="hexagon">
+            <a:avLst/>
+          </a:prstGeom>
+          <a:noFill/>
+          <a:ln>
+            <a:prstDash val="dash"/>
+          </a:ln>
+        </p:spPr>
+        <p:style>
+          <a:lnRef idx="2">
+            <a:schemeClr val="accent1">
+              <a:shade val="50000"/>
+            </a:schemeClr>
+          </a:lnRef>
+          <a:fillRef idx="1">
+            <a:schemeClr val="accent1"/>
+          </a:fillRef>
+          <a:effectRef idx="0">
+            <a:schemeClr val="accent1"/>
+          </a:effectRef>
+          <a:fontRef idx="minor">
+            <a:schemeClr val="lt1"/>
+          </a:fontRef>
+        </p:style>
+        <p:txBody>
+          <a:bodyPr rtlCol="0" anchor="ctr"/>
+          <a:lstStyle/>
+          <a:p>
+            <a:pPr algn="ctr"/>
+            <a:endParaRPr lang="es-419"/>
+          </a:p>
+        </p:txBody>
+      </p:sp>
+      <p:cxnSp>
+        <p:nvCxnSpPr>
+          <p:cNvPr id="55" name="Straight Connector 54">
+            <a:extLst>
+              <a:ext uri="{FF2B5EF4-FFF2-40B4-BE49-F238E27FC236}">
+                <a16:creationId xmlns:a16="http://schemas.microsoft.com/office/drawing/2014/main" id="{3A4A14BD-3CC9-929F-3314-59FD09ABC736}"/>
+              </a:ext>
+            </a:extLst>
+          </p:cNvPr>
+          <p:cNvCxnSpPr>
+            <a:cxnSpLocks/>
+          </p:cNvCxnSpPr>
+          <p:nvPr/>
+        </p:nvCxnSpPr>
+        <p:spPr>
+          <a:xfrm>
+            <a:off x="3506724" y="3689604"/>
+            <a:ext cx="0" cy="249174"/>
+          </a:xfrm>
+          <a:prstGeom prst="line">
+            <a:avLst/>
+          </a:prstGeom>
+        </p:spPr>
+        <p:style>
+          <a:lnRef idx="1">
+            <a:schemeClr val="accent1"/>
+          </a:lnRef>
+          <a:fillRef idx="0">
+            <a:schemeClr val="accent1"/>
+          </a:fillRef>
+          <a:effectRef idx="0">
+            <a:schemeClr val="accent1"/>
+          </a:effectRef>
+          <a:fontRef idx="minor">
+            <a:schemeClr val="tx1"/>
+          </a:fontRef>
+        </p:style>
+      </p:cxnSp>
+      <p:sp>
+        <p:nvSpPr>
+          <p:cNvPr id="56" name="Rectangle: Rounded Corners 55">
+            <a:extLst>
+              <a:ext uri="{FF2B5EF4-FFF2-40B4-BE49-F238E27FC236}">
+                <a16:creationId xmlns:a16="http://schemas.microsoft.com/office/drawing/2014/main" id="{C48EE1F2-91E6-1DB9-FD23-BB8431B9E579}"/>
+              </a:ext>
+            </a:extLst>
+          </p:cNvPr>
+          <p:cNvSpPr/>
+          <p:nvPr/>
+        </p:nvSpPr>
+        <p:spPr>
+          <a:xfrm>
+            <a:off x="1042416" y="5340096"/>
+            <a:ext cx="969264" cy="630936"/>
+          </a:xfrm>
+          <a:prstGeom prst="roundRect">
+            <a:avLst/>
+          </a:prstGeom>
+          <a:noFill/>
+        </p:spPr>
+        <p:style>
+          <a:lnRef idx="2">
+            <a:schemeClr val="accent1">
+              <a:shade val="50000"/>
+            </a:schemeClr>
+          </a:lnRef>
+          <a:fillRef idx="1">
+            <a:schemeClr val="accent1"/>
+          </a:fillRef>
+          <a:effectRef idx="0">
+            <a:schemeClr val="accent1"/>
+          </a:effectRef>
+          <a:fontRef idx="minor">
+            <a:schemeClr val="lt1"/>
+          </a:fontRef>
+        </p:style>
+        <p:txBody>
+          <a:bodyPr rtlCol="0" anchor="ctr"/>
+          <a:lstStyle/>
+          <a:p>
+            <a:pPr algn="ctr"/>
+            <a:endParaRPr lang="es-419"/>
+          </a:p>
+        </p:txBody>
+      </p:sp>
+      <p:sp>
+        <p:nvSpPr>
+          <p:cNvPr id="57" name="Parallelogram 56">
+            <a:extLst>
+              <a:ext uri="{FF2B5EF4-FFF2-40B4-BE49-F238E27FC236}">
+                <a16:creationId xmlns:a16="http://schemas.microsoft.com/office/drawing/2014/main" id="{CB33F8DC-36BA-C247-1787-B3351861349E}"/>
+              </a:ext>
+            </a:extLst>
+          </p:cNvPr>
+          <p:cNvSpPr/>
+          <p:nvPr/>
+        </p:nvSpPr>
+        <p:spPr>
+          <a:xfrm>
+            <a:off x="1005840" y="6039612"/>
+            <a:ext cx="1005840" cy="210312"/>
+          </a:xfrm>
+          <a:prstGeom prst="parallelogram">
+            <a:avLst/>
+          </a:prstGeom>
+          <a:noFill/>
+        </p:spPr>
+        <p:style>
+          <a:lnRef idx="2">
+            <a:schemeClr val="accent1">
+              <a:shade val="50000"/>
+            </a:schemeClr>
+          </a:lnRef>
+          <a:fillRef idx="1">
+            <a:schemeClr val="accent1"/>
+          </a:fillRef>
+          <a:effectRef idx="0">
+            <a:schemeClr val="accent1"/>
+          </a:effectRef>
+          <a:fontRef idx="minor">
+            <a:schemeClr val="lt1"/>
+          </a:fontRef>
+        </p:style>
+        <p:txBody>
+          <a:bodyPr rtlCol="0" anchor="ctr"/>
+          <a:lstStyle/>
+          <a:p>
+            <a:pPr algn="ctr"/>
+            <a:endParaRPr lang="es-419"/>
+          </a:p>
+        </p:txBody>
+      </p:sp>
+      <p:cxnSp>
+        <p:nvCxnSpPr>
+          <p:cNvPr id="58" name="Connector: Elbow 57">
+            <a:extLst>
+              <a:ext uri="{FF2B5EF4-FFF2-40B4-BE49-F238E27FC236}">
+                <a16:creationId xmlns:a16="http://schemas.microsoft.com/office/drawing/2014/main" id="{47BF54DF-86D1-D5FD-8623-066E773F17B9}"/>
+              </a:ext>
+            </a:extLst>
+          </p:cNvPr>
+          <p:cNvCxnSpPr/>
+          <p:nvPr/>
+        </p:nvCxnSpPr>
+        <p:spPr>
+          <a:xfrm flipV="1">
+            <a:off x="2011680" y="4322826"/>
+            <a:ext cx="1495044" cy="1332738"/>
+          </a:xfrm>
+          <a:prstGeom prst="bentConnector2">
+            <a:avLst/>
+          </a:prstGeom>
+          <a:ln>
+            <a:tailEnd type="triangle"/>
+          </a:ln>
+        </p:spPr>
+        <p:style>
+          <a:lnRef idx="1">
+            <a:schemeClr val="accent1"/>
+          </a:lnRef>
+          <a:fillRef idx="0">
+            <a:schemeClr val="accent1"/>
+          </a:fillRef>
+          <a:effectRef idx="0">
+            <a:schemeClr val="accent1"/>
+          </a:effectRef>
+          <a:fontRef idx="minor">
+            <a:schemeClr val="tx1"/>
+          </a:fontRef>
+        </p:style>
+      </p:cxnSp>
+      <p:sp>
+        <p:nvSpPr>
+          <p:cNvPr id="59" name="Hexagon 58">
+            <a:extLst>
+              <a:ext uri="{FF2B5EF4-FFF2-40B4-BE49-F238E27FC236}">
+                <a16:creationId xmlns:a16="http://schemas.microsoft.com/office/drawing/2014/main" id="{633002EF-E11E-532C-2D63-FEAD8B26A916}"/>
+              </a:ext>
+            </a:extLst>
+          </p:cNvPr>
+          <p:cNvSpPr/>
+          <p:nvPr/>
+        </p:nvSpPr>
+        <p:spPr>
+          <a:xfrm>
+            <a:off x="1710505" y="5550408"/>
+            <a:ext cx="243962" cy="210312"/>
+          </a:xfrm>
+          <a:prstGeom prst="hexagon">
+            <a:avLst/>
+          </a:prstGeom>
+          <a:noFill/>
+          <a:ln>
+            <a:prstDash val="dash"/>
+          </a:ln>
+        </p:spPr>
+        <p:style>
+          <a:lnRef idx="2">
+            <a:schemeClr val="accent1">
+              <a:shade val="50000"/>
+            </a:schemeClr>
+          </a:lnRef>
+          <a:fillRef idx="1">
+            <a:schemeClr val="accent1"/>
+          </a:fillRef>
+          <a:effectRef idx="0">
+            <a:schemeClr val="accent1"/>
+          </a:effectRef>
+          <a:fontRef idx="minor">
+            <a:schemeClr val="lt1"/>
+          </a:fontRef>
+        </p:style>
+        <p:txBody>
+          <a:bodyPr rtlCol="0" anchor="ctr"/>
+          <a:lstStyle/>
+          <a:p>
+            <a:pPr algn="ctr"/>
+            <a:endParaRPr lang="es-419"/>
+          </a:p>
+        </p:txBody>
+      </p:sp>
+      <p:cxnSp>
+        <p:nvCxnSpPr>
+          <p:cNvPr id="62" name="Straight Connector 61">
+            <a:extLst>
+              <a:ext uri="{FF2B5EF4-FFF2-40B4-BE49-F238E27FC236}">
+                <a16:creationId xmlns:a16="http://schemas.microsoft.com/office/drawing/2014/main" id="{29312CBA-33B6-B0FD-01C7-B26A7A0A4200}"/>
+              </a:ext>
+            </a:extLst>
+          </p:cNvPr>
+          <p:cNvCxnSpPr>
+            <a:cxnSpLocks/>
+          </p:cNvCxnSpPr>
+          <p:nvPr/>
+        </p:nvCxnSpPr>
+        <p:spPr>
+          <a:xfrm flipV="1">
+            <a:off x="1710202" y="3438144"/>
+            <a:ext cx="0" cy="596646"/>
+          </a:xfrm>
+          <a:prstGeom prst="line">
+            <a:avLst/>
+          </a:prstGeom>
+          <a:ln>
+            <a:prstDash val="lgDash"/>
+          </a:ln>
+        </p:spPr>
+        <p:style>
+          <a:lnRef idx="1">
+            <a:schemeClr val="accent1"/>
+          </a:lnRef>
+          <a:fillRef idx="0">
+            <a:schemeClr val="accent1"/>
+          </a:fillRef>
+          <a:effectRef idx="0">
+            <a:schemeClr val="accent1"/>
+          </a:effectRef>
+          <a:fontRef idx="minor">
+            <a:schemeClr val="tx1"/>
+          </a:fontRef>
+        </p:style>
+      </p:cxnSp>
+      <p:cxnSp>
+        <p:nvCxnSpPr>
+          <p:cNvPr id="65" name="Straight Connector 64">
+            <a:extLst>
+              <a:ext uri="{FF2B5EF4-FFF2-40B4-BE49-F238E27FC236}">
+                <a16:creationId xmlns:a16="http://schemas.microsoft.com/office/drawing/2014/main" id="{9A725134-3597-ADBB-C4D9-F0E1A2DDE180}"/>
+              </a:ext>
+            </a:extLst>
+          </p:cNvPr>
+          <p:cNvCxnSpPr>
+            <a:cxnSpLocks/>
+          </p:cNvCxnSpPr>
+          <p:nvPr/>
+        </p:nvCxnSpPr>
+        <p:spPr>
+          <a:xfrm flipV="1">
+            <a:off x="2434237" y="3438144"/>
+            <a:ext cx="0" cy="596646"/>
+          </a:xfrm>
+          <a:prstGeom prst="line">
+            <a:avLst/>
+          </a:prstGeom>
+          <a:ln>
+            <a:prstDash val="lgDash"/>
+          </a:ln>
+        </p:spPr>
+        <p:style>
+          <a:lnRef idx="1">
+            <a:schemeClr val="accent1"/>
+          </a:lnRef>
+          <a:fillRef idx="0">
+            <a:schemeClr val="accent1"/>
+          </a:fillRef>
+          <a:effectRef idx="0">
+            <a:schemeClr val="accent1"/>
+          </a:effectRef>
+          <a:fontRef idx="minor">
+            <a:schemeClr val="tx1"/>
+          </a:fontRef>
+        </p:style>
+      </p:cxnSp>
+      <p:cxnSp>
+        <p:nvCxnSpPr>
+          <p:cNvPr id="66" name="Straight Connector 65">
+            <a:extLst>
+              <a:ext uri="{FF2B5EF4-FFF2-40B4-BE49-F238E27FC236}">
+                <a16:creationId xmlns:a16="http://schemas.microsoft.com/office/drawing/2014/main" id="{D2CA4501-82F6-B65B-93AF-CBFD40B7FB0B}"/>
+              </a:ext>
+            </a:extLst>
+          </p:cNvPr>
+          <p:cNvCxnSpPr>
+            <a:cxnSpLocks/>
+          </p:cNvCxnSpPr>
+          <p:nvPr/>
+        </p:nvCxnSpPr>
+        <p:spPr>
+          <a:xfrm flipV="1">
+            <a:off x="3118378" y="3438144"/>
+            <a:ext cx="0" cy="596646"/>
+          </a:xfrm>
+          <a:prstGeom prst="line">
+            <a:avLst/>
+          </a:prstGeom>
+          <a:ln>
+            <a:prstDash val="lgDash"/>
+          </a:ln>
+        </p:spPr>
+        <p:style>
+          <a:lnRef idx="1">
+            <a:schemeClr val="accent1"/>
+          </a:lnRef>
+          <a:fillRef idx="0">
+            <a:schemeClr val="accent1"/>
+          </a:fillRef>
+          <a:effectRef idx="0">
+            <a:schemeClr val="accent1"/>
+          </a:effectRef>
+          <a:fontRef idx="minor">
+            <a:schemeClr val="tx1"/>
+          </a:fontRef>
+        </p:style>
+      </p:cxnSp>
+      <p:cxnSp>
+        <p:nvCxnSpPr>
+          <p:cNvPr id="67" name="Straight Connector 66">
+            <a:extLst>
+              <a:ext uri="{FF2B5EF4-FFF2-40B4-BE49-F238E27FC236}">
+                <a16:creationId xmlns:a16="http://schemas.microsoft.com/office/drawing/2014/main" id="{772453CD-A8A1-2381-0CDF-BADC5D9FD905}"/>
+              </a:ext>
+            </a:extLst>
+          </p:cNvPr>
+          <p:cNvCxnSpPr>
+            <a:cxnSpLocks/>
+          </p:cNvCxnSpPr>
+          <p:nvPr/>
+        </p:nvCxnSpPr>
+        <p:spPr>
+          <a:xfrm flipV="1">
+            <a:off x="3822466" y="3438144"/>
+            <a:ext cx="0" cy="596646"/>
+          </a:xfrm>
+          <a:prstGeom prst="line">
+            <a:avLst/>
+          </a:prstGeom>
+          <a:ln>
+            <a:prstDash val="lgDash"/>
+          </a:ln>
+        </p:spPr>
+        <p:style>
+          <a:lnRef idx="1">
+            <a:schemeClr val="accent1"/>
+          </a:lnRef>
+          <a:fillRef idx="0">
+            <a:schemeClr val="accent1"/>
+          </a:fillRef>
+          <a:effectRef idx="0">
+            <a:schemeClr val="accent1"/>
+          </a:effectRef>
+          <a:fontRef idx="minor">
+            <a:schemeClr val="tx1"/>
+          </a:fontRef>
+        </p:style>
+      </p:cxnSp>
+      <p:cxnSp>
+        <p:nvCxnSpPr>
+          <p:cNvPr id="68" name="Straight Connector 67">
+            <a:extLst>
+              <a:ext uri="{FF2B5EF4-FFF2-40B4-BE49-F238E27FC236}">
+                <a16:creationId xmlns:a16="http://schemas.microsoft.com/office/drawing/2014/main" id="{223ABC57-3F5B-BB75-9233-882606202D54}"/>
+              </a:ext>
+            </a:extLst>
+          </p:cNvPr>
+          <p:cNvCxnSpPr>
+            <a:cxnSpLocks/>
+          </p:cNvCxnSpPr>
+          <p:nvPr/>
+        </p:nvCxnSpPr>
+        <p:spPr>
+          <a:xfrm flipV="1">
+            <a:off x="4526554" y="3438144"/>
+            <a:ext cx="0" cy="596646"/>
+          </a:xfrm>
+          <a:prstGeom prst="line">
+            <a:avLst/>
+          </a:prstGeom>
+          <a:ln>
+            <a:prstDash val="lgDash"/>
+          </a:ln>
+        </p:spPr>
+        <p:style>
+          <a:lnRef idx="1">
+            <a:schemeClr val="accent1"/>
+          </a:lnRef>
+          <a:fillRef idx="0">
+            <a:schemeClr val="accent1"/>
+          </a:fillRef>
+          <a:effectRef idx="0">
+            <a:schemeClr val="accent1"/>
+          </a:effectRef>
+          <a:fontRef idx="minor">
+            <a:schemeClr val="tx1"/>
+          </a:fontRef>
+        </p:style>
+      </p:cxnSp>
+      <p:cxnSp>
+        <p:nvCxnSpPr>
+          <p:cNvPr id="69" name="Straight Connector 68">
+            <a:extLst>
+              <a:ext uri="{FF2B5EF4-FFF2-40B4-BE49-F238E27FC236}">
+                <a16:creationId xmlns:a16="http://schemas.microsoft.com/office/drawing/2014/main" id="{815CD218-07E0-D046-5425-1A776E5EBDD5}"/>
+              </a:ext>
+            </a:extLst>
+          </p:cNvPr>
+          <p:cNvCxnSpPr>
+            <a:cxnSpLocks/>
+          </p:cNvCxnSpPr>
+          <p:nvPr/>
+        </p:nvCxnSpPr>
+        <p:spPr>
+          <a:xfrm flipV="1">
+            <a:off x="5240614" y="3438144"/>
+            <a:ext cx="0" cy="596646"/>
+          </a:xfrm>
+          <a:prstGeom prst="line">
+            <a:avLst/>
+          </a:prstGeom>
+          <a:ln>
+            <a:prstDash val="lgDash"/>
+          </a:ln>
+        </p:spPr>
+        <p:style>
+          <a:lnRef idx="1">
+            <a:schemeClr val="accent1"/>
+          </a:lnRef>
+          <a:fillRef idx="0">
+            <a:schemeClr val="accent1"/>
+          </a:fillRef>
+          <a:effectRef idx="0">
+            <a:schemeClr val="accent1"/>
+          </a:effectRef>
+          <a:fontRef idx="minor">
+            <a:schemeClr val="tx1"/>
+          </a:fontRef>
+        </p:style>
+      </p:cxnSp>
+      <p:grpSp>
+        <p:nvGrpSpPr>
+          <p:cNvPr id="70" name="Group 69">
+            <a:extLst>
+              <a:ext uri="{FF2B5EF4-FFF2-40B4-BE49-F238E27FC236}">
+                <a16:creationId xmlns:a16="http://schemas.microsoft.com/office/drawing/2014/main" id="{25EDB4AF-9443-4B2B-8731-C4B720DC45C4}"/>
+              </a:ext>
+            </a:extLst>
+          </p:cNvPr>
+          <p:cNvGrpSpPr/>
+          <p:nvPr/>
+        </p:nvGrpSpPr>
+        <p:grpSpPr>
+          <a:xfrm>
+            <a:off x="3704829" y="4989195"/>
+            <a:ext cx="319348" cy="162306"/>
+            <a:chOff x="6675120" y="1527048"/>
+            <a:chExt cx="832104" cy="422910"/>
+          </a:xfrm>
+        </p:grpSpPr>
+        <p:sp>
+          <p:nvSpPr>
+            <p:cNvPr id="71" name="Rectangle 70">
+              <a:extLst>
+                <a:ext uri="{FF2B5EF4-FFF2-40B4-BE49-F238E27FC236}">
+                  <a16:creationId xmlns:a16="http://schemas.microsoft.com/office/drawing/2014/main" id="{A29B712E-468C-9577-7706-8079B655F1BA}"/>
+                </a:ext>
+              </a:extLst>
+            </p:cNvPr>
+            <p:cNvSpPr/>
+            <p:nvPr/>
+          </p:nvSpPr>
+          <p:spPr>
+            <a:xfrm>
+              <a:off x="6675120" y="1527048"/>
+              <a:ext cx="832104" cy="422910"/>
+            </a:xfrm>
+            <a:prstGeom prst="rect">
+              <a:avLst/>
+            </a:prstGeom>
+            <a:noFill/>
+          </p:spPr>
+          <p:style>
+            <a:lnRef idx="2">
+              <a:schemeClr val="accent1">
+                <a:shade val="50000"/>
+              </a:schemeClr>
+            </a:lnRef>
+            <a:fillRef idx="1">
+              <a:schemeClr val="accent1"/>
+            </a:fillRef>
+            <a:effectRef idx="0">
+              <a:schemeClr val="accent1"/>
+            </a:effectRef>
+            <a:fontRef idx="minor">
+              <a:schemeClr val="lt1"/>
+            </a:fontRef>
+          </p:style>
+          <p:txBody>
+            <a:bodyPr rtlCol="0" anchor="ctr"/>
+            <a:lstStyle/>
+            <a:p>
+              <a:pPr algn="ctr"/>
+              <a:endParaRPr lang="es-419"/>
+            </a:p>
+          </p:txBody>
+        </p:sp>
+        <p:cxnSp>
+          <p:nvCxnSpPr>
+            <p:cNvPr id="72" name="Straight Connector 71">
+              <a:extLst>
+                <a:ext uri="{FF2B5EF4-FFF2-40B4-BE49-F238E27FC236}">
+                  <a16:creationId xmlns:a16="http://schemas.microsoft.com/office/drawing/2014/main" id="{34E93136-F30A-76A8-3E1C-C21DB8F10CCB}"/>
+                </a:ext>
+              </a:extLst>
+            </p:cNvPr>
+            <p:cNvCxnSpPr/>
+            <p:nvPr/>
+          </p:nvCxnSpPr>
+          <p:spPr>
+            <a:xfrm>
+              <a:off x="6675120" y="1527048"/>
+              <a:ext cx="438912" cy="237744"/>
+            </a:xfrm>
+            <a:prstGeom prst="line">
+              <a:avLst/>
+            </a:prstGeom>
+          </p:spPr>
+          <p:style>
+            <a:lnRef idx="1">
+              <a:schemeClr val="accent1"/>
+            </a:lnRef>
+            <a:fillRef idx="0">
+              <a:schemeClr val="accent1"/>
+            </a:fillRef>
+            <a:effectRef idx="0">
+              <a:schemeClr val="accent1"/>
+            </a:effectRef>
+            <a:fontRef idx="minor">
+              <a:schemeClr val="tx1"/>
+            </a:fontRef>
+          </p:style>
+        </p:cxnSp>
+        <p:cxnSp>
+          <p:nvCxnSpPr>
+            <p:cNvPr id="73" name="Straight Connector 72">
+              <a:extLst>
+                <a:ext uri="{FF2B5EF4-FFF2-40B4-BE49-F238E27FC236}">
+                  <a16:creationId xmlns:a16="http://schemas.microsoft.com/office/drawing/2014/main" id="{1179A093-EBA1-E0D4-CD9A-E0EFD79D20B0}"/>
+                </a:ext>
+              </a:extLst>
+            </p:cNvPr>
+            <p:cNvCxnSpPr/>
+            <p:nvPr/>
+          </p:nvCxnSpPr>
+          <p:spPr>
+            <a:xfrm flipH="1">
+              <a:off x="7114032" y="1527048"/>
+              <a:ext cx="393192" cy="237744"/>
+            </a:xfrm>
+            <a:prstGeom prst="line">
+              <a:avLst/>
+            </a:prstGeom>
+          </p:spPr>
+          <p:style>
+            <a:lnRef idx="1">
+              <a:schemeClr val="accent1"/>
+            </a:lnRef>
+            <a:fillRef idx="0">
+              <a:schemeClr val="accent1"/>
+            </a:fillRef>
+            <a:effectRef idx="0">
+              <a:schemeClr val="accent1"/>
+            </a:effectRef>
+            <a:fontRef idx="minor">
+              <a:schemeClr val="tx1"/>
+            </a:fontRef>
+          </p:style>
+        </p:cxnSp>
+      </p:grpSp>
+      <p:sp>
+        <p:nvSpPr>
+          <p:cNvPr id="74" name="TextBox 73">
+            <a:extLst>
+              <a:ext uri="{FF2B5EF4-FFF2-40B4-BE49-F238E27FC236}">
+                <a16:creationId xmlns:a16="http://schemas.microsoft.com/office/drawing/2014/main" id="{56F4AB9F-AA61-E9E7-20CD-6EF2BC162A7D}"/>
+              </a:ext>
+            </a:extLst>
+          </p:cNvPr>
+          <p:cNvSpPr txBox="1"/>
+          <p:nvPr/>
+        </p:nvSpPr>
+        <p:spPr>
+          <a:xfrm>
+            <a:off x="6320577" y="2948940"/>
+            <a:ext cx="770917" cy="369332"/>
+          </a:xfrm>
+          <a:prstGeom prst="rect">
+            <a:avLst/>
+          </a:prstGeom>
+          <a:noFill/>
+        </p:spPr>
+        <p:txBody>
+          <a:bodyPr wrap="none" rtlCol="0">
+            <a:spAutoFit/>
+          </a:bodyPr>
+          <a:lstStyle/>
+          <a:p>
+            <a:r>
+              <a:rPr lang="es-419" dirty="0"/>
+              <a:t>COM+</a:t>
+            </a:r>
+          </a:p>
+        </p:txBody>
+      </p:sp>
+      <p:sp>
+        <p:nvSpPr>
+          <p:cNvPr id="75" name="TextBox 74">
+            <a:extLst>
+              <a:ext uri="{FF2B5EF4-FFF2-40B4-BE49-F238E27FC236}">
+                <a16:creationId xmlns:a16="http://schemas.microsoft.com/office/drawing/2014/main" id="{B99AB981-2C80-FD7F-539B-4CCFEB1C1679}"/>
+              </a:ext>
+            </a:extLst>
+          </p:cNvPr>
+          <p:cNvSpPr txBox="1"/>
+          <p:nvPr/>
+        </p:nvSpPr>
+        <p:spPr>
+          <a:xfrm>
+            <a:off x="7462388" y="2948940"/>
+            <a:ext cx="691856" cy="369332"/>
+          </a:xfrm>
+          <a:prstGeom prst="rect">
+            <a:avLst/>
+          </a:prstGeom>
+          <a:noFill/>
+        </p:spPr>
+        <p:txBody>
+          <a:bodyPr wrap="none" rtlCol="0">
+            <a:spAutoFit/>
+          </a:bodyPr>
+          <a:lstStyle/>
+          <a:p>
+            <a:r>
+              <a:rPr lang="es-419" dirty="0"/>
+              <a:t>SOAP</a:t>
+            </a:r>
+          </a:p>
+        </p:txBody>
+      </p:sp>
+      <p:sp>
+        <p:nvSpPr>
+          <p:cNvPr id="76" name="TextBox 75">
+            <a:extLst>
+              <a:ext uri="{FF2B5EF4-FFF2-40B4-BE49-F238E27FC236}">
+                <a16:creationId xmlns:a16="http://schemas.microsoft.com/office/drawing/2014/main" id="{30EBB103-E0FC-CEC7-D30E-56BFBE252988}"/>
+              </a:ext>
+            </a:extLst>
+          </p:cNvPr>
+          <p:cNvSpPr txBox="1"/>
+          <p:nvPr/>
+        </p:nvSpPr>
+        <p:spPr>
+          <a:xfrm>
+            <a:off x="8424497" y="2948940"/>
+            <a:ext cx="636072" cy="369332"/>
+          </a:xfrm>
+          <a:prstGeom prst="rect">
+            <a:avLst/>
+          </a:prstGeom>
+          <a:noFill/>
+        </p:spPr>
+        <p:txBody>
+          <a:bodyPr wrap="none" rtlCol="0">
+            <a:spAutoFit/>
+          </a:bodyPr>
+          <a:lstStyle/>
+          <a:p>
+            <a:r>
+              <a:rPr lang="es-419" dirty="0"/>
+              <a:t>REST</a:t>
+            </a:r>
+          </a:p>
+        </p:txBody>
+      </p:sp>
+      <p:sp>
+        <p:nvSpPr>
+          <p:cNvPr id="77" name="TextBox 76">
+            <a:extLst>
+              <a:ext uri="{FF2B5EF4-FFF2-40B4-BE49-F238E27FC236}">
+                <a16:creationId xmlns:a16="http://schemas.microsoft.com/office/drawing/2014/main" id="{6F269FA6-51A4-5766-ADE5-12CDB0F510BB}"/>
+              </a:ext>
+            </a:extLst>
+          </p:cNvPr>
+          <p:cNvSpPr txBox="1"/>
+          <p:nvPr/>
+        </p:nvSpPr>
+        <p:spPr>
+          <a:xfrm>
+            <a:off x="10061448" y="2948940"/>
+            <a:ext cx="660758" cy="369332"/>
+          </a:xfrm>
+          <a:prstGeom prst="rect">
+            <a:avLst/>
+          </a:prstGeom>
+          <a:noFill/>
+        </p:spPr>
+        <p:txBody>
+          <a:bodyPr wrap="none" rtlCol="0">
+            <a:spAutoFit/>
+          </a:bodyPr>
+          <a:lstStyle/>
+          <a:p>
+            <a:r>
+              <a:rPr lang="es-419" dirty="0" err="1"/>
+              <a:t>gRPC</a:t>
+            </a:r>
+            <a:endParaRPr lang="es-419" dirty="0"/>
+          </a:p>
+        </p:txBody>
+      </p:sp>
+      <p:sp>
+        <p:nvSpPr>
+          <p:cNvPr id="78" name="TextBox 77">
+            <a:extLst>
+              <a:ext uri="{FF2B5EF4-FFF2-40B4-BE49-F238E27FC236}">
+                <a16:creationId xmlns:a16="http://schemas.microsoft.com/office/drawing/2014/main" id="{8CD8706A-93FF-019F-E100-9B18B5F29A4F}"/>
+              </a:ext>
+            </a:extLst>
+          </p:cNvPr>
+          <p:cNvSpPr txBox="1"/>
+          <p:nvPr/>
+        </p:nvSpPr>
+        <p:spPr>
+          <a:xfrm>
+            <a:off x="6320577" y="3366438"/>
+            <a:ext cx="899605" cy="646331"/>
+          </a:xfrm>
+          <a:prstGeom prst="rect">
+            <a:avLst/>
+          </a:prstGeom>
+          <a:noFill/>
+        </p:spPr>
+        <p:txBody>
+          <a:bodyPr wrap="none" rtlCol="0">
+            <a:spAutoFit/>
+          </a:bodyPr>
+          <a:lstStyle/>
+          <a:p>
+            <a:r>
+              <a:rPr lang="es-419" dirty="0" err="1"/>
+              <a:t>Binary</a:t>
+            </a:r>
+            <a:endParaRPr lang="es-419" dirty="0"/>
+          </a:p>
+          <a:p>
+            <a:r>
+              <a:rPr lang="es-419" dirty="0"/>
+              <a:t>(</a:t>
+            </a:r>
+            <a:r>
+              <a:rPr lang="es-419" dirty="0" err="1"/>
+              <a:t>adhoc</a:t>
+            </a:r>
+            <a:r>
+              <a:rPr lang="es-419" dirty="0"/>
+              <a:t>)</a:t>
+            </a:r>
+          </a:p>
+        </p:txBody>
+      </p:sp>
+      <p:sp>
+        <p:nvSpPr>
+          <p:cNvPr id="79" name="TextBox 78">
+            <a:extLst>
+              <a:ext uri="{FF2B5EF4-FFF2-40B4-BE49-F238E27FC236}">
+                <a16:creationId xmlns:a16="http://schemas.microsoft.com/office/drawing/2014/main" id="{EBF893FD-1413-ADD9-389E-7532ECCB0403}"/>
+              </a:ext>
+            </a:extLst>
+          </p:cNvPr>
+          <p:cNvSpPr txBox="1"/>
+          <p:nvPr/>
+        </p:nvSpPr>
+        <p:spPr>
+          <a:xfrm>
+            <a:off x="7462388" y="3482371"/>
+            <a:ext cx="599844" cy="369332"/>
+          </a:xfrm>
+          <a:prstGeom prst="rect">
+            <a:avLst/>
+          </a:prstGeom>
+          <a:noFill/>
+        </p:spPr>
+        <p:txBody>
+          <a:bodyPr wrap="none" rtlCol="0">
+            <a:spAutoFit/>
+          </a:bodyPr>
+          <a:lstStyle/>
+          <a:p>
+            <a:r>
+              <a:rPr lang="es-419" dirty="0"/>
+              <a:t>XML</a:t>
+            </a:r>
+          </a:p>
+        </p:txBody>
+      </p:sp>
+      <p:sp>
+        <p:nvSpPr>
+          <p:cNvPr id="80" name="TextBox 79">
+            <a:extLst>
+              <a:ext uri="{FF2B5EF4-FFF2-40B4-BE49-F238E27FC236}">
+                <a16:creationId xmlns:a16="http://schemas.microsoft.com/office/drawing/2014/main" id="{5625819A-80FA-00CE-7B1A-C80ADD9D2374}"/>
+              </a:ext>
+            </a:extLst>
+          </p:cNvPr>
+          <p:cNvSpPr txBox="1"/>
+          <p:nvPr/>
+        </p:nvSpPr>
+        <p:spPr>
+          <a:xfrm>
+            <a:off x="8442611" y="3388459"/>
+            <a:ext cx="1549463" cy="646331"/>
+          </a:xfrm>
+          <a:prstGeom prst="rect">
+            <a:avLst/>
+          </a:prstGeom>
+          <a:noFill/>
+        </p:spPr>
+        <p:txBody>
+          <a:bodyPr wrap="none" rtlCol="0">
+            <a:spAutoFit/>
+          </a:bodyPr>
+          <a:lstStyle/>
+          <a:p>
+            <a:r>
+              <a:rPr lang="es-419" dirty="0"/>
+              <a:t>JSON/XML</a:t>
+            </a:r>
+          </a:p>
+          <a:p>
+            <a:r>
+              <a:rPr lang="es-419" dirty="0"/>
+              <a:t>TEXT/CUSTOM</a:t>
+            </a:r>
+          </a:p>
+        </p:txBody>
+      </p:sp>
+      <p:sp>
+        <p:nvSpPr>
+          <p:cNvPr id="81" name="TextBox 80">
+            <a:extLst>
+              <a:ext uri="{FF2B5EF4-FFF2-40B4-BE49-F238E27FC236}">
+                <a16:creationId xmlns:a16="http://schemas.microsoft.com/office/drawing/2014/main" id="{F4F96B0D-EBFA-C74E-9E2A-BCF5859FC70B}"/>
+              </a:ext>
+            </a:extLst>
+          </p:cNvPr>
+          <p:cNvSpPr txBox="1"/>
+          <p:nvPr/>
+        </p:nvSpPr>
+        <p:spPr>
+          <a:xfrm>
+            <a:off x="10061448" y="3401838"/>
+            <a:ext cx="1037463" cy="646331"/>
+          </a:xfrm>
+          <a:prstGeom prst="rect">
+            <a:avLst/>
+          </a:prstGeom>
+          <a:noFill/>
+        </p:spPr>
+        <p:txBody>
+          <a:bodyPr wrap="none" rtlCol="0">
+            <a:spAutoFit/>
+          </a:bodyPr>
+          <a:lstStyle/>
+          <a:p>
+            <a:r>
+              <a:rPr lang="es-419" dirty="0" err="1"/>
+              <a:t>Binary</a:t>
+            </a:r>
+            <a:endParaRPr lang="es-419" dirty="0"/>
+          </a:p>
+          <a:p>
+            <a:r>
+              <a:rPr lang="es-419" dirty="0"/>
+              <a:t>(**JSON)</a:t>
+            </a:r>
+          </a:p>
+        </p:txBody>
+      </p:sp>
+      <p:sp>
+        <p:nvSpPr>
+          <p:cNvPr id="82" name="TextBox 81">
+            <a:extLst>
+              <a:ext uri="{FF2B5EF4-FFF2-40B4-BE49-F238E27FC236}">
+                <a16:creationId xmlns:a16="http://schemas.microsoft.com/office/drawing/2014/main" id="{D5DE5845-29B9-CAD6-A28D-EEBE8DFE9417}"/>
+              </a:ext>
+            </a:extLst>
+          </p:cNvPr>
+          <p:cNvSpPr txBox="1"/>
+          <p:nvPr/>
+        </p:nvSpPr>
+        <p:spPr>
+          <a:xfrm>
+            <a:off x="6320577" y="4060436"/>
+            <a:ext cx="1074846" cy="646331"/>
+          </a:xfrm>
+          <a:prstGeom prst="rect">
+            <a:avLst/>
+          </a:prstGeom>
+          <a:noFill/>
+        </p:spPr>
+        <p:txBody>
+          <a:bodyPr wrap="none" rtlCol="0">
+            <a:spAutoFit/>
+          </a:bodyPr>
+          <a:lstStyle/>
+          <a:p>
+            <a:r>
+              <a:rPr lang="es-419" dirty="0"/>
+              <a:t>Interface </a:t>
+            </a:r>
+          </a:p>
+          <a:p>
+            <a:r>
+              <a:rPr lang="es-419" dirty="0" err="1"/>
+              <a:t>Binary</a:t>
+            </a:r>
+            <a:endParaRPr lang="es-419" dirty="0"/>
+          </a:p>
+        </p:txBody>
+      </p:sp>
+      <p:sp>
+        <p:nvSpPr>
+          <p:cNvPr id="83" name="TextBox 82">
+            <a:extLst>
+              <a:ext uri="{FF2B5EF4-FFF2-40B4-BE49-F238E27FC236}">
+                <a16:creationId xmlns:a16="http://schemas.microsoft.com/office/drawing/2014/main" id="{95356502-D9C3-C305-33DD-EEAA16F6B4B2}"/>
+              </a:ext>
+            </a:extLst>
+          </p:cNvPr>
+          <p:cNvSpPr txBox="1"/>
+          <p:nvPr/>
+        </p:nvSpPr>
+        <p:spPr>
+          <a:xfrm>
+            <a:off x="7462388" y="4060436"/>
+            <a:ext cx="734945" cy="646331"/>
+          </a:xfrm>
+          <a:prstGeom prst="rect">
+            <a:avLst/>
+          </a:prstGeom>
+          <a:noFill/>
+        </p:spPr>
+        <p:txBody>
+          <a:bodyPr wrap="none" rtlCol="0">
+            <a:spAutoFit/>
+          </a:bodyPr>
+          <a:lstStyle/>
+          <a:p>
+            <a:r>
+              <a:rPr lang="es-419" dirty="0"/>
+              <a:t>WSDL</a:t>
+            </a:r>
+          </a:p>
+          <a:p>
+            <a:r>
+              <a:rPr lang="es-419" dirty="0"/>
+              <a:t>(XML)</a:t>
+            </a:r>
+          </a:p>
+        </p:txBody>
+      </p:sp>
+      <p:sp>
+        <p:nvSpPr>
+          <p:cNvPr id="84" name="TextBox 83">
+            <a:extLst>
+              <a:ext uri="{FF2B5EF4-FFF2-40B4-BE49-F238E27FC236}">
+                <a16:creationId xmlns:a16="http://schemas.microsoft.com/office/drawing/2014/main" id="{41244B00-8393-D08E-F673-2D99E9B5F9EE}"/>
+              </a:ext>
+            </a:extLst>
+          </p:cNvPr>
+          <p:cNvSpPr txBox="1"/>
+          <p:nvPr/>
+        </p:nvSpPr>
+        <p:spPr>
+          <a:xfrm>
+            <a:off x="8424497" y="4060436"/>
+            <a:ext cx="1415324" cy="646331"/>
+          </a:xfrm>
+          <a:prstGeom prst="rect">
+            <a:avLst/>
+          </a:prstGeom>
+          <a:noFill/>
+        </p:spPr>
+        <p:txBody>
+          <a:bodyPr wrap="none" rtlCol="0">
+            <a:spAutoFit/>
+          </a:bodyPr>
+          <a:lstStyle/>
+          <a:p>
+            <a:r>
+              <a:rPr lang="es-419" dirty="0"/>
+              <a:t>*Open API</a:t>
+            </a:r>
+          </a:p>
+          <a:p>
+            <a:r>
+              <a:rPr lang="es-419" dirty="0"/>
+              <a:t>(YAML/JSON)</a:t>
+            </a:r>
+          </a:p>
+        </p:txBody>
+      </p:sp>
+      <p:sp>
+        <p:nvSpPr>
+          <p:cNvPr id="85" name="TextBox 84">
+            <a:extLst>
+              <a:ext uri="{FF2B5EF4-FFF2-40B4-BE49-F238E27FC236}">
+                <a16:creationId xmlns:a16="http://schemas.microsoft.com/office/drawing/2014/main" id="{63D23753-F870-6B66-4CFD-5D803687FF84}"/>
+              </a:ext>
+            </a:extLst>
+          </p:cNvPr>
+          <p:cNvSpPr txBox="1"/>
+          <p:nvPr/>
+        </p:nvSpPr>
+        <p:spPr>
+          <a:xfrm>
+            <a:off x="10061448" y="4060436"/>
+            <a:ext cx="1326453" cy="646331"/>
+          </a:xfrm>
+          <a:prstGeom prst="rect">
+            <a:avLst/>
+          </a:prstGeom>
+          <a:noFill/>
+        </p:spPr>
+        <p:txBody>
+          <a:bodyPr wrap="none" rtlCol="0">
+            <a:spAutoFit/>
+          </a:bodyPr>
+          <a:lstStyle/>
+          <a:p>
+            <a:r>
+              <a:rPr lang="es-419" dirty="0"/>
+              <a:t>Proto Buffer</a:t>
+            </a:r>
+          </a:p>
+          <a:p>
+            <a:r>
+              <a:rPr lang="es-419" dirty="0"/>
+              <a:t>(Lenguaje)</a:t>
+            </a:r>
+          </a:p>
+        </p:txBody>
+      </p:sp>
+    </p:spTree>
+    <p:extLst>
+      <p:ext uri="{BB962C8B-B14F-4D97-AF65-F5344CB8AC3E}">
+        <p14:creationId xmlns:p14="http://schemas.microsoft.com/office/powerpoint/2010/main" val="3528672996"/>
       </p:ext>
     </p:extLst>
   </p:cSld>

--- a/01 - Microservices/01.1.pptx
+++ b/01 - Microservices/01.1.pptx
@@ -8,6 +8,7 @@
     <p:sldId id="256" r:id="rId2"/>
     <p:sldId id="257" r:id="rId3"/>
     <p:sldId id="258" r:id="rId4"/>
+    <p:sldId id="259" r:id="rId5"/>
   </p:sldIdLst>
   <p:sldSz cx="12192000" cy="6858000"/>
   <p:notesSz cx="6858000" cy="9144000"/>
@@ -263,7 +264,7 @@
           <a:p>
             <a:fld id="{3297B4CE-19AF-49D4-B966-073AB7A9B857}" type="datetimeFigureOut">
               <a:rPr lang="es-419" smtClean="0"/>
-              <a:t>13/7/2024</a:t>
+              <a:t>20/7/2024</a:t>
             </a:fld>
             <a:endParaRPr lang="es-419"/>
           </a:p>
@@ -463,7 +464,7 @@
           <a:p>
             <a:fld id="{3297B4CE-19AF-49D4-B966-073AB7A9B857}" type="datetimeFigureOut">
               <a:rPr lang="es-419" smtClean="0"/>
-              <a:t>13/7/2024</a:t>
+              <a:t>20/7/2024</a:t>
             </a:fld>
             <a:endParaRPr lang="es-419"/>
           </a:p>
@@ -673,7 +674,7 @@
           <a:p>
             <a:fld id="{3297B4CE-19AF-49D4-B966-073AB7A9B857}" type="datetimeFigureOut">
               <a:rPr lang="es-419" smtClean="0"/>
-              <a:t>13/7/2024</a:t>
+              <a:t>20/7/2024</a:t>
             </a:fld>
             <a:endParaRPr lang="es-419"/>
           </a:p>
@@ -873,7 +874,7 @@
           <a:p>
             <a:fld id="{3297B4CE-19AF-49D4-B966-073AB7A9B857}" type="datetimeFigureOut">
               <a:rPr lang="es-419" smtClean="0"/>
-              <a:t>13/7/2024</a:t>
+              <a:t>20/7/2024</a:t>
             </a:fld>
             <a:endParaRPr lang="es-419"/>
           </a:p>
@@ -1149,7 +1150,7 @@
           <a:p>
             <a:fld id="{3297B4CE-19AF-49D4-B966-073AB7A9B857}" type="datetimeFigureOut">
               <a:rPr lang="es-419" smtClean="0"/>
-              <a:t>13/7/2024</a:t>
+              <a:t>20/7/2024</a:t>
             </a:fld>
             <a:endParaRPr lang="es-419"/>
           </a:p>
@@ -1417,7 +1418,7 @@
           <a:p>
             <a:fld id="{3297B4CE-19AF-49D4-B966-073AB7A9B857}" type="datetimeFigureOut">
               <a:rPr lang="es-419" smtClean="0"/>
-              <a:t>13/7/2024</a:t>
+              <a:t>20/7/2024</a:t>
             </a:fld>
             <a:endParaRPr lang="es-419"/>
           </a:p>
@@ -1832,7 +1833,7 @@
           <a:p>
             <a:fld id="{3297B4CE-19AF-49D4-B966-073AB7A9B857}" type="datetimeFigureOut">
               <a:rPr lang="es-419" smtClean="0"/>
-              <a:t>13/7/2024</a:t>
+              <a:t>20/7/2024</a:t>
             </a:fld>
             <a:endParaRPr lang="es-419"/>
           </a:p>
@@ -1974,7 +1975,7 @@
           <a:p>
             <a:fld id="{3297B4CE-19AF-49D4-B966-073AB7A9B857}" type="datetimeFigureOut">
               <a:rPr lang="es-419" smtClean="0"/>
-              <a:t>13/7/2024</a:t>
+              <a:t>20/7/2024</a:t>
             </a:fld>
             <a:endParaRPr lang="es-419"/>
           </a:p>
@@ -2087,7 +2088,7 @@
           <a:p>
             <a:fld id="{3297B4CE-19AF-49D4-B966-073AB7A9B857}" type="datetimeFigureOut">
               <a:rPr lang="es-419" smtClean="0"/>
-              <a:t>13/7/2024</a:t>
+              <a:t>20/7/2024</a:t>
             </a:fld>
             <a:endParaRPr lang="es-419"/>
           </a:p>
@@ -2400,7 +2401,7 @@
           <a:p>
             <a:fld id="{3297B4CE-19AF-49D4-B966-073AB7A9B857}" type="datetimeFigureOut">
               <a:rPr lang="es-419" smtClean="0"/>
-              <a:t>13/7/2024</a:t>
+              <a:t>20/7/2024</a:t>
             </a:fld>
             <a:endParaRPr lang="es-419"/>
           </a:p>
@@ -2689,7 +2690,7 @@
           <a:p>
             <a:fld id="{3297B4CE-19AF-49D4-B966-073AB7A9B857}" type="datetimeFigureOut">
               <a:rPr lang="es-419" smtClean="0"/>
-              <a:t>13/7/2024</a:t>
+              <a:t>20/7/2024</a:t>
             </a:fld>
             <a:endParaRPr lang="es-419"/>
           </a:p>
@@ -2932,7 +2933,7 @@
           <a:p>
             <a:fld id="{3297B4CE-19AF-49D4-B966-073AB7A9B857}" type="datetimeFigureOut">
               <a:rPr lang="es-419" smtClean="0"/>
-              <a:t>13/7/2024</a:t>
+              <a:t>20/7/2024</a:t>
             </a:fld>
             <a:endParaRPr lang="es-419"/>
           </a:p>
@@ -4315,7 +4316,7 @@
         </p:nvSpPr>
         <p:spPr>
           <a:xfrm>
-            <a:off x="1161288" y="832104"/>
+            <a:off x="1161288" y="342576"/>
             <a:ext cx="2304288" cy="3950208"/>
           </a:xfrm>
           <a:prstGeom prst="roundRect">
@@ -4362,7 +4363,7 @@
         </p:nvSpPr>
         <p:spPr>
           <a:xfrm>
-            <a:off x="1417320" y="1453896"/>
+            <a:off x="1417320" y="964368"/>
             <a:ext cx="1783080" cy="484632"/>
           </a:xfrm>
           <a:prstGeom prst="roundRect">
@@ -4409,7 +4410,7 @@
         </p:nvSpPr>
         <p:spPr>
           <a:xfrm>
-            <a:off x="1417320" y="2075688"/>
+            <a:off x="1417320" y="1586160"/>
             <a:ext cx="1783080" cy="484632"/>
           </a:xfrm>
           <a:prstGeom prst="roundRect">
@@ -4456,7 +4457,7 @@
         </p:nvSpPr>
         <p:spPr>
           <a:xfrm>
-            <a:off x="1417320" y="2697480"/>
+            <a:off x="1417320" y="2207952"/>
             <a:ext cx="1783080" cy="484632"/>
           </a:xfrm>
           <a:prstGeom prst="roundRect">
@@ -4503,7 +4504,7 @@
         </p:nvSpPr>
         <p:spPr>
           <a:xfrm>
-            <a:off x="1417320" y="3438144"/>
+            <a:off x="1417320" y="2948616"/>
             <a:ext cx="1783080" cy="484632"/>
           </a:xfrm>
           <a:prstGeom prst="roundRect">
@@ -4553,7 +4554,7 @@
         </p:nvCxnSpPr>
         <p:spPr>
           <a:xfrm>
-            <a:off x="2308860" y="1938528"/>
+            <a:off x="2308860" y="1449000"/>
             <a:ext cx="0" cy="137160"/>
           </a:xfrm>
           <a:prstGeom prst="line">
@@ -4592,7 +4593,7 @@
         </p:nvCxnSpPr>
         <p:spPr>
           <a:xfrm>
-            <a:off x="2308860" y="2560320"/>
+            <a:off x="2308860" y="2070792"/>
             <a:ext cx="0" cy="137160"/>
           </a:xfrm>
           <a:prstGeom prst="line">
@@ -4631,7 +4632,7 @@
         </p:nvCxnSpPr>
         <p:spPr>
           <a:xfrm>
-            <a:off x="2308860" y="3182112"/>
+            <a:off x="2308860" y="2692584"/>
             <a:ext cx="0" cy="256032"/>
           </a:xfrm>
           <a:prstGeom prst="line">
@@ -4667,7 +4668,7 @@
         </p:nvSpPr>
         <p:spPr>
           <a:xfrm>
-            <a:off x="4613148" y="832104"/>
+            <a:off x="4613148" y="342576"/>
             <a:ext cx="2304288" cy="3950208"/>
           </a:xfrm>
           <a:prstGeom prst="roundRect">
@@ -4714,7 +4715,7 @@
         </p:nvSpPr>
         <p:spPr>
           <a:xfrm>
-            <a:off x="4869180" y="1453896"/>
+            <a:off x="4869180" y="964368"/>
             <a:ext cx="1783080" cy="484632"/>
           </a:xfrm>
           <a:prstGeom prst="roundRect">
@@ -4761,7 +4762,7 @@
         </p:nvSpPr>
         <p:spPr>
           <a:xfrm>
-            <a:off x="4869180" y="2075688"/>
+            <a:off x="4869180" y="1586160"/>
             <a:ext cx="1783080" cy="484632"/>
           </a:xfrm>
           <a:prstGeom prst="roundRect">
@@ -4808,7 +4809,7 @@
         </p:nvSpPr>
         <p:spPr>
           <a:xfrm>
-            <a:off x="4869180" y="2697480"/>
+            <a:off x="4869180" y="2207952"/>
             <a:ext cx="1783080" cy="484632"/>
           </a:xfrm>
           <a:prstGeom prst="roundRect">
@@ -4855,7 +4856,7 @@
         </p:nvSpPr>
         <p:spPr>
           <a:xfrm>
-            <a:off x="4869180" y="3438144"/>
+            <a:off x="4869180" y="2948616"/>
             <a:ext cx="1783080" cy="484632"/>
           </a:xfrm>
           <a:prstGeom prst="roundRect">
@@ -4905,7 +4906,7 @@
         </p:nvCxnSpPr>
         <p:spPr>
           <a:xfrm>
-            <a:off x="5760720" y="1938528"/>
+            <a:off x="5760720" y="1449000"/>
             <a:ext cx="0" cy="137160"/>
           </a:xfrm>
           <a:prstGeom prst="line">
@@ -4944,7 +4945,7 @@
         </p:nvCxnSpPr>
         <p:spPr>
           <a:xfrm>
-            <a:off x="5760720" y="2560320"/>
+            <a:off x="5760720" y="2070792"/>
             <a:ext cx="0" cy="137160"/>
           </a:xfrm>
           <a:prstGeom prst="line">
@@ -4983,7 +4984,7 @@
         </p:nvCxnSpPr>
         <p:spPr>
           <a:xfrm>
-            <a:off x="5760720" y="3182112"/>
+            <a:off x="5760720" y="2692584"/>
             <a:ext cx="0" cy="256032"/>
           </a:xfrm>
           <a:prstGeom prst="line">
@@ -5019,7 +5020,7 @@
         </p:nvSpPr>
         <p:spPr>
           <a:xfrm>
-            <a:off x="8060436" y="832104"/>
+            <a:off x="8060436" y="342576"/>
             <a:ext cx="2304288" cy="3950208"/>
           </a:xfrm>
           <a:prstGeom prst="roundRect">
@@ -5066,7 +5067,7 @@
         </p:nvSpPr>
         <p:spPr>
           <a:xfrm>
-            <a:off x="8316468" y="1453896"/>
+            <a:off x="8316468" y="964368"/>
             <a:ext cx="1783080" cy="484632"/>
           </a:xfrm>
           <a:prstGeom prst="roundRect">
@@ -5113,7 +5114,7 @@
         </p:nvSpPr>
         <p:spPr>
           <a:xfrm>
-            <a:off x="8316468" y="2075688"/>
+            <a:off x="8316468" y="1586160"/>
             <a:ext cx="1783080" cy="484632"/>
           </a:xfrm>
           <a:prstGeom prst="roundRect">
@@ -5160,7 +5161,7 @@
         </p:nvSpPr>
         <p:spPr>
           <a:xfrm>
-            <a:off x="8316468" y="2697480"/>
+            <a:off x="8316468" y="2207952"/>
             <a:ext cx="1783080" cy="484632"/>
           </a:xfrm>
           <a:prstGeom prst="roundRect">
@@ -5207,7 +5208,7 @@
         </p:nvSpPr>
         <p:spPr>
           <a:xfrm>
-            <a:off x="8316468" y="3438144"/>
+            <a:off x="8316468" y="2948616"/>
             <a:ext cx="1783080" cy="484632"/>
           </a:xfrm>
           <a:prstGeom prst="roundRect">
@@ -5257,7 +5258,7 @@
         </p:nvCxnSpPr>
         <p:spPr>
           <a:xfrm>
-            <a:off x="9208008" y="1938528"/>
+            <a:off x="9208008" y="1449000"/>
             <a:ext cx="0" cy="137160"/>
           </a:xfrm>
           <a:prstGeom prst="line">
@@ -5296,7 +5297,7 @@
         </p:nvCxnSpPr>
         <p:spPr>
           <a:xfrm>
-            <a:off x="9208008" y="2560320"/>
+            <a:off x="9208008" y="2070792"/>
             <a:ext cx="0" cy="137160"/>
           </a:xfrm>
           <a:prstGeom prst="line">
@@ -5335,7 +5336,7 @@
         </p:nvCxnSpPr>
         <p:spPr>
           <a:xfrm>
-            <a:off x="9208008" y="3182112"/>
+            <a:off x="9208008" y="2692584"/>
             <a:ext cx="0" cy="256032"/>
           </a:xfrm>
           <a:prstGeom prst="line">
@@ -5414,14 +5415,16 @@
             </a:extLst>
           </p:cNvPr>
           <p:cNvCxnSpPr>
+            <a:cxnSpLocks/>
+            <a:stCxn id="4" idx="2"/>
             <a:endCxn id="31" idx="1"/>
           </p:cNvCxnSpPr>
           <p:nvPr/>
         </p:nvCxnSpPr>
         <p:spPr>
           <a:xfrm flipH="1">
-            <a:off x="2308860" y="4782312"/>
-            <a:ext cx="4572" cy="429768"/>
+            <a:off x="2308860" y="4292784"/>
+            <a:ext cx="4572" cy="919296"/>
           </a:xfrm>
           <a:prstGeom prst="straightConnector1">
             <a:avLst/>
@@ -5502,14 +5505,16 @@
             </a:extLst>
           </p:cNvPr>
           <p:cNvCxnSpPr>
+            <a:cxnSpLocks/>
+            <a:stCxn id="13" idx="2"/>
             <a:endCxn id="33" idx="1"/>
           </p:cNvCxnSpPr>
           <p:nvPr/>
         </p:nvCxnSpPr>
         <p:spPr>
           <a:xfrm flipH="1">
-            <a:off x="5760720" y="4782312"/>
-            <a:ext cx="4572" cy="429768"/>
+            <a:off x="5760720" y="4292784"/>
+            <a:ext cx="4572" cy="919296"/>
           </a:xfrm>
           <a:prstGeom prst="straightConnector1">
             <a:avLst/>
@@ -5590,14 +5595,16 @@
             </a:extLst>
           </p:cNvPr>
           <p:cNvCxnSpPr>
+            <a:cxnSpLocks/>
+            <a:stCxn id="22" idx="2"/>
             <a:endCxn id="35" idx="1"/>
           </p:cNvCxnSpPr>
           <p:nvPr/>
         </p:nvCxnSpPr>
         <p:spPr>
           <a:xfrm flipH="1">
-            <a:off x="9208008" y="4782312"/>
-            <a:ext cx="4572" cy="429768"/>
+            <a:off x="9208008" y="4292784"/>
+            <a:ext cx="4572" cy="919296"/>
           </a:xfrm>
           <a:prstGeom prst="straightConnector1">
             <a:avLst/>
@@ -5635,7 +5642,7 @@
         </p:nvCxnSpPr>
         <p:spPr>
           <a:xfrm>
-            <a:off x="3465576" y="2807208"/>
+            <a:off x="3465576" y="2317680"/>
             <a:ext cx="1147572" cy="0"/>
           </a:xfrm>
           <a:prstGeom prst="line">
@@ -5671,7 +5678,7 @@
         </p:nvCxnSpPr>
         <p:spPr>
           <a:xfrm>
-            <a:off x="6917436" y="2807208"/>
+            <a:off x="6917436" y="2317680"/>
             <a:ext cx="1143000" cy="0"/>
           </a:xfrm>
           <a:prstGeom prst="line">
@@ -6101,32 +6108,13 @@
                   <a:schemeClr val="tx1"/>
                 </a:solidFill>
               </a:rPr>
-              <a:t>Enterpirse</a:t>
+              <a:t>Broker</a:t>
             </a:r>
-            <a:r>
-              <a:rPr lang="es-419" dirty="0">
-                <a:solidFill>
-                  <a:schemeClr val="tx1"/>
-                </a:solidFill>
-              </a:rPr>
-              <a:t> </a:t>
-            </a:r>
-            <a:r>
-              <a:rPr lang="es-419" dirty="0" err="1">
-                <a:solidFill>
-                  <a:schemeClr val="tx1"/>
-                </a:solidFill>
-              </a:rPr>
-              <a:t>Services</a:t>
-            </a:r>
-            <a:r>
-              <a:rPr lang="es-419" dirty="0">
-                <a:solidFill>
-                  <a:schemeClr val="tx1"/>
-                </a:solidFill>
-              </a:rPr>
-              <a:t> Bus (ESB)</a:t>
-            </a:r>
+            <a:endParaRPr lang="es-419" dirty="0">
+              <a:solidFill>
+                <a:schemeClr val="tx1"/>
+              </a:solidFill>
+            </a:endParaRPr>
           </a:p>
         </p:txBody>
       </p:sp>
@@ -8026,7 +8014,7 @@
         </p:nvGrpSpPr>
         <p:grpSpPr>
           <a:xfrm>
-            <a:off x="3704829" y="4989195"/>
+            <a:off x="3670164" y="5378232"/>
             <a:ext cx="319348" cy="162306"/>
             <a:chOff x="6675120" y="1527048"/>
             <a:chExt cx="832104" cy="422910"/>
@@ -8626,10 +8614,635 @@
           </a:p>
         </p:txBody>
       </p:sp>
+      <p:sp>
+        <p:nvSpPr>
+          <p:cNvPr id="2" name="Rectangle: Rounded Corners 1">
+            <a:extLst>
+              <a:ext uri="{FF2B5EF4-FFF2-40B4-BE49-F238E27FC236}">
+                <a16:creationId xmlns:a16="http://schemas.microsoft.com/office/drawing/2014/main" id="{0E5FD125-9B8E-EF71-A777-1576E888EFD5}"/>
+              </a:ext>
+            </a:extLst>
+          </p:cNvPr>
+          <p:cNvSpPr/>
+          <p:nvPr/>
+        </p:nvSpPr>
+        <p:spPr>
+          <a:xfrm>
+            <a:off x="2414290" y="302796"/>
+            <a:ext cx="2203704" cy="661896"/>
+          </a:xfrm>
+          <a:prstGeom prst="roundRect">
+            <a:avLst/>
+          </a:prstGeom>
+          <a:noFill/>
+        </p:spPr>
+        <p:style>
+          <a:lnRef idx="2">
+            <a:schemeClr val="accent1">
+              <a:shade val="50000"/>
+            </a:schemeClr>
+          </a:lnRef>
+          <a:fillRef idx="1">
+            <a:schemeClr val="accent1"/>
+          </a:fillRef>
+          <a:effectRef idx="0">
+            <a:schemeClr val="accent1"/>
+          </a:effectRef>
+          <a:fontRef idx="minor">
+            <a:schemeClr val="lt1"/>
+          </a:fontRef>
+        </p:style>
+        <p:txBody>
+          <a:bodyPr rtlCol="0" anchor="ctr"/>
+          <a:lstStyle/>
+          <a:p>
+            <a:pPr algn="ctr"/>
+            <a:r>
+              <a:rPr lang="es-419" dirty="0">
+                <a:solidFill>
+                  <a:schemeClr val="tx1"/>
+                </a:solidFill>
+              </a:rPr>
+              <a:t>Business </a:t>
+            </a:r>
+            <a:r>
+              <a:rPr lang="es-419" dirty="0" err="1">
+                <a:solidFill>
+                  <a:schemeClr val="tx1"/>
+                </a:solidFill>
+              </a:rPr>
+              <a:t>Logic</a:t>
+            </a:r>
+            <a:endParaRPr lang="es-419" dirty="0">
+              <a:solidFill>
+                <a:schemeClr val="tx1"/>
+              </a:solidFill>
+            </a:endParaRPr>
+          </a:p>
+        </p:txBody>
+      </p:sp>
+      <p:cxnSp>
+        <p:nvCxnSpPr>
+          <p:cNvPr id="3" name="Straight Arrow Connector 2">
+            <a:extLst>
+              <a:ext uri="{FF2B5EF4-FFF2-40B4-BE49-F238E27FC236}">
+                <a16:creationId xmlns:a16="http://schemas.microsoft.com/office/drawing/2014/main" id="{8B15A994-56B8-3789-756A-A3974F79EF11}"/>
+              </a:ext>
+            </a:extLst>
+          </p:cNvPr>
+          <p:cNvCxnSpPr>
+            <a:cxnSpLocks/>
+            <a:stCxn id="2" idx="2"/>
+          </p:cNvCxnSpPr>
+          <p:nvPr/>
+        </p:nvCxnSpPr>
+        <p:spPr>
+          <a:xfrm flipH="1">
+            <a:off x="3506724" y="964692"/>
+            <a:ext cx="9418" cy="610362"/>
+          </a:xfrm>
+          <a:prstGeom prst="straightConnector1">
+            <a:avLst/>
+          </a:prstGeom>
+          <a:ln>
+            <a:tailEnd type="triangle"/>
+          </a:ln>
+        </p:spPr>
+        <p:style>
+          <a:lnRef idx="1">
+            <a:schemeClr val="accent1"/>
+          </a:lnRef>
+          <a:fillRef idx="0">
+            <a:schemeClr val="accent1"/>
+          </a:fillRef>
+          <a:effectRef idx="0">
+            <a:schemeClr val="accent1"/>
+          </a:effectRef>
+          <a:fontRef idx="minor">
+            <a:schemeClr val="tx1"/>
+          </a:fontRef>
+        </p:style>
+      </p:cxnSp>
+      <p:cxnSp>
+        <p:nvCxnSpPr>
+          <p:cNvPr id="11" name="Straight Connector 10">
+            <a:extLst>
+              <a:ext uri="{FF2B5EF4-FFF2-40B4-BE49-F238E27FC236}">
+                <a16:creationId xmlns:a16="http://schemas.microsoft.com/office/drawing/2014/main" id="{754705BD-8273-A906-AC4A-57F1BD34E6E9}"/>
+              </a:ext>
+            </a:extLst>
+          </p:cNvPr>
+          <p:cNvCxnSpPr>
+            <a:cxnSpLocks/>
+          </p:cNvCxnSpPr>
+          <p:nvPr/>
+        </p:nvCxnSpPr>
+        <p:spPr>
+          <a:xfrm>
+            <a:off x="2795896" y="110300"/>
+            <a:ext cx="1446920" cy="1032700"/>
+          </a:xfrm>
+          <a:prstGeom prst="line">
+            <a:avLst/>
+          </a:prstGeom>
+          <a:ln w="76200">
+            <a:solidFill>
+              <a:srgbClr val="FF0000"/>
+            </a:solidFill>
+          </a:ln>
+        </p:spPr>
+        <p:style>
+          <a:lnRef idx="1">
+            <a:schemeClr val="accent1"/>
+          </a:lnRef>
+          <a:fillRef idx="0">
+            <a:schemeClr val="accent1"/>
+          </a:fillRef>
+          <a:effectRef idx="0">
+            <a:schemeClr val="accent1"/>
+          </a:effectRef>
+          <a:fontRef idx="minor">
+            <a:schemeClr val="tx1"/>
+          </a:fontRef>
+        </p:style>
+      </p:cxnSp>
+      <p:cxnSp>
+        <p:nvCxnSpPr>
+          <p:cNvPr id="12" name="Straight Connector 11">
+            <a:extLst>
+              <a:ext uri="{FF2B5EF4-FFF2-40B4-BE49-F238E27FC236}">
+                <a16:creationId xmlns:a16="http://schemas.microsoft.com/office/drawing/2014/main" id="{36417277-2698-BDA5-66F5-D95A66CF99D5}"/>
+              </a:ext>
+            </a:extLst>
+          </p:cNvPr>
+          <p:cNvCxnSpPr/>
+          <p:nvPr/>
+        </p:nvCxnSpPr>
+        <p:spPr>
+          <a:xfrm flipH="1">
+            <a:off x="2698029" y="91440"/>
+            <a:ext cx="1492399" cy="1078992"/>
+          </a:xfrm>
+          <a:prstGeom prst="line">
+            <a:avLst/>
+          </a:prstGeom>
+          <a:ln w="76200">
+            <a:solidFill>
+              <a:srgbClr val="FF0000"/>
+            </a:solidFill>
+          </a:ln>
+        </p:spPr>
+        <p:style>
+          <a:lnRef idx="1">
+            <a:schemeClr val="accent1"/>
+          </a:lnRef>
+          <a:fillRef idx="0">
+            <a:schemeClr val="accent1"/>
+          </a:fillRef>
+          <a:effectRef idx="0">
+            <a:schemeClr val="accent1"/>
+          </a:effectRef>
+          <a:fontRef idx="minor">
+            <a:schemeClr val="tx1"/>
+          </a:fontRef>
+        </p:style>
+      </p:cxnSp>
+      <p:sp>
+        <p:nvSpPr>
+          <p:cNvPr id="14" name="Rectangle: Rounded Corners 13">
+            <a:extLst>
+              <a:ext uri="{FF2B5EF4-FFF2-40B4-BE49-F238E27FC236}">
+                <a16:creationId xmlns:a16="http://schemas.microsoft.com/office/drawing/2014/main" id="{17BCDF0D-4FF8-D8F7-2EDA-AB37EFED0BB2}"/>
+              </a:ext>
+            </a:extLst>
+          </p:cNvPr>
+          <p:cNvSpPr/>
+          <p:nvPr/>
+        </p:nvSpPr>
+        <p:spPr>
+          <a:xfrm>
+            <a:off x="1124712" y="4826267"/>
+            <a:ext cx="4764024" cy="384048"/>
+          </a:xfrm>
+          <a:prstGeom prst="roundRect">
+            <a:avLst/>
+          </a:prstGeom>
+          <a:noFill/>
+        </p:spPr>
+        <p:style>
+          <a:lnRef idx="2">
+            <a:schemeClr val="accent1">
+              <a:shade val="50000"/>
+            </a:schemeClr>
+          </a:lnRef>
+          <a:fillRef idx="1">
+            <a:schemeClr val="accent1"/>
+          </a:fillRef>
+          <a:effectRef idx="0">
+            <a:schemeClr val="accent1"/>
+          </a:effectRef>
+          <a:fontRef idx="minor">
+            <a:schemeClr val="lt1"/>
+          </a:fontRef>
+        </p:style>
+        <p:txBody>
+          <a:bodyPr rtlCol="0" anchor="ctr"/>
+          <a:lstStyle/>
+          <a:p>
+            <a:pPr algn="ctr"/>
+            <a:r>
+              <a:rPr lang="es-419" dirty="0" err="1">
+                <a:solidFill>
+                  <a:schemeClr val="tx1"/>
+                </a:solidFill>
+              </a:rPr>
+              <a:t>Enterpirse</a:t>
+            </a:r>
+            <a:r>
+              <a:rPr lang="es-419" dirty="0">
+                <a:solidFill>
+                  <a:schemeClr val="tx1"/>
+                </a:solidFill>
+              </a:rPr>
+              <a:t> </a:t>
+            </a:r>
+            <a:r>
+              <a:rPr lang="es-419" dirty="0" err="1">
+                <a:solidFill>
+                  <a:schemeClr val="tx1"/>
+                </a:solidFill>
+              </a:rPr>
+              <a:t>Services</a:t>
+            </a:r>
+            <a:r>
+              <a:rPr lang="es-419" dirty="0">
+                <a:solidFill>
+                  <a:schemeClr val="tx1"/>
+                </a:solidFill>
+              </a:rPr>
+              <a:t> Bus (ESB)</a:t>
+            </a:r>
+          </a:p>
+        </p:txBody>
+      </p:sp>
+      <p:sp>
+        <p:nvSpPr>
+          <p:cNvPr id="15" name="Rectangle: Rounded Corners 14">
+            <a:extLst>
+              <a:ext uri="{FF2B5EF4-FFF2-40B4-BE49-F238E27FC236}">
+                <a16:creationId xmlns:a16="http://schemas.microsoft.com/office/drawing/2014/main" id="{6D54958A-822B-802F-162E-7F7407113253}"/>
+              </a:ext>
+            </a:extLst>
+          </p:cNvPr>
+          <p:cNvSpPr/>
+          <p:nvPr/>
+        </p:nvSpPr>
+        <p:spPr>
+          <a:xfrm>
+            <a:off x="804099" y="1398615"/>
+            <a:ext cx="5375028" cy="3272825"/>
+          </a:xfrm>
+          <a:prstGeom prst="roundRect">
+            <a:avLst/>
+          </a:prstGeom>
+          <a:noFill/>
+        </p:spPr>
+        <p:style>
+          <a:lnRef idx="2">
+            <a:schemeClr val="accent1">
+              <a:shade val="50000"/>
+            </a:schemeClr>
+          </a:lnRef>
+          <a:fillRef idx="1">
+            <a:schemeClr val="accent1"/>
+          </a:fillRef>
+          <a:effectRef idx="0">
+            <a:schemeClr val="accent1"/>
+          </a:effectRef>
+          <a:fontRef idx="minor">
+            <a:schemeClr val="lt1"/>
+          </a:fontRef>
+        </p:style>
+        <p:txBody>
+          <a:bodyPr rtlCol="0" anchor="ctr"/>
+          <a:lstStyle/>
+          <a:p>
+            <a:pPr algn="ctr"/>
+            <a:endParaRPr lang="es-419" dirty="0">
+              <a:solidFill>
+                <a:schemeClr val="tx1"/>
+              </a:solidFill>
+            </a:endParaRPr>
+          </a:p>
+        </p:txBody>
+      </p:sp>
     </p:spTree>
     <p:extLst>
       <p:ext uri="{BB962C8B-B14F-4D97-AF65-F5344CB8AC3E}">
         <p14:creationId xmlns:p14="http://schemas.microsoft.com/office/powerpoint/2010/main" val="3528672996"/>
+      </p:ext>
+    </p:extLst>
+  </p:cSld>
+  <p:clrMapOvr>
+    <a:masterClrMapping/>
+  </p:clrMapOvr>
+</p:sld>
+</file>
+
+<file path=ppt/slides/slide4.xml><?xml version="1.0" encoding="utf-8"?>
+<p:sld xmlns:a="http://schemas.openxmlformats.org/drawingml/2006/main" xmlns:r="http://schemas.openxmlformats.org/officeDocument/2006/relationships" xmlns:p="http://schemas.openxmlformats.org/presentationml/2006/main">
+  <p:cSld>
+    <p:spTree>
+      <p:nvGrpSpPr>
+        <p:cNvPr id="1" name=""/>
+        <p:cNvGrpSpPr/>
+        <p:nvPr/>
+      </p:nvGrpSpPr>
+      <p:grpSpPr>
+        <a:xfrm>
+          <a:off x="0" y="0"/>
+          <a:ext cx="0" cy="0"/>
+          <a:chOff x="0" y="0"/>
+          <a:chExt cx="0" cy="0"/>
+        </a:xfrm>
+      </p:grpSpPr>
+      <p:sp>
+        <p:nvSpPr>
+          <p:cNvPr id="4" name="TextBox 3">
+            <a:extLst>
+              <a:ext uri="{FF2B5EF4-FFF2-40B4-BE49-F238E27FC236}">
+                <a16:creationId xmlns:a16="http://schemas.microsoft.com/office/drawing/2014/main" id="{54EF1926-01C9-2F0A-A099-DFDEE23860A0}"/>
+              </a:ext>
+            </a:extLst>
+          </p:cNvPr>
+          <p:cNvSpPr txBox="1"/>
+          <p:nvPr/>
+        </p:nvSpPr>
+        <p:spPr>
+          <a:xfrm>
+            <a:off x="1052945" y="905164"/>
+            <a:ext cx="1183337" cy="369332"/>
+          </a:xfrm>
+          <a:prstGeom prst="rect">
+            <a:avLst/>
+          </a:prstGeom>
+          <a:noFill/>
+        </p:spPr>
+        <p:txBody>
+          <a:bodyPr wrap="none" rtlCol="0">
+            <a:spAutoFit/>
+          </a:bodyPr>
+          <a:lstStyle/>
+          <a:p>
+            <a:r>
+              <a:rPr lang="es-419" dirty="0"/>
+              <a:t>SQL (ANSI)</a:t>
+            </a:r>
+          </a:p>
+        </p:txBody>
+      </p:sp>
+      <p:sp>
+        <p:nvSpPr>
+          <p:cNvPr id="5" name="TextBox 4">
+            <a:extLst>
+              <a:ext uri="{FF2B5EF4-FFF2-40B4-BE49-F238E27FC236}">
+                <a16:creationId xmlns:a16="http://schemas.microsoft.com/office/drawing/2014/main" id="{4B77870F-22B6-0263-D9B7-A1B4CB756C62}"/>
+              </a:ext>
+            </a:extLst>
+          </p:cNvPr>
+          <p:cNvSpPr txBox="1"/>
+          <p:nvPr/>
+        </p:nvSpPr>
+        <p:spPr>
+          <a:xfrm>
+            <a:off x="2236282" y="1440873"/>
+            <a:ext cx="1825628" cy="369332"/>
+          </a:xfrm>
+          <a:prstGeom prst="rect">
+            <a:avLst/>
+          </a:prstGeom>
+          <a:noFill/>
+        </p:spPr>
+        <p:txBody>
+          <a:bodyPr wrap="none" rtlCol="0">
+            <a:spAutoFit/>
+          </a:bodyPr>
+          <a:lstStyle/>
+          <a:p>
+            <a:r>
+              <a:rPr lang="es-419" dirty="0"/>
+              <a:t>T-SQL (Microsoft)</a:t>
+            </a:r>
+          </a:p>
+        </p:txBody>
+      </p:sp>
+      <p:sp>
+        <p:nvSpPr>
+          <p:cNvPr id="6" name="TextBox 5">
+            <a:extLst>
+              <a:ext uri="{FF2B5EF4-FFF2-40B4-BE49-F238E27FC236}">
+                <a16:creationId xmlns:a16="http://schemas.microsoft.com/office/drawing/2014/main" id="{EBD1B920-90A3-3778-2C38-C6B21EB53BFF}"/>
+              </a:ext>
+            </a:extLst>
+          </p:cNvPr>
+          <p:cNvSpPr txBox="1"/>
+          <p:nvPr/>
+        </p:nvSpPr>
+        <p:spPr>
+          <a:xfrm>
+            <a:off x="2236282" y="1976582"/>
+            <a:ext cx="2635145" cy="369332"/>
+          </a:xfrm>
+          <a:prstGeom prst="rect">
+            <a:avLst/>
+          </a:prstGeom>
+          <a:noFill/>
+        </p:spPr>
+        <p:txBody>
+          <a:bodyPr wrap="none" rtlCol="0">
+            <a:spAutoFit/>
+          </a:bodyPr>
+          <a:lstStyle/>
+          <a:p>
+            <a:r>
+              <a:rPr lang="es-419" dirty="0"/>
+              <a:t>PL/SQL (Oracle / </a:t>
+            </a:r>
+            <a:r>
+              <a:rPr lang="es-419" dirty="0" err="1"/>
+              <a:t>Postgres</a:t>
+            </a:r>
+            <a:r>
+              <a:rPr lang="es-419" dirty="0"/>
+              <a:t>)</a:t>
+            </a:r>
+          </a:p>
+        </p:txBody>
+      </p:sp>
+      <p:cxnSp>
+        <p:nvCxnSpPr>
+          <p:cNvPr id="8" name="Straight Arrow Connector 7">
+            <a:extLst>
+              <a:ext uri="{FF2B5EF4-FFF2-40B4-BE49-F238E27FC236}">
+                <a16:creationId xmlns:a16="http://schemas.microsoft.com/office/drawing/2014/main" id="{EA43D7AA-5899-BB0C-7BD7-304A67A4BD68}"/>
+              </a:ext>
+            </a:extLst>
+          </p:cNvPr>
+          <p:cNvCxnSpPr>
+            <a:stCxn id="4" idx="3"/>
+          </p:cNvCxnSpPr>
+          <p:nvPr/>
+        </p:nvCxnSpPr>
+        <p:spPr>
+          <a:xfrm>
+            <a:off x="2236282" y="1089830"/>
+            <a:ext cx="479209" cy="0"/>
+          </a:xfrm>
+          <a:prstGeom prst="straightConnector1">
+            <a:avLst/>
+          </a:prstGeom>
+          <a:ln>
+            <a:tailEnd type="triangle"/>
+          </a:ln>
+        </p:spPr>
+        <p:style>
+          <a:lnRef idx="1">
+            <a:schemeClr val="accent1"/>
+          </a:lnRef>
+          <a:fillRef idx="0">
+            <a:schemeClr val="accent1"/>
+          </a:fillRef>
+          <a:effectRef idx="0">
+            <a:schemeClr val="accent1"/>
+          </a:effectRef>
+          <a:fontRef idx="minor">
+            <a:schemeClr val="tx1"/>
+          </a:fontRef>
+        </p:style>
+      </p:cxnSp>
+      <p:sp>
+        <p:nvSpPr>
+          <p:cNvPr id="10" name="TextBox 9">
+            <a:extLst>
+              <a:ext uri="{FF2B5EF4-FFF2-40B4-BE49-F238E27FC236}">
+                <a16:creationId xmlns:a16="http://schemas.microsoft.com/office/drawing/2014/main" id="{B5549DB0-B8F3-368D-0304-20FA6C733DCB}"/>
+              </a:ext>
+            </a:extLst>
+          </p:cNvPr>
+          <p:cNvSpPr txBox="1"/>
+          <p:nvPr/>
+        </p:nvSpPr>
+        <p:spPr>
+          <a:xfrm>
+            <a:off x="2715491" y="905164"/>
+            <a:ext cx="1117935" cy="369332"/>
+          </a:xfrm>
+          <a:prstGeom prst="rect">
+            <a:avLst/>
+          </a:prstGeom>
+          <a:noFill/>
+        </p:spPr>
+        <p:txBody>
+          <a:bodyPr wrap="none" rtlCol="0">
+            <a:spAutoFit/>
+          </a:bodyPr>
+          <a:lstStyle/>
+          <a:p>
+            <a:r>
+              <a:rPr lang="es-419" dirty="0"/>
+              <a:t>DDL, DML</a:t>
+            </a:r>
+          </a:p>
+        </p:txBody>
+      </p:sp>
+      <p:cxnSp>
+        <p:nvCxnSpPr>
+          <p:cNvPr id="12" name="Connector: Elbow 11">
+            <a:extLst>
+              <a:ext uri="{FF2B5EF4-FFF2-40B4-BE49-F238E27FC236}">
+                <a16:creationId xmlns:a16="http://schemas.microsoft.com/office/drawing/2014/main" id="{12ABBD60-2CDA-94D9-4828-C349F4C4717F}"/>
+              </a:ext>
+            </a:extLst>
+          </p:cNvPr>
+          <p:cNvCxnSpPr>
+            <a:stCxn id="4" idx="2"/>
+            <a:endCxn id="5" idx="1"/>
+          </p:cNvCxnSpPr>
+          <p:nvPr/>
+        </p:nvCxnSpPr>
+        <p:spPr>
+          <a:xfrm rot="16200000" flipH="1">
+            <a:off x="1764927" y="1154183"/>
+            <a:ext cx="351043" cy="591668"/>
+          </a:xfrm>
+          <a:prstGeom prst="bentConnector2">
+            <a:avLst/>
+          </a:prstGeom>
+          <a:ln>
+            <a:tailEnd type="triangle"/>
+          </a:ln>
+        </p:spPr>
+        <p:style>
+          <a:lnRef idx="1">
+            <a:schemeClr val="accent1"/>
+          </a:lnRef>
+          <a:fillRef idx="0">
+            <a:schemeClr val="accent1"/>
+          </a:fillRef>
+          <a:effectRef idx="0">
+            <a:schemeClr val="accent1"/>
+          </a:effectRef>
+          <a:fontRef idx="minor">
+            <a:schemeClr val="tx1"/>
+          </a:fontRef>
+        </p:style>
+      </p:cxnSp>
+      <p:cxnSp>
+        <p:nvCxnSpPr>
+          <p:cNvPr id="14" name="Connector: Elbow 13">
+            <a:extLst>
+              <a:ext uri="{FF2B5EF4-FFF2-40B4-BE49-F238E27FC236}">
+                <a16:creationId xmlns:a16="http://schemas.microsoft.com/office/drawing/2014/main" id="{2A3ADEFD-1956-8EF6-3F8F-77E488D9BD4F}"/>
+              </a:ext>
+            </a:extLst>
+          </p:cNvPr>
+          <p:cNvCxnSpPr>
+            <a:stCxn id="4" idx="2"/>
+            <a:endCxn id="6" idx="1"/>
+          </p:cNvCxnSpPr>
+          <p:nvPr/>
+        </p:nvCxnSpPr>
+        <p:spPr>
+          <a:xfrm rot="16200000" flipH="1">
+            <a:off x="1497072" y="1422038"/>
+            <a:ext cx="886752" cy="591668"/>
+          </a:xfrm>
+          <a:prstGeom prst="bentConnector2">
+            <a:avLst/>
+          </a:prstGeom>
+          <a:ln>
+            <a:tailEnd type="triangle"/>
+          </a:ln>
+        </p:spPr>
+        <p:style>
+          <a:lnRef idx="1">
+            <a:schemeClr val="accent1"/>
+          </a:lnRef>
+          <a:fillRef idx="0">
+            <a:schemeClr val="accent1"/>
+          </a:fillRef>
+          <a:effectRef idx="0">
+            <a:schemeClr val="accent1"/>
+          </a:effectRef>
+          <a:fontRef idx="minor">
+            <a:schemeClr val="tx1"/>
+          </a:fontRef>
+        </p:style>
+      </p:cxnSp>
+    </p:spTree>
+    <p:extLst>
+      <p:ext uri="{BB962C8B-B14F-4D97-AF65-F5344CB8AC3E}">
+        <p14:creationId xmlns:p14="http://schemas.microsoft.com/office/powerpoint/2010/main" val="3538167522"/>
       </p:ext>
     </p:extLst>
   </p:cSld>
